--- a/Instantaneous Relative Positioning of Multiple GPS Receivers.pptx
+++ b/Instantaneous Relative Positioning of Multiple GPS Receivers.pptx
@@ -5,19 +5,24 @@
     <p:sldMasterId id="2147483686" r:id="rId1"/>
   </p:sldMasterIdLst>
   <p:notesMasterIdLst>
-    <p:notesMasterId r:id="rId12"/>
+    <p:notesMasterId r:id="rId17"/>
   </p:notesMasterIdLst>
   <p:sldIdLst>
     <p:sldId id="256" r:id="rId2"/>
     <p:sldId id="257" r:id="rId3"/>
-    <p:sldId id="262" r:id="rId4"/>
-    <p:sldId id="260" r:id="rId5"/>
-    <p:sldId id="258" r:id="rId6"/>
-    <p:sldId id="259" r:id="rId7"/>
-    <p:sldId id="263" r:id="rId8"/>
-    <p:sldId id="264" r:id="rId9"/>
-    <p:sldId id="265" r:id="rId10"/>
-    <p:sldId id="261" r:id="rId11"/>
+    <p:sldId id="266" r:id="rId4"/>
+    <p:sldId id="262" r:id="rId5"/>
+    <p:sldId id="260" r:id="rId6"/>
+    <p:sldId id="258" r:id="rId7"/>
+    <p:sldId id="259" r:id="rId8"/>
+    <p:sldId id="263" r:id="rId9"/>
+    <p:sldId id="264" r:id="rId10"/>
+    <p:sldId id="265" r:id="rId11"/>
+    <p:sldId id="261" r:id="rId12"/>
+    <p:sldId id="267" r:id="rId13"/>
+    <p:sldId id="268" r:id="rId14"/>
+    <p:sldId id="269" r:id="rId15"/>
+    <p:sldId id="270" r:id="rId16"/>
   </p:sldIdLst>
   <p:sldSz cx="12192000" cy="6858000"/>
   <p:notesSz cx="6858000" cy="9144000"/>
@@ -515,11 +520,7 @@
           <a:p>
             <a:r>
               <a:rPr lang="en-AU" dirty="0" smtClean="0"/>
-              <a:t>Basic</a:t>
-            </a:r>
-            <a:r>
-              <a:rPr lang="en-AU" baseline="0" dirty="0" smtClean="0"/>
-              <a:t> triangulation 2D </a:t>
+              <a:t>Those terms can mean different things in different situations so I’m going to break it down.</a:t>
             </a:r>
             <a:endParaRPr lang="en-AU" dirty="0"/>
           </a:p>
@@ -542,7 +543,7 @@
           <a:p>
             <a:fld id="{14C21260-9D83-4D86-8EC0-364084FA8DC3}" type="slidenum">
               <a:rPr lang="en-AU" smtClean="0"/>
-              <a:t>3</a:t>
+              <a:t>1</a:t>
             </a:fld>
             <a:endParaRPr lang="en-AU"/>
           </a:p>
@@ -551,7 +552,7 @@
     </p:spTree>
     <p:extLst>
       <p:ext uri="{BB962C8B-B14F-4D97-AF65-F5344CB8AC3E}">
-        <p14:creationId xmlns:p14="http://schemas.microsoft.com/office/powerpoint/2010/main" val="3307416202"/>
+        <p14:creationId xmlns:p14="http://schemas.microsoft.com/office/powerpoint/2010/main" val="1471489489"/>
       </p:ext>
     </p:extLst>
   </p:cSld>
@@ -607,17 +608,11 @@
           <a:p>
             <a:r>
               <a:rPr lang="en-AU" dirty="0" smtClean="0"/>
-              <a:t>HOW GPS WORKS: Triangulation</a:t>
+              <a:t>Basic</a:t>
             </a:r>
             <a:r>
               <a:rPr lang="en-AU" baseline="0" dirty="0" smtClean="0"/>
-              <a:t> of 4 satellites – explain time error so need 4</a:t>
-            </a:r>
-          </a:p>
-          <a:p>
-            <a:r>
-              <a:rPr lang="en-AU" baseline="0" dirty="0" smtClean="0"/>
-              <a:t>Solve by NLLS here? – do you need to explain this?</a:t>
+              <a:t> triangulation 2D </a:t>
             </a:r>
             <a:endParaRPr lang="en-AU" dirty="0"/>
           </a:p>
@@ -649,7 +644,7 @@
     </p:spTree>
     <p:extLst>
       <p:ext uri="{BB962C8B-B14F-4D97-AF65-F5344CB8AC3E}">
-        <p14:creationId xmlns:p14="http://schemas.microsoft.com/office/powerpoint/2010/main" val="1211724316"/>
+        <p14:creationId xmlns:p14="http://schemas.microsoft.com/office/powerpoint/2010/main" val="3307416202"/>
       </p:ext>
     </p:extLst>
   </p:cSld>
@@ -705,19 +700,17 @@
           <a:p>
             <a:r>
               <a:rPr lang="en-AU" dirty="0" smtClean="0"/>
-              <a:t>HOW</a:t>
+              <a:t>HOW GPS WORKS: Triangulation</a:t>
             </a:r>
             <a:r>
               <a:rPr lang="en-AU" baseline="0" dirty="0" smtClean="0"/>
-              <a:t> TO MEASURE DISTANCE </a:t>
-            </a:r>
-            <a:r>
-              <a:rPr lang="en-AU" dirty="0" smtClean="0"/>
-              <a:t>WHAT IS GPS.</a:t>
-            </a:r>
+              <a:t> of 4 satellites – explain time error so need 4</a:t>
+            </a:r>
+          </a:p>
+          <a:p>
             <a:r>
               <a:rPr lang="en-AU" baseline="0" dirty="0" smtClean="0"/>
-              <a:t> The distance from a satellite to a receiver is measured by time of flight of signal. used as velocity * time = distance</a:t>
+              <a:t>Solve by NLLS here? – do you need to explain this?</a:t>
             </a:r>
             <a:endParaRPr lang="en-AU" dirty="0"/>
           </a:p>
@@ -749,7 +742,7 @@
     </p:spTree>
     <p:extLst>
       <p:ext uri="{BB962C8B-B14F-4D97-AF65-F5344CB8AC3E}">
-        <p14:creationId xmlns:p14="http://schemas.microsoft.com/office/powerpoint/2010/main" val="49013601"/>
+        <p14:creationId xmlns:p14="http://schemas.microsoft.com/office/powerpoint/2010/main" val="1211724316"/>
       </p:ext>
     </p:extLst>
   </p:cSld>
@@ -805,7 +798,19 @@
           <a:p>
             <a:r>
               <a:rPr lang="en-AU" dirty="0" smtClean="0"/>
-              <a:t>How does it measure how long? HOW TO MEASURE TIME</a:t>
+              <a:t>HOW</a:t>
+            </a:r>
+            <a:r>
+              <a:rPr lang="en-AU" baseline="0" dirty="0" smtClean="0"/>
+              <a:t> TO MEASURE DISTANCE </a:t>
+            </a:r>
+            <a:r>
+              <a:rPr lang="en-AU" dirty="0" smtClean="0"/>
+              <a:t>WHAT IS GPS.</a:t>
+            </a:r>
+            <a:r>
+              <a:rPr lang="en-AU" baseline="0" dirty="0" smtClean="0"/>
+              <a:t> The distance from a satellite to a receiver is measured by time of flight of signal. used as velocity * time = distance</a:t>
             </a:r>
             <a:endParaRPr lang="en-AU" dirty="0"/>
           </a:p>
@@ -837,7 +842,7 @@
     </p:spTree>
     <p:extLst>
       <p:ext uri="{BB962C8B-B14F-4D97-AF65-F5344CB8AC3E}">
-        <p14:creationId xmlns:p14="http://schemas.microsoft.com/office/powerpoint/2010/main" val="3355213229"/>
+        <p14:creationId xmlns:p14="http://schemas.microsoft.com/office/powerpoint/2010/main" val="49013601"/>
       </p:ext>
     </p:extLst>
   </p:cSld>
@@ -893,31 +898,7 @@
           <a:p>
             <a:r>
               <a:rPr lang="en-AU" dirty="0" smtClean="0"/>
-              <a:t>HOWEVER THERE ARE ERRORS WITH</a:t>
-            </a:r>
-            <a:r>
-              <a:rPr lang="en-AU" baseline="0" dirty="0" smtClean="0"/>
-              <a:t> THE TIMING.</a:t>
-            </a:r>
-          </a:p>
-          <a:p>
-            <a:r>
-              <a:rPr lang="en-AU" baseline="0" dirty="0" smtClean="0"/>
-              <a:t>GOING THROUGH THE ATMOPSHERE ALTERS THE speed of light.</a:t>
-            </a:r>
-          </a:p>
-          <a:p>
-            <a:r>
-              <a:rPr lang="en-AU" baseline="0" dirty="0" smtClean="0"/>
-              <a:t>Other errors -&gt; this creates error in the </a:t>
-            </a:r>
-            <a:r>
-              <a:rPr lang="en-AU" baseline="0" dirty="0" err="1" smtClean="0"/>
-              <a:t>pseudorange</a:t>
-            </a:r>
-            <a:r>
-              <a:rPr lang="en-AU" baseline="0" dirty="0" smtClean="0"/>
-              <a:t>.</a:t>
+              <a:t>How does it measure how long? HOW TO MEASURE TIME</a:t>
             </a:r>
             <a:endParaRPr lang="en-AU" dirty="0"/>
           </a:p>
@@ -949,7 +930,7 @@
     </p:spTree>
     <p:extLst>
       <p:ext uri="{BB962C8B-B14F-4D97-AF65-F5344CB8AC3E}">
-        <p14:creationId xmlns:p14="http://schemas.microsoft.com/office/powerpoint/2010/main" val="1836440688"/>
+        <p14:creationId xmlns:p14="http://schemas.microsoft.com/office/powerpoint/2010/main" val="3355213229"/>
       </p:ext>
     </p:extLst>
   </p:cSld>
@@ -1005,11 +986,23 @@
           <a:p>
             <a:r>
               <a:rPr lang="en-AU" dirty="0" smtClean="0"/>
-              <a:t>These correlated errors</a:t>
+              <a:t>HOWEVER THERE ARE ERRORS WITH</a:t>
             </a:r>
             <a:r>
               <a:rPr lang="en-AU" baseline="0" dirty="0" smtClean="0"/>
-              <a:t> can be cancelled out by taking the difference in </a:t>
+              <a:t> THE TIMING.</a:t>
+            </a:r>
+          </a:p>
+          <a:p>
+            <a:r>
+              <a:rPr lang="en-AU" baseline="0" dirty="0" smtClean="0"/>
+              <a:t>GOING THROUGH THE ATMOPSHERE ALTERS THE speed of light.</a:t>
+            </a:r>
+          </a:p>
+          <a:p>
+            <a:r>
+              <a:rPr lang="en-AU" baseline="0" dirty="0" smtClean="0"/>
+              <a:t>Other errors -&gt; this creates error in the </a:t>
             </a:r>
             <a:r>
               <a:rPr lang="en-AU" baseline="0" dirty="0" err="1" smtClean="0"/>
@@ -1017,7 +1010,7 @@
             </a:r>
             <a:r>
               <a:rPr lang="en-AU" baseline="0" dirty="0" smtClean="0"/>
-              <a:t> from one satellite resulting in the distance between those receivers along the normal vector from the sat.</a:t>
+              <a:t>.</a:t>
             </a:r>
             <a:endParaRPr lang="en-AU" dirty="0"/>
           </a:p>
@@ -1041,6 +1034,106 @@
             <a:fld id="{14C21260-9D83-4D86-8EC0-364084FA8DC3}" type="slidenum">
               <a:rPr lang="en-AU" smtClean="0"/>
               <a:t>8</a:t>
+            </a:fld>
+            <a:endParaRPr lang="en-AU"/>
+          </a:p>
+        </p:txBody>
+      </p:sp>
+    </p:spTree>
+    <p:extLst>
+      <p:ext uri="{BB962C8B-B14F-4D97-AF65-F5344CB8AC3E}">
+        <p14:creationId xmlns:p14="http://schemas.microsoft.com/office/powerpoint/2010/main" val="1836440688"/>
+      </p:ext>
+    </p:extLst>
+  </p:cSld>
+  <p:clrMapOvr>
+    <a:masterClrMapping/>
+  </p:clrMapOvr>
+</p:notes>
+</file>
+
+<file path=ppt/notesSlides/notesSlide7.xml><?xml version="1.0" encoding="utf-8"?>
+<p:notes xmlns:a="http://schemas.openxmlformats.org/drawingml/2006/main" xmlns:r="http://schemas.openxmlformats.org/officeDocument/2006/relationships" xmlns:p="http://schemas.openxmlformats.org/presentationml/2006/main">
+  <p:cSld>
+    <p:spTree>
+      <p:nvGrpSpPr>
+        <p:cNvPr id="1" name=""/>
+        <p:cNvGrpSpPr/>
+        <p:nvPr/>
+      </p:nvGrpSpPr>
+      <p:grpSpPr>
+        <a:xfrm>
+          <a:off x="0" y="0"/>
+          <a:ext cx="0" cy="0"/>
+          <a:chOff x="0" y="0"/>
+          <a:chExt cx="0" cy="0"/>
+        </a:xfrm>
+      </p:grpSpPr>
+      <p:sp>
+        <p:nvSpPr>
+          <p:cNvPr id="2" name="Slide Image Placeholder 1"/>
+          <p:cNvSpPr>
+            <a:spLocks noGrp="1" noRot="1" noChangeAspect="1"/>
+          </p:cNvSpPr>
+          <p:nvPr>
+            <p:ph type="sldImg"/>
+          </p:nvPr>
+        </p:nvSpPr>
+        <p:spPr/>
+      </p:sp>
+      <p:sp>
+        <p:nvSpPr>
+          <p:cNvPr id="3" name="Notes Placeholder 2"/>
+          <p:cNvSpPr>
+            <a:spLocks noGrp="1"/>
+          </p:cNvSpPr>
+          <p:nvPr>
+            <p:ph type="body" idx="1"/>
+          </p:nvPr>
+        </p:nvSpPr>
+        <p:spPr/>
+        <p:txBody>
+          <a:bodyPr/>
+          <a:lstStyle/>
+          <a:p>
+            <a:r>
+              <a:rPr lang="en-AU" dirty="0" smtClean="0"/>
+              <a:t>These correlated errors</a:t>
+            </a:r>
+            <a:r>
+              <a:rPr lang="en-AU" baseline="0" dirty="0" smtClean="0"/>
+              <a:t> can be cancelled out by taking the difference in </a:t>
+            </a:r>
+            <a:r>
+              <a:rPr lang="en-AU" baseline="0" dirty="0" err="1" smtClean="0"/>
+              <a:t>pseudorange</a:t>
+            </a:r>
+            <a:r>
+              <a:rPr lang="en-AU" baseline="0" dirty="0" smtClean="0"/>
+              <a:t> from one satellite resulting in the distance between those receivers along the normal vector from the sat.</a:t>
+            </a:r>
+            <a:endParaRPr lang="en-AU" dirty="0"/>
+          </a:p>
+        </p:txBody>
+      </p:sp>
+      <p:sp>
+        <p:nvSpPr>
+          <p:cNvPr id="4" name="Slide Number Placeholder 3"/>
+          <p:cNvSpPr>
+            <a:spLocks noGrp="1"/>
+          </p:cNvSpPr>
+          <p:nvPr>
+            <p:ph type="sldNum" sz="quarter" idx="10"/>
+          </p:nvPr>
+        </p:nvSpPr>
+        <p:spPr/>
+        <p:txBody>
+          <a:bodyPr/>
+          <a:lstStyle/>
+          <a:p>
+            <a:fld id="{14C21260-9D83-4D86-8EC0-364084FA8DC3}" type="slidenum">
+              <a:rPr lang="en-AU" smtClean="0"/>
+              <a:t>9</a:t>
             </a:fld>
             <a:endParaRPr lang="en-AU"/>
           </a:p>
@@ -6909,6 +7002,99 @@
             <p:ph type="title"/>
           </p:nvPr>
         </p:nvSpPr>
+        <p:spPr>
+          <a:xfrm>
+            <a:off x="677334" y="609600"/>
+            <a:ext cx="8596668" cy="860612"/>
+          </a:xfrm>
+        </p:spPr>
+        <p:txBody>
+          <a:bodyPr/>
+          <a:lstStyle/>
+          <a:p>
+            <a:r>
+              <a:rPr lang="en-AU" dirty="0" smtClean="0"/>
+              <a:t>Assumptions</a:t>
+            </a:r>
+            <a:endParaRPr lang="en-AU" dirty="0"/>
+          </a:p>
+        </p:txBody>
+      </p:sp>
+      <p:sp>
+        <p:nvSpPr>
+          <p:cNvPr id="3" name="Content Placeholder 2"/>
+          <p:cNvSpPr>
+            <a:spLocks noGrp="1"/>
+          </p:cNvSpPr>
+          <p:nvPr>
+            <p:ph idx="1"/>
+          </p:nvPr>
+        </p:nvSpPr>
+        <p:spPr>
+          <a:xfrm>
+            <a:off x="677334" y="1470213"/>
+            <a:ext cx="8596668" cy="4571150"/>
+          </a:xfrm>
+        </p:spPr>
+        <p:txBody>
+          <a:bodyPr/>
+          <a:lstStyle/>
+          <a:p>
+            <a:r>
+              <a:rPr lang="en-AU" dirty="0" smtClean="0"/>
+              <a:t>Satellites are far enough away that in the same geographical area </a:t>
+            </a:r>
+            <a:endParaRPr lang="en-AU" dirty="0"/>
+          </a:p>
+        </p:txBody>
+      </p:sp>
+    </p:spTree>
+    <p:extLst>
+      <p:ext uri="{BB962C8B-B14F-4D97-AF65-F5344CB8AC3E}">
+        <p14:creationId xmlns:p14="http://schemas.microsoft.com/office/powerpoint/2010/main" val="2698219118"/>
+      </p:ext>
+    </p:extLst>
+  </p:cSld>
+  <p:clrMapOvr>
+    <a:masterClrMapping/>
+  </p:clrMapOvr>
+  <p:timing>
+    <p:tnLst>
+      <p:par>
+        <p:cTn id="1" dur="indefinite" restart="never" nodeType="tmRoot"/>
+      </p:par>
+    </p:tnLst>
+  </p:timing>
+</p:sld>
+</file>
+
+<file path=ppt/slides/slide11.xml><?xml version="1.0" encoding="utf-8"?>
+<p:sld xmlns:a="http://schemas.openxmlformats.org/drawingml/2006/main" xmlns:r="http://schemas.openxmlformats.org/officeDocument/2006/relationships" xmlns:p="http://schemas.openxmlformats.org/presentationml/2006/main">
+  <p:cSld>
+    <p:spTree>
+      <p:nvGrpSpPr>
+        <p:cNvPr id="1" name=""/>
+        <p:cNvGrpSpPr/>
+        <p:nvPr/>
+      </p:nvGrpSpPr>
+      <p:grpSpPr>
+        <a:xfrm>
+          <a:off x="0" y="0"/>
+          <a:ext cx="0" cy="0"/>
+          <a:chOff x="0" y="0"/>
+          <a:chExt cx="0" cy="0"/>
+        </a:xfrm>
+      </p:grpSpPr>
+      <p:sp>
+        <p:nvSpPr>
+          <p:cNvPr id="2" name="Title 1"/>
+          <p:cNvSpPr>
+            <a:spLocks noGrp="1"/>
+          </p:cNvSpPr>
+          <p:nvPr>
+            <p:ph type="title"/>
+          </p:nvPr>
+        </p:nvSpPr>
         <p:spPr/>
         <p:txBody>
           <a:bodyPr/>
@@ -6936,6 +7122,12 @@
             <a:r>
               <a:rPr lang="en-AU" dirty="0" smtClean="0"/>
               <a:t>The planar algorithm works in a similar way, but instead of solving the intersection of spheres it solves for the intersection of planes</a:t>
+            </a:r>
+          </a:p>
+          <a:p>
+            <a:r>
+              <a:rPr lang="en-AU" dirty="0" smtClean="0"/>
+              <a:t>To solve for the minimum error in the whole system, the distance between receivers is optimised</a:t>
             </a:r>
             <a:endParaRPr lang="en-AU" dirty="0"/>
           </a:p>
@@ -6945,6 +7137,788 @@
     <p:extLst>
       <p:ext uri="{BB962C8B-B14F-4D97-AF65-F5344CB8AC3E}">
         <p14:creationId xmlns:p14="http://schemas.microsoft.com/office/powerpoint/2010/main" val="1766129096"/>
+      </p:ext>
+    </p:extLst>
+  </p:cSld>
+  <p:clrMapOvr>
+    <a:masterClrMapping/>
+  </p:clrMapOvr>
+  <p:timing>
+    <p:tnLst>
+      <p:par>
+        <p:cTn id="1" dur="indefinite" restart="never" nodeType="tmRoot"/>
+      </p:par>
+    </p:tnLst>
+  </p:timing>
+</p:sld>
+</file>
+
+<file path=ppt/slides/slide12.xml><?xml version="1.0" encoding="utf-8"?>
+<p:sld xmlns:a="http://schemas.openxmlformats.org/drawingml/2006/main" xmlns:r="http://schemas.openxmlformats.org/officeDocument/2006/relationships" xmlns:p="http://schemas.openxmlformats.org/presentationml/2006/main" showMasterSp="0">
+  <p:cSld>
+    <p:spTree>
+      <p:nvGrpSpPr>
+        <p:cNvPr id="1" name=""/>
+        <p:cNvGrpSpPr/>
+        <p:nvPr/>
+      </p:nvGrpSpPr>
+      <p:grpSpPr>
+        <a:xfrm>
+          <a:off x="0" y="0"/>
+          <a:ext cx="0" cy="0"/>
+          <a:chOff x="0" y="0"/>
+          <a:chExt cx="0" cy="0"/>
+        </a:xfrm>
+      </p:grpSpPr>
+      <p:sp>
+        <p:nvSpPr>
+          <p:cNvPr id="4" name="Oval 3"/>
+          <p:cNvSpPr/>
+          <p:nvPr/>
+        </p:nvSpPr>
+        <p:spPr>
+          <a:xfrm>
+            <a:off x="1111624" y="2904565"/>
+            <a:ext cx="394447" cy="394447"/>
+          </a:xfrm>
+          <a:prstGeom prst="ellipse">
+            <a:avLst/>
+          </a:prstGeom>
+        </p:spPr>
+        <p:style>
+          <a:lnRef idx="2">
+            <a:schemeClr val="accent6">
+              <a:shade val="50000"/>
+            </a:schemeClr>
+          </a:lnRef>
+          <a:fillRef idx="1">
+            <a:schemeClr val="accent6"/>
+          </a:fillRef>
+          <a:effectRef idx="0">
+            <a:schemeClr val="accent6"/>
+          </a:effectRef>
+          <a:fontRef idx="minor">
+            <a:schemeClr val="lt1"/>
+          </a:fontRef>
+        </p:style>
+        <p:txBody>
+          <a:bodyPr rtlCol="0" anchor="ctr"/>
+          <a:lstStyle/>
+          <a:p>
+            <a:pPr algn="ctr"/>
+            <a:endParaRPr lang="en-AU"/>
+          </a:p>
+        </p:txBody>
+      </p:sp>
+      <p:sp>
+        <p:nvSpPr>
+          <p:cNvPr id="5" name="Oval 4"/>
+          <p:cNvSpPr/>
+          <p:nvPr/>
+        </p:nvSpPr>
+        <p:spPr>
+          <a:xfrm>
+            <a:off x="4876802" y="2940422"/>
+            <a:ext cx="394447" cy="394447"/>
+          </a:xfrm>
+          <a:prstGeom prst="ellipse">
+            <a:avLst/>
+          </a:prstGeom>
+        </p:spPr>
+        <p:style>
+          <a:lnRef idx="2">
+            <a:schemeClr val="accent6">
+              <a:shade val="50000"/>
+            </a:schemeClr>
+          </a:lnRef>
+          <a:fillRef idx="1">
+            <a:schemeClr val="accent6"/>
+          </a:fillRef>
+          <a:effectRef idx="0">
+            <a:schemeClr val="accent6"/>
+          </a:effectRef>
+          <a:fontRef idx="minor">
+            <a:schemeClr val="lt1"/>
+          </a:fontRef>
+        </p:style>
+        <p:txBody>
+          <a:bodyPr rtlCol="0" anchor="ctr"/>
+          <a:lstStyle/>
+          <a:p>
+            <a:pPr algn="ctr"/>
+            <a:endParaRPr lang="en-AU"/>
+          </a:p>
+        </p:txBody>
+      </p:sp>
+      <p:sp>
+        <p:nvSpPr>
+          <p:cNvPr id="6" name="Oval 5"/>
+          <p:cNvSpPr/>
+          <p:nvPr/>
+        </p:nvSpPr>
+        <p:spPr>
+          <a:xfrm>
+            <a:off x="10148048" y="2904563"/>
+            <a:ext cx="394447" cy="394447"/>
+          </a:xfrm>
+          <a:prstGeom prst="ellipse">
+            <a:avLst/>
+          </a:prstGeom>
+        </p:spPr>
+        <p:style>
+          <a:lnRef idx="2">
+            <a:schemeClr val="accent6">
+              <a:shade val="50000"/>
+            </a:schemeClr>
+          </a:lnRef>
+          <a:fillRef idx="1">
+            <a:schemeClr val="accent6"/>
+          </a:fillRef>
+          <a:effectRef idx="0">
+            <a:schemeClr val="accent6"/>
+          </a:effectRef>
+          <a:fontRef idx="minor">
+            <a:schemeClr val="lt1"/>
+          </a:fontRef>
+        </p:style>
+        <p:txBody>
+          <a:bodyPr rtlCol="0" anchor="ctr"/>
+          <a:lstStyle/>
+          <a:p>
+            <a:pPr algn="ctr"/>
+            <a:endParaRPr lang="en-AU"/>
+          </a:p>
+        </p:txBody>
+      </p:sp>
+      <p:cxnSp>
+        <p:nvCxnSpPr>
+          <p:cNvPr id="8" name="Straight Arrow Connector 7"/>
+          <p:cNvCxnSpPr/>
+          <p:nvPr/>
+        </p:nvCxnSpPr>
+        <p:spPr>
+          <a:xfrm>
+            <a:off x="1308847" y="2330824"/>
+            <a:ext cx="3765178" cy="0"/>
+          </a:xfrm>
+          <a:prstGeom prst="straightConnector1">
+            <a:avLst/>
+          </a:prstGeom>
+          <a:ln w="38100">
+            <a:tailEnd type="triangle"/>
+          </a:ln>
+        </p:spPr>
+        <p:style>
+          <a:lnRef idx="1">
+            <a:schemeClr val="dk1"/>
+          </a:lnRef>
+          <a:fillRef idx="0">
+            <a:schemeClr val="dk1"/>
+          </a:fillRef>
+          <a:effectRef idx="0">
+            <a:schemeClr val="dk1"/>
+          </a:effectRef>
+          <a:fontRef idx="minor">
+            <a:schemeClr val="tx1"/>
+          </a:fontRef>
+        </p:style>
+      </p:cxnSp>
+      <p:cxnSp>
+        <p:nvCxnSpPr>
+          <p:cNvPr id="19" name="Straight Arrow Connector 18"/>
+          <p:cNvCxnSpPr/>
+          <p:nvPr/>
+        </p:nvCxnSpPr>
+        <p:spPr>
+          <a:xfrm>
+            <a:off x="5074025" y="3729317"/>
+            <a:ext cx="3370728" cy="0"/>
+          </a:xfrm>
+          <a:prstGeom prst="straightConnector1">
+            <a:avLst/>
+          </a:prstGeom>
+          <a:ln w="38100">
+            <a:solidFill>
+              <a:schemeClr val="tx1"/>
+            </a:solidFill>
+            <a:tailEnd type="triangle"/>
+          </a:ln>
+        </p:spPr>
+        <p:style>
+          <a:lnRef idx="1">
+            <a:schemeClr val="dk1"/>
+          </a:lnRef>
+          <a:fillRef idx="0">
+            <a:schemeClr val="dk1"/>
+          </a:fillRef>
+          <a:effectRef idx="0">
+            <a:schemeClr val="dk1"/>
+          </a:effectRef>
+          <a:fontRef idx="minor">
+            <a:schemeClr val="tx1"/>
+          </a:fontRef>
+        </p:style>
+      </p:cxnSp>
+      <p:cxnSp>
+        <p:nvCxnSpPr>
+          <p:cNvPr id="21" name="Straight Arrow Connector 20"/>
+          <p:cNvCxnSpPr/>
+          <p:nvPr/>
+        </p:nvCxnSpPr>
+        <p:spPr>
+          <a:xfrm>
+            <a:off x="1308847" y="1775012"/>
+            <a:ext cx="9036424" cy="0"/>
+          </a:xfrm>
+          <a:prstGeom prst="straightConnector1">
+            <a:avLst/>
+          </a:prstGeom>
+          <a:ln w="38100">
+            <a:solidFill>
+              <a:schemeClr val="tx1"/>
+            </a:solidFill>
+            <a:tailEnd type="triangle"/>
+          </a:ln>
+        </p:spPr>
+        <p:style>
+          <a:lnRef idx="1">
+            <a:schemeClr val="accent1"/>
+          </a:lnRef>
+          <a:fillRef idx="0">
+            <a:schemeClr val="accent1"/>
+          </a:fillRef>
+          <a:effectRef idx="0">
+            <a:schemeClr val="accent1"/>
+          </a:effectRef>
+          <a:fontRef idx="minor">
+            <a:schemeClr val="tx1"/>
+          </a:fontRef>
+        </p:style>
+      </p:cxnSp>
+      <p:sp>
+        <p:nvSpPr>
+          <p:cNvPr id="45" name="TextBox 44"/>
+          <p:cNvSpPr txBox="1"/>
+          <p:nvPr/>
+        </p:nvSpPr>
+        <p:spPr>
+          <a:xfrm>
+            <a:off x="661147" y="4454561"/>
+            <a:ext cx="1295400" cy="369332"/>
+          </a:xfrm>
+          <a:prstGeom prst="rect">
+            <a:avLst/>
+          </a:prstGeom>
+          <a:noFill/>
+        </p:spPr>
+        <p:txBody>
+          <a:bodyPr wrap="square" rtlCol="0">
+            <a:spAutoFit/>
+          </a:bodyPr>
+          <a:lstStyle/>
+          <a:p>
+            <a:r>
+              <a:rPr lang="en-AU" dirty="0" smtClean="0"/>
+              <a:t>Receiver 1</a:t>
+            </a:r>
+            <a:endParaRPr lang="en-AU" dirty="0"/>
+          </a:p>
+        </p:txBody>
+      </p:sp>
+      <p:sp>
+        <p:nvSpPr>
+          <p:cNvPr id="46" name="TextBox 45"/>
+          <p:cNvSpPr txBox="1"/>
+          <p:nvPr/>
+        </p:nvSpPr>
+        <p:spPr>
+          <a:xfrm>
+            <a:off x="4876802" y="4454561"/>
+            <a:ext cx="1295400" cy="369332"/>
+          </a:xfrm>
+          <a:prstGeom prst="rect">
+            <a:avLst/>
+          </a:prstGeom>
+          <a:noFill/>
+        </p:spPr>
+        <p:txBody>
+          <a:bodyPr wrap="square" rtlCol="0">
+            <a:spAutoFit/>
+          </a:bodyPr>
+          <a:lstStyle/>
+          <a:p>
+            <a:r>
+              <a:rPr lang="en-AU" dirty="0" smtClean="0"/>
+              <a:t>Receiver 2</a:t>
+            </a:r>
+            <a:endParaRPr lang="en-AU" dirty="0"/>
+          </a:p>
+        </p:txBody>
+      </p:sp>
+      <p:sp>
+        <p:nvSpPr>
+          <p:cNvPr id="47" name="TextBox 46"/>
+          <p:cNvSpPr txBox="1"/>
+          <p:nvPr/>
+        </p:nvSpPr>
+        <p:spPr>
+          <a:xfrm>
+            <a:off x="9500348" y="4454561"/>
+            <a:ext cx="1295400" cy="369332"/>
+          </a:xfrm>
+          <a:prstGeom prst="rect">
+            <a:avLst/>
+          </a:prstGeom>
+          <a:noFill/>
+        </p:spPr>
+        <p:txBody>
+          <a:bodyPr wrap="square" rtlCol="0">
+            <a:spAutoFit/>
+          </a:bodyPr>
+          <a:lstStyle/>
+          <a:p>
+            <a:r>
+              <a:rPr lang="en-AU" dirty="0" smtClean="0"/>
+              <a:t>Receiver 3</a:t>
+            </a:r>
+            <a:endParaRPr lang="en-AU" dirty="0"/>
+          </a:p>
+        </p:txBody>
+      </p:sp>
+    </p:spTree>
+    <p:extLst>
+      <p:ext uri="{BB962C8B-B14F-4D97-AF65-F5344CB8AC3E}">
+        <p14:creationId xmlns:p14="http://schemas.microsoft.com/office/powerpoint/2010/main" val="3225976831"/>
+      </p:ext>
+    </p:extLst>
+  </p:cSld>
+  <p:clrMapOvr>
+    <a:masterClrMapping/>
+  </p:clrMapOvr>
+  <p:timing>
+    <p:tnLst>
+      <p:par>
+        <p:cTn id="1" dur="indefinite" restart="never" nodeType="tmRoot">
+          <p:childTnLst>
+            <p:seq concurrent="1" nextAc="seek">
+              <p:cTn id="2" dur="indefinite" nodeType="mainSeq">
+                <p:childTnLst>
+                  <p:par>
+                    <p:cTn id="3" fill="hold">
+                      <p:stCondLst>
+                        <p:cond delay="indefinite"/>
+                      </p:stCondLst>
+                      <p:childTnLst>
+                        <p:par>
+                          <p:cTn id="4" fill="hold">
+                            <p:stCondLst>
+                              <p:cond delay="0"/>
+                            </p:stCondLst>
+                            <p:childTnLst>
+                              <p:par>
+                                <p:cTn id="5" presetID="35" presetClass="path" presetSubtype="0" accel="50000" decel="50000" fill="hold" grpId="0" nodeType="clickEffect">
+                                  <p:stCondLst>
+                                    <p:cond delay="0"/>
+                                  </p:stCondLst>
+                                  <p:childTnLst>
+                                    <p:animMotion origin="layout" path="M 2.5E-6 -4.81481E-6 L -0.09115 0.00255 " pathEditMode="relative" rAng="0" ptsTypes="AA">
+                                      <p:cBhvr>
+                                        <p:cTn id="6" dur="2000" fill="hold"/>
+                                        <p:tgtEl>
+                                          <p:spTgt spid="6"/>
+                                        </p:tgtEl>
+                                        <p:attrNameLst>
+                                          <p:attrName>ppt_x</p:attrName>
+                                          <p:attrName>ppt_y</p:attrName>
+                                        </p:attrNameLst>
+                                      </p:cBhvr>
+                                      <p:rCtr x="-4557" y="116"/>
+                                    </p:animMotion>
+                                  </p:childTnLst>
+                                </p:cTn>
+                              </p:par>
+                              <p:par>
+                                <p:cTn id="7" presetID="63" presetClass="path" presetSubtype="0" accel="50000" decel="50000" fill="hold" grpId="0" nodeType="withEffect">
+                                  <p:stCondLst>
+                                    <p:cond delay="0"/>
+                                  </p:stCondLst>
+                                  <p:childTnLst>
+                                    <p:animMotion origin="layout" path="M 4.16667E-6 2.59259E-6 L 0.07356 2.59259E-6 " pathEditMode="relative" rAng="0" ptsTypes="AA">
+                                      <p:cBhvr>
+                                        <p:cTn id="8" dur="2000" fill="hold"/>
+                                        <p:tgtEl>
+                                          <p:spTgt spid="5"/>
+                                        </p:tgtEl>
+                                        <p:attrNameLst>
+                                          <p:attrName>ppt_x</p:attrName>
+                                          <p:attrName>ppt_y</p:attrName>
+                                        </p:attrNameLst>
+                                      </p:cBhvr>
+                                      <p:rCtr x="3672" y="0"/>
+                                    </p:animMotion>
+                                  </p:childTnLst>
+                                </p:cTn>
+                              </p:par>
+                              <p:par>
+                                <p:cTn id="9" presetID="63" presetClass="path" presetSubtype="0" accel="50000" decel="50000" fill="hold" nodeType="withEffect">
+                                  <p:stCondLst>
+                                    <p:cond delay="0"/>
+                                  </p:stCondLst>
+                                  <p:childTnLst>
+                                    <p:animMotion origin="layout" path="M 2.91667E-6 0 L 0.07356 0 " pathEditMode="relative" rAng="0" ptsTypes="AA">
+                                      <p:cBhvr>
+                                        <p:cTn id="10" dur="2000" fill="hold"/>
+                                        <p:tgtEl>
+                                          <p:spTgt spid="19"/>
+                                        </p:tgtEl>
+                                        <p:attrNameLst>
+                                          <p:attrName>ppt_x</p:attrName>
+                                          <p:attrName>ppt_y</p:attrName>
+                                        </p:attrNameLst>
+                                      </p:cBhvr>
+                                      <p:rCtr x="3672" y="0"/>
+                                    </p:animMotion>
+                                  </p:childTnLst>
+                                </p:cTn>
+                              </p:par>
+                            </p:childTnLst>
+                          </p:cTn>
+                        </p:par>
+                        <p:par>
+                          <p:cTn id="11" fill="hold">
+                            <p:stCondLst>
+                              <p:cond delay="2000"/>
+                            </p:stCondLst>
+                            <p:childTnLst>
+                              <p:par>
+                                <p:cTn id="12" presetID="35" presetClass="path" presetSubtype="0" accel="50000" decel="50000" fill="hold" grpId="1" nodeType="afterEffect">
+                                  <p:stCondLst>
+                                    <p:cond delay="0"/>
+                                  </p:stCondLst>
+                                  <p:childTnLst>
+                                    <p:animMotion origin="layout" path="M 0.07356 2.59259E-6 L 0.03815 -0.00023 " pathEditMode="relative" rAng="0" ptsTypes="AA">
+                                      <p:cBhvr>
+                                        <p:cTn id="13" dur="1000" fill="hold"/>
+                                        <p:tgtEl>
+                                          <p:spTgt spid="5"/>
+                                        </p:tgtEl>
+                                        <p:attrNameLst>
+                                          <p:attrName>ppt_x</p:attrName>
+                                          <p:attrName>ppt_y</p:attrName>
+                                        </p:attrNameLst>
+                                      </p:cBhvr>
+                                      <p:rCtr x="-1771" y="-23"/>
+                                    </p:animMotion>
+                                  </p:childTnLst>
+                                </p:cTn>
+                              </p:par>
+                              <p:par>
+                                <p:cTn id="14" presetID="63" presetClass="path" presetSubtype="0" accel="50000" decel="50000" fill="hold" grpId="1" nodeType="withEffect">
+                                  <p:stCondLst>
+                                    <p:cond delay="0"/>
+                                  </p:stCondLst>
+                                  <p:childTnLst>
+                                    <p:animMotion origin="layout" path="M -0.09115 0.00255 L -0.04388 0.00186 " pathEditMode="relative" rAng="0" ptsTypes="AA">
+                                      <p:cBhvr>
+                                        <p:cTn id="15" dur="1000" fill="hold"/>
+                                        <p:tgtEl>
+                                          <p:spTgt spid="6"/>
+                                        </p:tgtEl>
+                                        <p:attrNameLst>
+                                          <p:attrName>ppt_x</p:attrName>
+                                          <p:attrName>ppt_y</p:attrName>
+                                        </p:attrNameLst>
+                                      </p:cBhvr>
+                                      <p:rCtr x="2279" y="-46"/>
+                                    </p:animMotion>
+                                  </p:childTnLst>
+                                </p:cTn>
+                              </p:par>
+                            </p:childTnLst>
+                          </p:cTn>
+                        </p:par>
+                      </p:childTnLst>
+                    </p:cTn>
+                  </p:par>
+                </p:childTnLst>
+              </p:cTn>
+              <p:prevCondLst>
+                <p:cond evt="onPrev" delay="0">
+                  <p:tgtEl>
+                    <p:sldTgt/>
+                  </p:tgtEl>
+                </p:cond>
+              </p:prevCondLst>
+              <p:nextCondLst>
+                <p:cond evt="onNext" delay="0">
+                  <p:tgtEl>
+                    <p:sldTgt/>
+                  </p:tgtEl>
+                </p:cond>
+              </p:nextCondLst>
+            </p:seq>
+          </p:childTnLst>
+        </p:cTn>
+      </p:par>
+    </p:tnLst>
+    <p:bldLst>
+      <p:bldP spid="5" grpId="0" animBg="1"/>
+      <p:bldP spid="5" grpId="1" animBg="1"/>
+      <p:bldP spid="6" grpId="0" animBg="1"/>
+      <p:bldP spid="6" grpId="1" animBg="1"/>
+    </p:bldLst>
+  </p:timing>
+</p:sld>
+</file>
+
+<file path=ppt/slides/slide13.xml><?xml version="1.0" encoding="utf-8"?>
+<p:sld xmlns:a="http://schemas.openxmlformats.org/drawingml/2006/main" xmlns:r="http://schemas.openxmlformats.org/officeDocument/2006/relationships" xmlns:p="http://schemas.openxmlformats.org/presentationml/2006/main">
+  <p:cSld>
+    <p:spTree>
+      <p:nvGrpSpPr>
+        <p:cNvPr id="1" name=""/>
+        <p:cNvGrpSpPr/>
+        <p:nvPr/>
+      </p:nvGrpSpPr>
+      <p:grpSpPr>
+        <a:xfrm>
+          <a:off x="0" y="0"/>
+          <a:ext cx="0" cy="0"/>
+          <a:chOff x="0" y="0"/>
+          <a:chExt cx="0" cy="0"/>
+        </a:xfrm>
+      </p:grpSpPr>
+      <p:sp>
+        <p:nvSpPr>
+          <p:cNvPr id="2" name="Title 1"/>
+          <p:cNvSpPr>
+            <a:spLocks noGrp="1"/>
+          </p:cNvSpPr>
+          <p:nvPr>
+            <p:ph type="title"/>
+          </p:nvPr>
+        </p:nvSpPr>
+        <p:spPr/>
+        <p:txBody>
+          <a:bodyPr/>
+          <a:lstStyle/>
+          <a:p>
+            <a:r>
+              <a:rPr lang="en-AU" dirty="0" smtClean="0"/>
+              <a:t>Show the maths of distance between planes optimisation</a:t>
+            </a:r>
+            <a:endParaRPr lang="en-AU" dirty="0"/>
+          </a:p>
+        </p:txBody>
+      </p:sp>
+      <p:sp>
+        <p:nvSpPr>
+          <p:cNvPr id="3" name="Content Placeholder 2"/>
+          <p:cNvSpPr>
+            <a:spLocks noGrp="1"/>
+          </p:cNvSpPr>
+          <p:nvPr>
+            <p:ph idx="1"/>
+          </p:nvPr>
+        </p:nvSpPr>
+        <p:spPr/>
+        <p:txBody>
+          <a:bodyPr/>
+          <a:lstStyle/>
+          <a:p>
+            <a:r>
+              <a:rPr lang="en-AU" dirty="0" smtClean="0"/>
+              <a:t>Solve the </a:t>
+            </a:r>
+            <a:r>
+              <a:rPr lang="en-AU" dirty="0" err="1" smtClean="0"/>
+              <a:t>overdetermined</a:t>
+            </a:r>
+            <a:r>
+              <a:rPr lang="en-AU" dirty="0" smtClean="0"/>
+              <a:t> system by linear least squares.</a:t>
+            </a:r>
+          </a:p>
+          <a:p>
+            <a:endParaRPr lang="en-AU" dirty="0" smtClean="0"/>
+          </a:p>
+          <a:p>
+            <a:r>
+              <a:rPr lang="en-AU" dirty="0" smtClean="0"/>
+              <a:t>Calculate the pseudo inverse</a:t>
+            </a:r>
+            <a:endParaRPr lang="en-AU" dirty="0"/>
+          </a:p>
+        </p:txBody>
+      </p:sp>
+    </p:spTree>
+    <p:extLst>
+      <p:ext uri="{BB962C8B-B14F-4D97-AF65-F5344CB8AC3E}">
+        <p14:creationId xmlns:p14="http://schemas.microsoft.com/office/powerpoint/2010/main" val="1136442994"/>
+      </p:ext>
+    </p:extLst>
+  </p:cSld>
+  <p:clrMapOvr>
+    <a:masterClrMapping/>
+  </p:clrMapOvr>
+  <p:timing>
+    <p:tnLst>
+      <p:par>
+        <p:cTn id="1" dur="indefinite" restart="never" nodeType="tmRoot"/>
+      </p:par>
+    </p:tnLst>
+  </p:timing>
+</p:sld>
+</file>
+
+<file path=ppt/slides/slide14.xml><?xml version="1.0" encoding="utf-8"?>
+<p:sld xmlns:a="http://schemas.openxmlformats.org/drawingml/2006/main" xmlns:r="http://schemas.openxmlformats.org/officeDocument/2006/relationships" xmlns:p="http://schemas.openxmlformats.org/presentationml/2006/main">
+  <p:cSld>
+    <p:spTree>
+      <p:nvGrpSpPr>
+        <p:cNvPr id="1" name=""/>
+        <p:cNvGrpSpPr/>
+        <p:nvPr/>
+      </p:nvGrpSpPr>
+      <p:grpSpPr>
+        <a:xfrm>
+          <a:off x="0" y="0"/>
+          <a:ext cx="0" cy="0"/>
+          <a:chOff x="0" y="0"/>
+          <a:chExt cx="0" cy="0"/>
+        </a:xfrm>
+      </p:grpSpPr>
+      <p:sp>
+        <p:nvSpPr>
+          <p:cNvPr id="2" name="Title 1"/>
+          <p:cNvSpPr>
+            <a:spLocks noGrp="1"/>
+          </p:cNvSpPr>
+          <p:nvPr>
+            <p:ph type="title"/>
+          </p:nvPr>
+        </p:nvSpPr>
+        <p:spPr/>
+        <p:txBody>
+          <a:bodyPr/>
+          <a:lstStyle/>
+          <a:p>
+            <a:r>
+              <a:rPr lang="en-AU" dirty="0" smtClean="0"/>
+              <a:t>Construction of planes</a:t>
+            </a:r>
+            <a:endParaRPr lang="en-AU" dirty="0"/>
+          </a:p>
+        </p:txBody>
+      </p:sp>
+      <p:sp>
+        <p:nvSpPr>
+          <p:cNvPr id="3" name="Content Placeholder 2"/>
+          <p:cNvSpPr>
+            <a:spLocks noGrp="1"/>
+          </p:cNvSpPr>
+          <p:nvPr>
+            <p:ph idx="1"/>
+          </p:nvPr>
+        </p:nvSpPr>
+        <p:spPr/>
+        <p:txBody>
+          <a:bodyPr/>
+          <a:lstStyle/>
+          <a:p>
+            <a:r>
+              <a:rPr lang="en-AU" dirty="0" smtClean="0"/>
+              <a:t>Using the optimised distances previously calculated</a:t>
+            </a:r>
+          </a:p>
+          <a:p>
+            <a:endParaRPr lang="en-AU" dirty="0"/>
+          </a:p>
+        </p:txBody>
+      </p:sp>
+    </p:spTree>
+    <p:extLst>
+      <p:ext uri="{BB962C8B-B14F-4D97-AF65-F5344CB8AC3E}">
+        <p14:creationId xmlns:p14="http://schemas.microsoft.com/office/powerpoint/2010/main" val="3311314878"/>
+      </p:ext>
+    </p:extLst>
+  </p:cSld>
+  <p:clrMapOvr>
+    <a:masterClrMapping/>
+  </p:clrMapOvr>
+  <p:timing>
+    <p:tnLst>
+      <p:par>
+        <p:cTn id="1" dur="indefinite" restart="never" nodeType="tmRoot"/>
+      </p:par>
+    </p:tnLst>
+  </p:timing>
+</p:sld>
+</file>
+
+<file path=ppt/slides/slide15.xml><?xml version="1.0" encoding="utf-8"?>
+<p:sld xmlns:a="http://schemas.openxmlformats.org/drawingml/2006/main" xmlns:r="http://schemas.openxmlformats.org/officeDocument/2006/relationships" xmlns:p="http://schemas.openxmlformats.org/presentationml/2006/main">
+  <p:cSld>
+    <p:spTree>
+      <p:nvGrpSpPr>
+        <p:cNvPr id="1" name=""/>
+        <p:cNvGrpSpPr/>
+        <p:nvPr/>
+      </p:nvGrpSpPr>
+      <p:grpSpPr>
+        <a:xfrm>
+          <a:off x="0" y="0"/>
+          <a:ext cx="0" cy="0"/>
+          <a:chOff x="0" y="0"/>
+          <a:chExt cx="0" cy="0"/>
+        </a:xfrm>
+      </p:grpSpPr>
+      <p:sp>
+        <p:nvSpPr>
+          <p:cNvPr id="2" name="Title 1"/>
+          <p:cNvSpPr>
+            <a:spLocks noGrp="1"/>
+          </p:cNvSpPr>
+          <p:nvPr>
+            <p:ph type="title"/>
+          </p:nvPr>
+        </p:nvSpPr>
+        <p:spPr/>
+        <p:txBody>
+          <a:bodyPr/>
+          <a:lstStyle/>
+          <a:p>
+            <a:r>
+              <a:rPr lang="en-AU" dirty="0" smtClean="0"/>
+              <a:t>Solve intersection of planes</a:t>
+            </a:r>
+            <a:endParaRPr lang="en-AU" dirty="0"/>
+          </a:p>
+        </p:txBody>
+      </p:sp>
+      <p:sp>
+        <p:nvSpPr>
+          <p:cNvPr id="3" name="Content Placeholder 2"/>
+          <p:cNvSpPr>
+            <a:spLocks noGrp="1"/>
+          </p:cNvSpPr>
+          <p:nvPr>
+            <p:ph idx="1"/>
+          </p:nvPr>
+        </p:nvSpPr>
+        <p:spPr/>
+        <p:txBody>
+          <a:bodyPr/>
+          <a:lstStyle/>
+          <a:p>
+            <a:endParaRPr lang="en-AU"/>
+          </a:p>
+        </p:txBody>
+      </p:sp>
+    </p:spTree>
+    <p:extLst>
+      <p:ext uri="{BB962C8B-B14F-4D97-AF65-F5344CB8AC3E}">
+        <p14:creationId xmlns:p14="http://schemas.microsoft.com/office/powerpoint/2010/main" val="3702934606"/>
       </p:ext>
     </p:extLst>
   </p:cSld>
@@ -6994,8 +7968,8 @@
           <a:lstStyle/>
           <a:p>
             <a:r>
-              <a:rPr lang="en-AU" dirty="0" err="1" smtClean="0"/>
-              <a:t>Intoduction</a:t>
+              <a:rPr lang="en-AU" dirty="0" smtClean="0"/>
+              <a:t>Breakdown</a:t>
             </a:r>
             <a:endParaRPr lang="en-AU" dirty="0"/>
           </a:p>
@@ -7011,77 +7985,52 @@
             <p:ph idx="1"/>
           </p:nvPr>
         </p:nvSpPr>
-        <p:spPr/>
+        <p:spPr>
+          <a:xfrm>
+            <a:off x="677334" y="1930400"/>
+            <a:ext cx="11138148" cy="3880773"/>
+          </a:xfrm>
+        </p:spPr>
         <p:txBody>
           <a:bodyPr/>
           <a:lstStyle/>
           <a:p>
             <a:r>
-              <a:rPr lang="en-AU" dirty="0" smtClean="0"/>
-              <a:t>Instantaneous -</a:t>
-            </a:r>
-            <a:r>
-              <a:rPr lang="en-AU" dirty="0"/>
-              <a:t> Only uses one </a:t>
-            </a:r>
-            <a:r>
-              <a:rPr lang="en-AU" dirty="0" err="1" smtClean="0"/>
+              <a:rPr lang="en-AU" sz="2800" dirty="0" smtClean="0"/>
+              <a:t>Instantaneous – Uses one </a:t>
+            </a:r>
+            <a:r>
+              <a:rPr lang="en-AU" sz="2800" dirty="0" err="1" smtClean="0"/>
               <a:t>timestep</a:t>
             </a:r>
+            <a:endParaRPr lang="en-AU" sz="2800" dirty="0" smtClean="0"/>
+          </a:p>
+          <a:p>
+            <a:r>
+              <a:rPr lang="en-AU" sz="2800" dirty="0" smtClean="0"/>
+              <a:t>Relative position – 3D position vector between nodes in a chosen local frame</a:t>
+            </a:r>
+          </a:p>
+          <a:p>
+            <a:r>
+              <a:rPr lang="en-AU" sz="2800" dirty="0" smtClean="0"/>
+              <a:t>Multiple - </a:t>
+            </a:r>
+            <a:r>
+              <a:rPr lang="en-AU" sz="2800" dirty="0"/>
+              <a:t>many nodes in the </a:t>
+            </a:r>
+            <a:r>
+              <a:rPr lang="en-AU" sz="2800" dirty="0" smtClean="0"/>
+              <a:t>network</a:t>
+            </a:r>
+          </a:p>
+          <a:p>
+            <a:r>
+              <a:rPr lang="en-AU" sz="2800" dirty="0" smtClean="0"/>
+              <a:t>GPS Receivers – using only GPS signals</a:t>
+            </a:r>
             <a:endParaRPr lang="en-AU" dirty="0" smtClean="0"/>
-          </a:p>
-          <a:p>
-            <a:r>
-              <a:rPr lang="en-AU" dirty="0" smtClean="0"/>
-              <a:t>Relative position – 3D position vectors in a chosen local frame</a:t>
-            </a:r>
-          </a:p>
-          <a:p>
-            <a:r>
-              <a:rPr lang="en-AU" dirty="0" smtClean="0"/>
-              <a:t>Multiple – many nodes in the network</a:t>
-            </a:r>
-          </a:p>
-          <a:p>
-            <a:r>
-              <a:rPr lang="en-AU" dirty="0" smtClean="0"/>
-              <a:t>GPS Receivers – using only GPS signals</a:t>
-            </a:r>
-            <a:endParaRPr lang="en-AU" dirty="0"/>
-          </a:p>
-          <a:p>
-            <a:endParaRPr lang="en-AU" dirty="0" smtClean="0"/>
-          </a:p>
-          <a:p>
-            <a:r>
-              <a:rPr lang="en-AU" dirty="0"/>
-              <a:t>made a new algorithm for solving for relative position between receivers using </a:t>
-            </a:r>
-            <a:r>
-              <a:rPr lang="en-AU" dirty="0" err="1"/>
-              <a:t>gps</a:t>
-            </a:r>
-            <a:r>
-              <a:rPr lang="en-AU" dirty="0"/>
-              <a:t> signals</a:t>
-            </a:r>
-          </a:p>
-          <a:p>
-            <a:r>
-              <a:rPr lang="en-AU" dirty="0" smtClean="0"/>
-              <a:t>Minimise relative error between ALL nodes, not just from the reference node</a:t>
-            </a:r>
-          </a:p>
-          <a:p>
-            <a:r>
-              <a:rPr lang="en-AU" dirty="0" smtClean="0"/>
-              <a:t>Reference node is just to identify </a:t>
-            </a:r>
-            <a:r>
-              <a:rPr lang="en-AU" smtClean="0"/>
-              <a:t>a frame</a:t>
-            </a:r>
-            <a:endParaRPr lang="en-AU" dirty="0"/>
           </a:p>
         </p:txBody>
       </p:sp>
@@ -7137,7 +8086,7 @@
           <a:bodyPr/>
           <a:lstStyle/>
           <a:p>
-            <a:endParaRPr lang="en-AU"/>
+            <a:endParaRPr lang="en-AU" dirty="0"/>
           </a:p>
         </p:txBody>
       </p:sp>
@@ -7156,14 +8105,40 @@
           <a:bodyPr/>
           <a:lstStyle/>
           <a:p>
-            <a:endParaRPr lang="en-AU"/>
+            <a:r>
+              <a:rPr lang="en-AU" dirty="0"/>
+              <a:t>made a new algorithm for solving for relative position between receivers using </a:t>
+            </a:r>
+            <a:r>
+              <a:rPr lang="en-AU" dirty="0" err="1"/>
+              <a:t>gps</a:t>
+            </a:r>
+            <a:r>
+              <a:rPr lang="en-AU" dirty="0"/>
+              <a:t> signals</a:t>
+            </a:r>
+          </a:p>
+          <a:p>
+            <a:r>
+              <a:rPr lang="en-AU" dirty="0"/>
+              <a:t>Minimise relative error between ALL nodes, not just from the reference node</a:t>
+            </a:r>
+          </a:p>
+          <a:p>
+            <a:r>
+              <a:rPr lang="en-AU" dirty="0"/>
+              <a:t>Reference node is just to identify a frame</a:t>
+            </a:r>
+          </a:p>
+          <a:p>
+            <a:endParaRPr lang="en-AU" dirty="0"/>
           </a:p>
         </p:txBody>
       </p:sp>
     </p:spTree>
     <p:extLst>
       <p:ext uri="{BB962C8B-B14F-4D97-AF65-F5344CB8AC3E}">
-        <p14:creationId xmlns:p14="http://schemas.microsoft.com/office/powerpoint/2010/main" val="1370601845"/>
+        <p14:creationId xmlns:p14="http://schemas.microsoft.com/office/powerpoint/2010/main" val="4064847271"/>
       </p:ext>
     </p:extLst>
   </p:cSld>
@@ -7231,6 +8206,81 @@
           <a:bodyPr/>
           <a:lstStyle/>
           <a:p>
+            <a:endParaRPr lang="en-AU"/>
+          </a:p>
+        </p:txBody>
+      </p:sp>
+    </p:spTree>
+    <p:extLst>
+      <p:ext uri="{BB962C8B-B14F-4D97-AF65-F5344CB8AC3E}">
+        <p14:creationId xmlns:p14="http://schemas.microsoft.com/office/powerpoint/2010/main" val="1370601845"/>
+      </p:ext>
+    </p:extLst>
+  </p:cSld>
+  <p:clrMapOvr>
+    <a:masterClrMapping/>
+  </p:clrMapOvr>
+  <p:timing>
+    <p:tnLst>
+      <p:par>
+        <p:cTn id="1" dur="indefinite" restart="never" nodeType="tmRoot"/>
+      </p:par>
+    </p:tnLst>
+  </p:timing>
+</p:sld>
+</file>
+
+<file path=ppt/slides/slide5.xml><?xml version="1.0" encoding="utf-8"?>
+<p:sld xmlns:a="http://schemas.openxmlformats.org/drawingml/2006/main" xmlns:r="http://schemas.openxmlformats.org/officeDocument/2006/relationships" xmlns:p="http://schemas.openxmlformats.org/presentationml/2006/main">
+  <p:cSld>
+    <p:spTree>
+      <p:nvGrpSpPr>
+        <p:cNvPr id="1" name=""/>
+        <p:cNvGrpSpPr/>
+        <p:nvPr/>
+      </p:nvGrpSpPr>
+      <p:grpSpPr>
+        <a:xfrm>
+          <a:off x="0" y="0"/>
+          <a:ext cx="0" cy="0"/>
+          <a:chOff x="0" y="0"/>
+          <a:chExt cx="0" cy="0"/>
+        </a:xfrm>
+      </p:grpSpPr>
+      <p:sp>
+        <p:nvSpPr>
+          <p:cNvPr id="2" name="Title 1"/>
+          <p:cNvSpPr>
+            <a:spLocks noGrp="1"/>
+          </p:cNvSpPr>
+          <p:nvPr>
+            <p:ph type="title"/>
+          </p:nvPr>
+        </p:nvSpPr>
+        <p:spPr/>
+        <p:txBody>
+          <a:bodyPr/>
+          <a:lstStyle/>
+          <a:p>
+            <a:endParaRPr lang="en-AU"/>
+          </a:p>
+        </p:txBody>
+      </p:sp>
+      <p:sp>
+        <p:nvSpPr>
+          <p:cNvPr id="3" name="Content Placeholder 2"/>
+          <p:cNvSpPr>
+            <a:spLocks noGrp="1"/>
+          </p:cNvSpPr>
+          <p:nvPr>
+            <p:ph idx="1"/>
+          </p:nvPr>
+        </p:nvSpPr>
+        <p:spPr/>
+        <p:txBody>
+          <a:bodyPr/>
+          <a:lstStyle/>
+          <a:p>
             <a:endParaRPr lang="en-AU" dirty="0"/>
           </a:p>
         </p:txBody>
@@ -7255,7 +8305,7 @@
 </p:sld>
 </file>
 
-<file path=ppt/slides/slide5.xml><?xml version="1.0" encoding="utf-8"?>
+<file path=ppt/slides/slide6.xml><?xml version="1.0" encoding="utf-8"?>
 <p:sld xmlns:a="http://schemas.openxmlformats.org/drawingml/2006/main" xmlns:r="http://schemas.openxmlformats.org/officeDocument/2006/relationships" xmlns:p="http://schemas.openxmlformats.org/presentationml/2006/main" showMasterSp="0">
   <p:cSld>
     <p:spTree>
@@ -7640,7 +8690,7 @@
 </p:sld>
 </file>
 
-<file path=ppt/slides/slide6.xml><?xml version="1.0" encoding="utf-8"?>
+<file path=ppt/slides/slide7.xml><?xml version="1.0" encoding="utf-8"?>
 <p:sld xmlns:a="http://schemas.openxmlformats.org/drawingml/2006/main" xmlns:r="http://schemas.openxmlformats.org/officeDocument/2006/relationships" xmlns:p="http://schemas.openxmlformats.org/presentationml/2006/main">
   <p:cSld>
     <p:spTree>
@@ -7715,7 +8765,7 @@
 </p:sld>
 </file>
 
-<file path=ppt/slides/slide7.xml><?xml version="1.0" encoding="utf-8"?>
+<file path=ppt/slides/slide8.xml><?xml version="1.0" encoding="utf-8"?>
 <p:sld xmlns:a="http://schemas.openxmlformats.org/drawingml/2006/main" xmlns:r="http://schemas.openxmlformats.org/officeDocument/2006/relationships" xmlns:p="http://schemas.openxmlformats.org/presentationml/2006/main">
   <p:cSld>
     <p:spTree>
@@ -7790,7 +8840,7 @@
 </p:sld>
 </file>
 
-<file path=ppt/slides/slide8.xml><?xml version="1.0" encoding="utf-8"?>
+<file path=ppt/slides/slide9.xml><?xml version="1.0" encoding="utf-8"?>
 <p:sld xmlns:a="http://schemas.openxmlformats.org/drawingml/2006/main" xmlns:r="http://schemas.openxmlformats.org/officeDocument/2006/relationships" xmlns:p="http://schemas.openxmlformats.org/presentationml/2006/main" showMasterSp="0">
   <p:cSld>
     <p:spTree>
@@ -8093,99 +9143,6 @@
     <p:extLst>
       <p:ext uri="{BB962C8B-B14F-4D97-AF65-F5344CB8AC3E}">
         <p14:creationId xmlns:p14="http://schemas.microsoft.com/office/powerpoint/2010/main" val="4100692765"/>
-      </p:ext>
-    </p:extLst>
-  </p:cSld>
-  <p:clrMapOvr>
-    <a:masterClrMapping/>
-  </p:clrMapOvr>
-  <p:timing>
-    <p:tnLst>
-      <p:par>
-        <p:cTn id="1" dur="indefinite" restart="never" nodeType="tmRoot"/>
-      </p:par>
-    </p:tnLst>
-  </p:timing>
-</p:sld>
-</file>
-
-<file path=ppt/slides/slide9.xml><?xml version="1.0" encoding="utf-8"?>
-<p:sld xmlns:a="http://schemas.openxmlformats.org/drawingml/2006/main" xmlns:r="http://schemas.openxmlformats.org/officeDocument/2006/relationships" xmlns:p="http://schemas.openxmlformats.org/presentationml/2006/main">
-  <p:cSld>
-    <p:spTree>
-      <p:nvGrpSpPr>
-        <p:cNvPr id="1" name=""/>
-        <p:cNvGrpSpPr/>
-        <p:nvPr/>
-      </p:nvGrpSpPr>
-      <p:grpSpPr>
-        <a:xfrm>
-          <a:off x="0" y="0"/>
-          <a:ext cx="0" cy="0"/>
-          <a:chOff x="0" y="0"/>
-          <a:chExt cx="0" cy="0"/>
-        </a:xfrm>
-      </p:grpSpPr>
-      <p:sp>
-        <p:nvSpPr>
-          <p:cNvPr id="2" name="Title 1"/>
-          <p:cNvSpPr>
-            <a:spLocks noGrp="1"/>
-          </p:cNvSpPr>
-          <p:nvPr>
-            <p:ph type="title"/>
-          </p:nvPr>
-        </p:nvSpPr>
-        <p:spPr>
-          <a:xfrm>
-            <a:off x="677334" y="609600"/>
-            <a:ext cx="8596668" cy="860612"/>
-          </a:xfrm>
-        </p:spPr>
-        <p:txBody>
-          <a:bodyPr/>
-          <a:lstStyle/>
-          <a:p>
-            <a:r>
-              <a:rPr lang="en-AU" dirty="0" smtClean="0"/>
-              <a:t>Assumptions</a:t>
-            </a:r>
-            <a:endParaRPr lang="en-AU" dirty="0"/>
-          </a:p>
-        </p:txBody>
-      </p:sp>
-      <p:sp>
-        <p:nvSpPr>
-          <p:cNvPr id="3" name="Content Placeholder 2"/>
-          <p:cNvSpPr>
-            <a:spLocks noGrp="1"/>
-          </p:cNvSpPr>
-          <p:nvPr>
-            <p:ph idx="1"/>
-          </p:nvPr>
-        </p:nvSpPr>
-        <p:spPr>
-          <a:xfrm>
-            <a:off x="677334" y="1470213"/>
-            <a:ext cx="8596668" cy="4571150"/>
-          </a:xfrm>
-        </p:spPr>
-        <p:txBody>
-          <a:bodyPr/>
-          <a:lstStyle/>
-          <a:p>
-            <a:r>
-              <a:rPr lang="en-AU" dirty="0" smtClean="0"/>
-              <a:t>Satellites are far enough away that in the same geographical area </a:t>
-            </a:r>
-            <a:endParaRPr lang="en-AU" dirty="0"/>
-          </a:p>
-        </p:txBody>
-      </p:sp>
-    </p:spTree>
-    <p:extLst>
-      <p:ext uri="{BB962C8B-B14F-4D97-AF65-F5344CB8AC3E}">
-        <p14:creationId xmlns:p14="http://schemas.microsoft.com/office/powerpoint/2010/main" val="2698219118"/>
       </p:ext>
     </p:extLst>
   </p:cSld>

--- a/Instantaneous Relative Positioning of Multiple GPS Receivers.pptx
+++ b/Instantaneous Relative Positioning of Multiple GPS Receivers.pptx
@@ -5,27 +5,35 @@
     <p:sldMasterId id="2147483686" r:id="rId1"/>
   </p:sldMasterIdLst>
   <p:notesMasterIdLst>
-    <p:notesMasterId r:id="rId17"/>
+    <p:notesMasterId r:id="rId18"/>
   </p:notesMasterIdLst>
   <p:sldIdLst>
     <p:sldId id="256" r:id="rId2"/>
     <p:sldId id="257" r:id="rId3"/>
-    <p:sldId id="266" r:id="rId4"/>
+    <p:sldId id="273" r:id="rId4"/>
     <p:sldId id="262" r:id="rId5"/>
-    <p:sldId id="260" r:id="rId6"/>
-    <p:sldId id="258" r:id="rId7"/>
-    <p:sldId id="259" r:id="rId8"/>
-    <p:sldId id="263" r:id="rId9"/>
+    <p:sldId id="258" r:id="rId6"/>
+    <p:sldId id="263" r:id="rId7"/>
+    <p:sldId id="260" r:id="rId8"/>
+    <p:sldId id="266" r:id="rId9"/>
     <p:sldId id="264" r:id="rId10"/>
-    <p:sldId id="265" r:id="rId11"/>
-    <p:sldId id="261" r:id="rId12"/>
-    <p:sldId id="267" r:id="rId13"/>
-    <p:sldId id="268" r:id="rId14"/>
-    <p:sldId id="269" r:id="rId15"/>
-    <p:sldId id="270" r:id="rId16"/>
+    <p:sldId id="272" r:id="rId11"/>
+    <p:sldId id="271" r:id="rId12"/>
+    <p:sldId id="278" r:id="rId13"/>
+    <p:sldId id="277" r:id="rId14"/>
+    <p:sldId id="276" r:id="rId15"/>
+    <p:sldId id="275" r:id="rId16"/>
+    <p:sldId id="279" r:id="rId17"/>
   </p:sldIdLst>
   <p:sldSz cx="12192000" cy="6858000"/>
   <p:notesSz cx="6858000" cy="9144000"/>
+  <p:custShowLst>
+    <p:custShow name="Custom Show 1" id="0">
+      <p:sldLst>
+        <p:sld r:id="rId6"/>
+      </p:sldLst>
+    </p:custShow>
+  </p:custShowLst>
   <p:defaultTextStyle>
     <a:defPPr>
       <a:defRPr lang="en-US"/>
@@ -121,6 +129,11 @@
       </a:defRPr>
     </a:lvl9pPr>
   </p:defaultTextStyle>
+  <p:extLst>
+    <p:ext uri="{EFAFB233-063F-42B5-8137-9DF3F51BA10A}">
+      <p15:sldGuideLst xmlns:p15="http://schemas.microsoft.com/office/powerpoint/2012/main"/>
+    </p:ext>
+  </p:extLst>
 </p:presentation>
 </file>
 
@@ -206,7 +219,7 @@
           <a:p>
             <a:fld id="{E1D5BA02-C102-4C1D-A1E4-AC0A776D309A}" type="datetimeFigureOut">
               <a:rPr lang="en-AU" smtClean="0"/>
-              <a:t>22/05/2017</a:t>
+              <a:t>25/05/2017</a:t>
             </a:fld>
             <a:endParaRPr lang="en-AU"/>
           </a:p>
@@ -562,6 +575,108 @@
 </p:notes>
 </file>
 
+<file path=ppt/notesSlides/notesSlide10.xml><?xml version="1.0" encoding="utf-8"?>
+<p:notes xmlns:a="http://schemas.openxmlformats.org/drawingml/2006/main" xmlns:r="http://schemas.openxmlformats.org/officeDocument/2006/relationships" xmlns:p="http://schemas.openxmlformats.org/presentationml/2006/main">
+  <p:cSld>
+    <p:spTree>
+      <p:nvGrpSpPr>
+        <p:cNvPr id="1" name=""/>
+        <p:cNvGrpSpPr/>
+        <p:nvPr/>
+      </p:nvGrpSpPr>
+      <p:grpSpPr>
+        <a:xfrm>
+          <a:off x="0" y="0"/>
+          <a:ext cx="0" cy="0"/>
+          <a:chOff x="0" y="0"/>
+          <a:chExt cx="0" cy="0"/>
+        </a:xfrm>
+      </p:grpSpPr>
+      <p:sp>
+        <p:nvSpPr>
+          <p:cNvPr id="2" name="Slide Image Placeholder 1"/>
+          <p:cNvSpPr>
+            <a:spLocks noGrp="1" noRot="1" noChangeAspect="1"/>
+          </p:cNvSpPr>
+          <p:nvPr>
+            <p:ph type="sldImg"/>
+          </p:nvPr>
+        </p:nvSpPr>
+        <p:spPr/>
+      </p:sp>
+      <p:sp>
+        <p:nvSpPr>
+          <p:cNvPr id="3" name="Notes Placeholder 2"/>
+          <p:cNvSpPr>
+            <a:spLocks noGrp="1"/>
+          </p:cNvSpPr>
+          <p:nvPr>
+            <p:ph type="body" idx="1"/>
+          </p:nvPr>
+        </p:nvSpPr>
+        <p:spPr/>
+        <p:txBody>
+          <a:bodyPr/>
+          <a:lstStyle/>
+          <a:p>
+            <a:r>
+              <a:rPr lang="en-AU" dirty="0" smtClean="0"/>
+              <a:t>Using the distances previously calculated to create sets of planes, and solve for all variables at once</a:t>
+            </a:r>
+          </a:p>
+          <a:p>
+            <a:r>
+              <a:rPr lang="en-AU" dirty="0" smtClean="0"/>
+              <a:t>Include the location of alpha as a constraint</a:t>
+            </a:r>
+          </a:p>
+          <a:p>
+            <a:r>
+              <a:rPr lang="en-AU" dirty="0" smtClean="0"/>
+              <a:t>The clock bias for the reference node is used as a constraints</a:t>
+            </a:r>
+          </a:p>
+          <a:p>
+            <a:endParaRPr lang="en-AU" dirty="0"/>
+          </a:p>
+        </p:txBody>
+      </p:sp>
+      <p:sp>
+        <p:nvSpPr>
+          <p:cNvPr id="4" name="Slide Number Placeholder 3"/>
+          <p:cNvSpPr>
+            <a:spLocks noGrp="1"/>
+          </p:cNvSpPr>
+          <p:nvPr>
+            <p:ph type="sldNum" sz="quarter" idx="10"/>
+          </p:nvPr>
+        </p:nvSpPr>
+        <p:spPr/>
+        <p:txBody>
+          <a:bodyPr/>
+          <a:lstStyle/>
+          <a:p>
+            <a:fld id="{14C21260-9D83-4D86-8EC0-364084FA8DC3}" type="slidenum">
+              <a:rPr lang="en-AU" smtClean="0"/>
+              <a:t>11</a:t>
+            </a:fld>
+            <a:endParaRPr lang="en-AU"/>
+          </a:p>
+        </p:txBody>
+      </p:sp>
+    </p:spTree>
+    <p:extLst>
+      <p:ext uri="{BB962C8B-B14F-4D97-AF65-F5344CB8AC3E}">
+        <p14:creationId xmlns:p14="http://schemas.microsoft.com/office/powerpoint/2010/main" val="1408026691"/>
+      </p:ext>
+    </p:extLst>
+  </p:cSld>
+  <p:clrMapOvr>
+    <a:masterClrMapping/>
+  </p:clrMapOvr>
+</p:notes>
+</file>
+
 <file path=ppt/notesSlides/notesSlide2.xml><?xml version="1.0" encoding="utf-8"?>
 <p:notes xmlns:a="http://schemas.openxmlformats.org/drawingml/2006/main" xmlns:r="http://schemas.openxmlformats.org/officeDocument/2006/relationships" xmlns:p="http://schemas.openxmlformats.org/presentationml/2006/main">
   <p:cSld>
@@ -606,15 +721,117 @@
           <a:bodyPr/>
           <a:lstStyle/>
           <a:p>
-            <a:r>
-              <a:rPr lang="en-AU" dirty="0" smtClean="0"/>
-              <a:t>Basic</a:t>
-            </a:r>
-            <a:r>
-              <a:rPr lang="en-AU" baseline="0" dirty="0" smtClean="0"/>
-              <a:t> triangulation 2D </a:t>
-            </a:r>
-            <a:endParaRPr lang="en-AU" dirty="0"/>
+            <a:pPr marL="0" marR="0" indent="0" algn="l" defTabSz="914400" rtl="0" eaLnBrk="1" fontAlgn="auto" latinLnBrk="0" hangingPunct="1">
+              <a:lnSpc>
+                <a:spcPct val="100000"/>
+              </a:lnSpc>
+              <a:spcBef>
+                <a:spcPts val="0"/>
+              </a:spcBef>
+              <a:spcAft>
+                <a:spcPts val="0"/>
+              </a:spcAft>
+              <a:buClrTx/>
+              <a:buSzTx/>
+              <a:buFontTx/>
+              <a:buNone/>
+              <a:tabLst/>
+              <a:defRPr/>
+            </a:pPr>
+            <a:r>
+              <a:rPr lang="en-AU" sz="1200" dirty="0" smtClean="0"/>
+              <a:t>Required for mapping path planning, feedback for control systems,</a:t>
+            </a:r>
+          </a:p>
+          <a:p>
+            <a:pPr marL="0" marR="0" indent="0" algn="l" defTabSz="914400" rtl="0" eaLnBrk="1" fontAlgn="auto" latinLnBrk="0" hangingPunct="1">
+              <a:lnSpc>
+                <a:spcPct val="100000"/>
+              </a:lnSpc>
+              <a:spcBef>
+                <a:spcPts val="0"/>
+              </a:spcBef>
+              <a:spcAft>
+                <a:spcPts val="0"/>
+              </a:spcAft>
+              <a:buClrTx/>
+              <a:buSzTx/>
+              <a:buFontTx/>
+              <a:buNone/>
+              <a:tabLst/>
+              <a:defRPr/>
+            </a:pPr>
+            <a:r>
+              <a:rPr lang="en-AU" sz="1200" dirty="0" smtClean="0"/>
+              <a:t>Explain</a:t>
+            </a:r>
+            <a:r>
+              <a:rPr lang="en-AU" sz="1200" baseline="0" dirty="0" smtClean="0"/>
+              <a:t> where that error comes from later</a:t>
+            </a:r>
+          </a:p>
+          <a:p>
+            <a:pPr marL="0" marR="0" indent="0" algn="l" defTabSz="914400" rtl="0" eaLnBrk="1" fontAlgn="auto" latinLnBrk="0" hangingPunct="1">
+              <a:lnSpc>
+                <a:spcPct val="100000"/>
+              </a:lnSpc>
+              <a:spcBef>
+                <a:spcPts val="0"/>
+              </a:spcBef>
+              <a:spcAft>
+                <a:spcPts val="0"/>
+              </a:spcAft>
+              <a:buClrTx/>
+              <a:buSzTx/>
+              <a:buFontTx/>
+              <a:buNone/>
+              <a:tabLst/>
+              <a:defRPr/>
+            </a:pPr>
+            <a:endParaRPr lang="en-AU" sz="1200" baseline="0" dirty="0" smtClean="0"/>
+          </a:p>
+          <a:p>
+            <a:pPr marL="0" marR="0" indent="0" algn="l" defTabSz="914400" rtl="0" eaLnBrk="1" fontAlgn="auto" latinLnBrk="0" hangingPunct="1">
+              <a:lnSpc>
+                <a:spcPct val="100000"/>
+              </a:lnSpc>
+              <a:spcBef>
+                <a:spcPts val="0"/>
+              </a:spcBef>
+              <a:spcAft>
+                <a:spcPts val="0"/>
+              </a:spcAft>
+              <a:buClrTx/>
+              <a:buSzTx/>
+              <a:buFontTx/>
+              <a:buNone/>
+              <a:tabLst/>
+              <a:defRPr/>
+            </a:pPr>
+            <a:r>
+              <a:rPr lang="en-AU" sz="1200" baseline="0" dirty="0" smtClean="0"/>
+              <a:t>Due to this error in absolute position, using relative position </a:t>
+            </a:r>
+          </a:p>
+          <a:p>
+            <a:pPr marL="0" marR="0" indent="0" algn="l" defTabSz="914400" rtl="0" eaLnBrk="1" fontAlgn="auto" latinLnBrk="0" hangingPunct="1">
+              <a:lnSpc>
+                <a:spcPct val="100000"/>
+              </a:lnSpc>
+              <a:spcBef>
+                <a:spcPts val="0"/>
+              </a:spcBef>
+              <a:spcAft>
+                <a:spcPts val="0"/>
+              </a:spcAft>
+              <a:buClrTx/>
+              <a:buSzTx/>
+              <a:buFontTx/>
+              <a:buNone/>
+              <a:tabLst/>
+              <a:defRPr/>
+            </a:pPr>
+            <a:endParaRPr lang="en-AU" sz="1200" dirty="0" smtClean="0"/>
           </a:p>
         </p:txBody>
       </p:sp>
@@ -635,7 +852,7 @@
           <a:p>
             <a:fld id="{14C21260-9D83-4D86-8EC0-364084FA8DC3}" type="slidenum">
               <a:rPr lang="en-AU" smtClean="0"/>
-              <a:t>4</a:t>
+              <a:t>3</a:t>
             </a:fld>
             <a:endParaRPr lang="en-AU"/>
           </a:p>
@@ -644,7 +861,7 @@
     </p:spTree>
     <p:extLst>
       <p:ext uri="{BB962C8B-B14F-4D97-AF65-F5344CB8AC3E}">
-        <p14:creationId xmlns:p14="http://schemas.microsoft.com/office/powerpoint/2010/main" val="3307416202"/>
+        <p14:creationId xmlns:p14="http://schemas.microsoft.com/office/powerpoint/2010/main" val="559342290"/>
       </p:ext>
     </p:extLst>
   </p:cSld>
@@ -700,17 +917,17 @@
           <a:p>
             <a:r>
               <a:rPr lang="en-AU" dirty="0" smtClean="0"/>
-              <a:t>HOW GPS WORKS: Triangulation</a:t>
+              <a:t>The</a:t>
             </a:r>
             <a:r>
               <a:rPr lang="en-AU" baseline="0" dirty="0" smtClean="0"/>
-              <a:t> of 4 satellites – explain time error so need 4</a:t>
+              <a:t> basis of GPS operates on triangulation principle </a:t>
             </a:r>
           </a:p>
           <a:p>
             <a:r>
               <a:rPr lang="en-AU" baseline="0" dirty="0" smtClean="0"/>
-              <a:t>Solve by NLLS here? – do you need to explain this?</a:t>
+              <a:t>is that it measures the distance from known locations (satellites positions) and solves for the intersection on the spheres</a:t>
             </a:r>
             <a:endParaRPr lang="en-AU" dirty="0"/>
           </a:p>
@@ -733,7 +950,7 @@
           <a:p>
             <a:fld id="{14C21260-9D83-4D86-8EC0-364084FA8DC3}" type="slidenum">
               <a:rPr lang="en-AU" smtClean="0"/>
-              <a:t>5</a:t>
+              <a:t>4</a:t>
             </a:fld>
             <a:endParaRPr lang="en-AU"/>
           </a:p>
@@ -742,7 +959,7 @@
     </p:spTree>
     <p:extLst>
       <p:ext uri="{BB962C8B-B14F-4D97-AF65-F5344CB8AC3E}">
-        <p14:creationId xmlns:p14="http://schemas.microsoft.com/office/powerpoint/2010/main" val="1211724316"/>
+        <p14:creationId xmlns:p14="http://schemas.microsoft.com/office/powerpoint/2010/main" val="3307416202"/>
       </p:ext>
     </p:extLst>
   </p:cSld>
@@ -798,19 +1015,20 @@
           <a:p>
             <a:r>
               <a:rPr lang="en-AU" dirty="0" smtClean="0"/>
-              <a:t>HOW</a:t>
+              <a:t>In order</a:t>
             </a:r>
             <a:r>
               <a:rPr lang="en-AU" baseline="0" dirty="0" smtClean="0"/>
-              <a:t> TO MEASURE DISTANCE </a:t>
-            </a:r>
-            <a:r>
-              <a:rPr lang="en-AU" dirty="0" smtClean="0"/>
-              <a:t>WHAT IS GPS.</a:t>
-            </a:r>
+              <a:t> to measure distance, an encoded radio signal is repeatedly sent from the satellite at fixed points in time. The receiver measures the transmission time and as we know the speed of light, the distance is calculated .</a:t>
+            </a:r>
+          </a:p>
+          <a:p>
+            <a:endParaRPr lang="en-AU" baseline="0" dirty="0" smtClean="0"/>
+          </a:p>
+          <a:p>
             <a:r>
               <a:rPr lang="en-AU" baseline="0" dirty="0" smtClean="0"/>
-              <a:t> The distance from a satellite to a receiver is measured by time of flight of signal. used as velocity * time = distance</a:t>
+              <a:t>Explain the word epoch</a:t>
             </a:r>
             <a:endParaRPr lang="en-AU" dirty="0"/>
           </a:p>
@@ -833,7 +1051,7 @@
           <a:p>
             <a:fld id="{14C21260-9D83-4D86-8EC0-364084FA8DC3}" type="slidenum">
               <a:rPr lang="en-AU" smtClean="0"/>
-              <a:t>6</a:t>
+              <a:t>5</a:t>
             </a:fld>
             <a:endParaRPr lang="en-AU"/>
           </a:p>
@@ -898,7 +1116,7 @@
           <a:p>
             <a:r>
               <a:rPr lang="en-AU" dirty="0" smtClean="0"/>
-              <a:t>How does it measure how long? HOW TO MEASURE TIME</a:t>
+              <a:t>Clock bias - </a:t>
             </a:r>
             <a:endParaRPr lang="en-AU" dirty="0"/>
           </a:p>
@@ -921,7 +1139,7 @@
           <a:p>
             <a:fld id="{14C21260-9D83-4D86-8EC0-364084FA8DC3}" type="slidenum">
               <a:rPr lang="en-AU" smtClean="0"/>
-              <a:t>7</a:t>
+              <a:t>6</a:t>
             </a:fld>
             <a:endParaRPr lang="en-AU"/>
           </a:p>
@@ -930,7 +1148,7 @@
     </p:spTree>
     <p:extLst>
       <p:ext uri="{BB962C8B-B14F-4D97-AF65-F5344CB8AC3E}">
-        <p14:creationId xmlns:p14="http://schemas.microsoft.com/office/powerpoint/2010/main" val="3355213229"/>
+        <p14:creationId xmlns:p14="http://schemas.microsoft.com/office/powerpoint/2010/main" val="1836440688"/>
       </p:ext>
     </p:extLst>
   </p:cSld>
@@ -986,31 +1204,31 @@
           <a:p>
             <a:r>
               <a:rPr lang="en-AU" dirty="0" smtClean="0"/>
-              <a:t>HOWEVER THERE ARE ERRORS WITH</a:t>
+              <a:t>HOW GPS WORKS: Triangulation</a:t>
             </a:r>
             <a:r>
               <a:rPr lang="en-AU" baseline="0" dirty="0" smtClean="0"/>
-              <a:t> THE TIMING.</a:t>
+              <a:t> of 4 satellites – explain time error so need 4</a:t>
             </a:r>
           </a:p>
           <a:p>
             <a:r>
               <a:rPr lang="en-AU" baseline="0" dirty="0" smtClean="0"/>
-              <a:t>GOING THROUGH THE ATMOPSHERE ALTERS THE speed of light.</a:t>
-            </a:r>
-          </a:p>
-          <a:p>
+              <a:t>Solve by NLLS here? – do you need to explain this</a:t>
+            </a:r>
             <a:r>
               <a:rPr lang="en-AU" baseline="0" dirty="0" smtClean="0"/>
-              <a:t>Other errors -&gt; this creates error in the </a:t>
+              <a:t>? – </a:t>
+            </a:r>
+          </a:p>
+          <a:p>
+            <a:r>
+              <a:rPr lang="en-AU" baseline="0" dirty="0" smtClean="0"/>
+              <a:t>- Solves for receiver </a:t>
             </a:r>
             <a:r>
               <a:rPr lang="en-AU" baseline="0" dirty="0" err="1" smtClean="0"/>
-              <a:t>pseudorange</a:t>
-            </a:r>
-            <a:r>
-              <a:rPr lang="en-AU" baseline="0" dirty="0" smtClean="0"/>
-              <a:t>.</a:t>
+              <a:t>clockbias</a:t>
             </a:r>
             <a:endParaRPr lang="en-AU" dirty="0"/>
           </a:p>
@@ -1033,7 +1251,7 @@
           <a:p>
             <a:fld id="{14C21260-9D83-4D86-8EC0-364084FA8DC3}" type="slidenum">
               <a:rPr lang="en-AU" smtClean="0"/>
-              <a:t>8</a:t>
+              <a:t>7</a:t>
             </a:fld>
             <a:endParaRPr lang="en-AU"/>
           </a:p>
@@ -1042,7 +1260,7 @@
     </p:spTree>
     <p:extLst>
       <p:ext uri="{BB962C8B-B14F-4D97-AF65-F5344CB8AC3E}">
-        <p14:creationId xmlns:p14="http://schemas.microsoft.com/office/powerpoint/2010/main" val="1836440688"/>
+        <p14:creationId xmlns:p14="http://schemas.microsoft.com/office/powerpoint/2010/main" val="1211724316"/>
       </p:ext>
     </p:extLst>
   </p:cSld>
@@ -1098,21 +1316,101 @@
           <a:p>
             <a:r>
               <a:rPr lang="en-AU" dirty="0" smtClean="0"/>
-              <a:t>These correlated errors</a:t>
+              <a:t>Different way of calculating</a:t>
             </a:r>
             <a:r>
               <a:rPr lang="en-AU" baseline="0" dirty="0" smtClean="0"/>
-              <a:t> can be cancelled out by taking the difference in </a:t>
-            </a:r>
-            <a:r>
-              <a:rPr lang="en-AU" baseline="0" dirty="0" err="1" smtClean="0"/>
-              <a:t>pseudorange</a:t>
-            </a:r>
-            <a:r>
-              <a:rPr lang="en-AU" baseline="0" dirty="0" smtClean="0"/>
-              <a:t> from one satellite resulting in the distance between those receivers along the normal vector from the sat.</a:t>
+              <a:t> relative position with minimal calibration, no external hardware setup, cheaper, computationally simpler </a:t>
             </a:r>
             <a:endParaRPr lang="en-AU" dirty="0"/>
+          </a:p>
+        </p:txBody>
+      </p:sp>
+      <p:sp>
+        <p:nvSpPr>
+          <p:cNvPr id="4" name="Slide Number Placeholder 3"/>
+          <p:cNvSpPr>
+            <a:spLocks noGrp="1"/>
+          </p:cNvSpPr>
+          <p:nvPr>
+            <p:ph type="sldNum" sz="quarter" idx="10"/>
+          </p:nvPr>
+        </p:nvSpPr>
+        <p:spPr/>
+        <p:txBody>
+          <a:bodyPr/>
+          <a:lstStyle/>
+          <a:p>
+            <a:fld id="{14C21260-9D83-4D86-8EC0-364084FA8DC3}" type="slidenum">
+              <a:rPr lang="en-AU" smtClean="0"/>
+              <a:t>8</a:t>
+            </a:fld>
+            <a:endParaRPr lang="en-AU"/>
+          </a:p>
+        </p:txBody>
+      </p:sp>
+    </p:spTree>
+    <p:extLst>
+      <p:ext uri="{BB962C8B-B14F-4D97-AF65-F5344CB8AC3E}">
+        <p14:creationId xmlns:p14="http://schemas.microsoft.com/office/powerpoint/2010/main" val="2959813268"/>
+      </p:ext>
+    </p:extLst>
+  </p:cSld>
+  <p:clrMapOvr>
+    <a:masterClrMapping/>
+  </p:clrMapOvr>
+</p:notes>
+</file>
+
+<file path=ppt/notesSlides/notesSlide8.xml><?xml version="1.0" encoding="utf-8"?>
+<p:notes xmlns:a="http://schemas.openxmlformats.org/drawingml/2006/main" xmlns:r="http://schemas.openxmlformats.org/officeDocument/2006/relationships" xmlns:p="http://schemas.openxmlformats.org/presentationml/2006/main">
+  <p:cSld>
+    <p:spTree>
+      <p:nvGrpSpPr>
+        <p:cNvPr id="1" name=""/>
+        <p:cNvGrpSpPr/>
+        <p:nvPr/>
+      </p:nvGrpSpPr>
+      <p:grpSpPr>
+        <a:xfrm>
+          <a:off x="0" y="0"/>
+          <a:ext cx="0" cy="0"/>
+          <a:chOff x="0" y="0"/>
+          <a:chExt cx="0" cy="0"/>
+        </a:xfrm>
+      </p:grpSpPr>
+      <p:sp>
+        <p:nvSpPr>
+          <p:cNvPr id="2" name="Slide Image Placeholder 1"/>
+          <p:cNvSpPr>
+            <a:spLocks noGrp="1" noRot="1" noChangeAspect="1"/>
+          </p:cNvSpPr>
+          <p:nvPr>
+            <p:ph type="sldImg"/>
+          </p:nvPr>
+        </p:nvSpPr>
+        <p:spPr/>
+      </p:sp>
+      <p:sp>
+        <p:nvSpPr>
+          <p:cNvPr id="3" name="Notes Placeholder 2"/>
+          <p:cNvSpPr>
+            <a:spLocks noGrp="1"/>
+          </p:cNvSpPr>
+          <p:nvPr>
+            <p:ph type="body" idx="1"/>
+          </p:nvPr>
+        </p:nvSpPr>
+        <p:spPr/>
+        <p:txBody>
+          <a:bodyPr/>
+          <a:lstStyle/>
+          <a:p>
+            <a:r>
+              <a:rPr lang="en-AU" dirty="0" smtClean="0"/>
+              <a:t>this assumption has been made previously</a:t>
+            </a:r>
+            <a:endParaRPr lang="en-AU" baseline="0" dirty="0" smtClean="0"/>
           </a:p>
         </p:txBody>
       </p:sp>
@@ -1143,6 +1441,98 @@
     <p:extLst>
       <p:ext uri="{BB962C8B-B14F-4D97-AF65-F5344CB8AC3E}">
         <p14:creationId xmlns:p14="http://schemas.microsoft.com/office/powerpoint/2010/main" val="614752073"/>
+      </p:ext>
+    </p:extLst>
+  </p:cSld>
+  <p:clrMapOvr>
+    <a:masterClrMapping/>
+  </p:clrMapOvr>
+</p:notes>
+</file>
+
+<file path=ppt/notesSlides/notesSlide9.xml><?xml version="1.0" encoding="utf-8"?>
+<p:notes xmlns:a="http://schemas.openxmlformats.org/drawingml/2006/main" xmlns:r="http://schemas.openxmlformats.org/officeDocument/2006/relationships" xmlns:p="http://schemas.openxmlformats.org/presentationml/2006/main">
+  <p:cSld>
+    <p:spTree>
+      <p:nvGrpSpPr>
+        <p:cNvPr id="1" name=""/>
+        <p:cNvGrpSpPr/>
+        <p:nvPr/>
+      </p:nvGrpSpPr>
+      <p:grpSpPr>
+        <a:xfrm>
+          <a:off x="0" y="0"/>
+          <a:ext cx="0" cy="0"/>
+          <a:chOff x="0" y="0"/>
+          <a:chExt cx="0" cy="0"/>
+        </a:xfrm>
+      </p:grpSpPr>
+      <p:sp>
+        <p:nvSpPr>
+          <p:cNvPr id="2" name="Slide Image Placeholder 1"/>
+          <p:cNvSpPr>
+            <a:spLocks noGrp="1" noRot="1" noChangeAspect="1"/>
+          </p:cNvSpPr>
+          <p:nvPr>
+            <p:ph type="sldImg"/>
+          </p:nvPr>
+        </p:nvSpPr>
+        <p:spPr/>
+      </p:sp>
+      <p:sp>
+        <p:nvSpPr>
+          <p:cNvPr id="3" name="Notes Placeholder 2"/>
+          <p:cNvSpPr>
+            <a:spLocks noGrp="1"/>
+          </p:cNvSpPr>
+          <p:nvPr>
+            <p:ph type="body" idx="1"/>
+          </p:nvPr>
+        </p:nvSpPr>
+        <p:spPr/>
+        <p:txBody>
+          <a:bodyPr/>
+          <a:lstStyle/>
+          <a:p>
+            <a:r>
+              <a:rPr lang="en-AU" dirty="0" smtClean="0"/>
+              <a:t>Because multiple receivers</a:t>
+            </a:r>
+            <a:r>
+              <a:rPr lang="en-AU" baseline="0" dirty="0" smtClean="0"/>
+              <a:t> may not take data at exactly the same time, </a:t>
+            </a:r>
+            <a:endParaRPr lang="en-AU" dirty="0"/>
+          </a:p>
+        </p:txBody>
+      </p:sp>
+      <p:sp>
+        <p:nvSpPr>
+          <p:cNvPr id="4" name="Slide Number Placeholder 3"/>
+          <p:cNvSpPr>
+            <a:spLocks noGrp="1"/>
+          </p:cNvSpPr>
+          <p:nvPr>
+            <p:ph type="sldNum" sz="quarter" idx="10"/>
+          </p:nvPr>
+        </p:nvSpPr>
+        <p:spPr/>
+        <p:txBody>
+          <a:bodyPr/>
+          <a:lstStyle/>
+          <a:p>
+            <a:fld id="{14C21260-9D83-4D86-8EC0-364084FA8DC3}" type="slidenum">
+              <a:rPr lang="en-AU" smtClean="0"/>
+              <a:t>10</a:t>
+            </a:fld>
+            <a:endParaRPr lang="en-AU"/>
+          </a:p>
+        </p:txBody>
+      </p:sp>
+    </p:spTree>
+    <p:extLst>
+      <p:ext uri="{BB962C8B-B14F-4D97-AF65-F5344CB8AC3E}">
+        <p14:creationId xmlns:p14="http://schemas.microsoft.com/office/powerpoint/2010/main" val="2098010571"/>
       </p:ext>
     </p:extLst>
   </p:cSld>
@@ -1898,7 +2288,7 @@
             <a:fld id="{B61BEF0D-F0BB-DE4B-95CE-6DB70DBA9567}" type="datetimeFigureOut">
               <a:rPr lang="en-US" smtClean="0"/>
               <a:pPr/>
-              <a:t>5/22/2017</a:t>
+              <a:t>5/25/2017</a:t>
             </a:fld>
             <a:endParaRPr lang="en-US" dirty="0"/>
           </a:p>
@@ -2151,7 +2541,7 @@
             <a:fld id="{B61BEF0D-F0BB-DE4B-95CE-6DB70DBA9567}" type="datetimeFigureOut">
               <a:rPr lang="en-US" smtClean="0"/>
               <a:pPr/>
-              <a:t>5/22/2017</a:t>
+              <a:t>5/25/2017</a:t>
             </a:fld>
             <a:endParaRPr lang="en-US" dirty="0"/>
           </a:p>
@@ -2467,7 +2857,7 @@
             <a:fld id="{B61BEF0D-F0BB-DE4B-95CE-6DB70DBA9567}" type="datetimeFigureOut">
               <a:rPr lang="en-US" smtClean="0"/>
               <a:pPr/>
-              <a:t>5/22/2017</a:t>
+              <a:t>5/25/2017</a:t>
             </a:fld>
             <a:endParaRPr lang="en-US" dirty="0"/>
           </a:p>
@@ -2802,7 +3192,7 @@
             <a:fld id="{B61BEF0D-F0BB-DE4B-95CE-6DB70DBA9567}" type="datetimeFigureOut">
               <a:rPr lang="en-US" smtClean="0"/>
               <a:pPr/>
-              <a:t>5/22/2017</a:t>
+              <a:t>5/25/2017</a:t>
             </a:fld>
             <a:endParaRPr lang="en-US" dirty="0"/>
           </a:p>
@@ -3118,7 +3508,7 @@
             <a:fld id="{B61BEF0D-F0BB-DE4B-95CE-6DB70DBA9567}" type="datetimeFigureOut">
               <a:rPr lang="en-US" smtClean="0"/>
               <a:pPr/>
-              <a:t>5/22/2017</a:t>
+              <a:t>5/25/2017</a:t>
             </a:fld>
             <a:endParaRPr lang="en-US" dirty="0"/>
           </a:p>
@@ -3513,7 +3903,7 @@
             <a:fld id="{B61BEF0D-F0BB-DE4B-95CE-6DB70DBA9567}" type="datetimeFigureOut">
               <a:rPr lang="en-US" smtClean="0"/>
               <a:pPr/>
-              <a:t>5/22/2017</a:t>
+              <a:t>5/25/2017</a:t>
             </a:fld>
             <a:endParaRPr lang="en-US" dirty="0"/>
           </a:p>
@@ -3684,7 +4074,7 @@
           <a:p>
             <a:fld id="{55C6B4A9-1611-4792-9094-5F34BCA07E0B}" type="datetimeFigureOut">
               <a:rPr lang="en-US" smtClean="0"/>
-              <a:t>5/22/2017</a:t>
+              <a:t>5/25/2017</a:t>
             </a:fld>
             <a:endParaRPr lang="en-US" dirty="0"/>
           </a:p>
@@ -3865,7 +4255,7 @@
             <a:fld id="{B61BEF0D-F0BB-DE4B-95CE-6DB70DBA9567}" type="datetimeFigureOut">
               <a:rPr lang="en-US" smtClean="0"/>
               <a:pPr/>
-              <a:t>5/22/2017</a:t>
+              <a:t>5/25/2017</a:t>
             </a:fld>
             <a:endParaRPr lang="en-US" dirty="0"/>
           </a:p>
@@ -4036,7 +4426,7 @@
           <a:p>
             <a:fld id="{42A54C80-263E-416B-A8E0-580EDEADCBDC}" type="datetimeFigureOut">
               <a:rPr lang="en-US" smtClean="0"/>
-              <a:t>5/22/2017</a:t>
+              <a:t>5/25/2017</a:t>
             </a:fld>
             <a:endParaRPr lang="en-US" dirty="0"/>
           </a:p>
@@ -4284,7 +4674,7 @@
             <a:fld id="{B61BEF0D-F0BB-DE4B-95CE-6DB70DBA9567}" type="datetimeFigureOut">
               <a:rPr lang="en-US" smtClean="0"/>
               <a:pPr/>
-              <a:t>5/22/2017</a:t>
+              <a:t>5/25/2017</a:t>
             </a:fld>
             <a:endParaRPr lang="en-US" dirty="0"/>
           </a:p>
@@ -4517,7 +4907,7 @@
           <a:p>
             <a:fld id="{42A54C80-263E-416B-A8E0-580EDEADCBDC}" type="datetimeFigureOut">
               <a:rPr lang="en-US" smtClean="0"/>
-              <a:t>5/22/2017</a:t>
+              <a:t>5/25/2017</a:t>
             </a:fld>
             <a:endParaRPr lang="en-US" dirty="0"/>
           </a:p>
@@ -4892,7 +5282,7 @@
             <a:fld id="{B61BEF0D-F0BB-DE4B-95CE-6DB70DBA9567}" type="datetimeFigureOut">
               <a:rPr lang="en-US" smtClean="0"/>
               <a:pPr/>
-              <a:t>5/22/2017</a:t>
+              <a:t>5/25/2017</a:t>
             </a:fld>
             <a:endParaRPr lang="en-US" dirty="0"/>
           </a:p>
@@ -5017,7 +5407,7 @@
             <a:fld id="{B61BEF0D-F0BB-DE4B-95CE-6DB70DBA9567}" type="datetimeFigureOut">
               <a:rPr lang="en-US" smtClean="0"/>
               <a:pPr/>
-              <a:t>5/22/2017</a:t>
+              <a:t>5/25/2017</a:t>
             </a:fld>
             <a:endParaRPr lang="en-US" dirty="0"/>
           </a:p>
@@ -5114,7 +5504,7 @@
             <a:fld id="{B61BEF0D-F0BB-DE4B-95CE-6DB70DBA9567}" type="datetimeFigureOut">
               <a:rPr lang="en-US" smtClean="0"/>
               <a:pPr/>
-              <a:t>5/22/2017</a:t>
+              <a:t>5/25/2017</a:t>
             </a:fld>
             <a:endParaRPr lang="en-US" dirty="0"/>
           </a:p>
@@ -5370,7 +5760,7 @@
           <a:p>
             <a:fld id="{42A54C80-263E-416B-A8E0-580EDEADCBDC}" type="datetimeFigureOut">
               <a:rPr lang="en-US" smtClean="0"/>
-              <a:t>5/22/2017</a:t>
+              <a:t>5/25/2017</a:t>
             </a:fld>
             <a:endParaRPr lang="en-US" dirty="0"/>
           </a:p>
@@ -5677,7 +6067,7 @@
             <a:fld id="{B61BEF0D-F0BB-DE4B-95CE-6DB70DBA9567}" type="datetimeFigureOut">
               <a:rPr lang="en-US" smtClean="0"/>
               <a:pPr/>
-              <a:t>5/22/2017</a:t>
+              <a:t>5/25/2017</a:t>
             </a:fld>
             <a:endParaRPr lang="en-US" dirty="0"/>
           </a:p>
@@ -6380,7 +6770,7 @@
             <a:fld id="{B61BEF0D-F0BB-DE4B-95CE-6DB70DBA9567}" type="datetimeFigureOut">
               <a:rPr lang="en-US" smtClean="0"/>
               <a:pPr/>
-              <a:t>5/22/2017</a:t>
+              <a:t>5/25/2017</a:t>
             </a:fld>
             <a:endParaRPr lang="en-US" dirty="0"/>
           </a:p>
@@ -6922,7 +7312,19 @@
           <a:p>
             <a:r>
               <a:rPr lang="en-AU" dirty="0" smtClean="0"/>
-              <a:t>Instantaneous Relative Positioning of Multiple GPS Receivers</a:t>
+              <a:t>Instantaneous Relative Positioning </a:t>
+            </a:r>
+            <a:r>
+              <a:rPr lang="en-AU" dirty="0" smtClean="0"/>
+              <a:t>for</a:t>
+            </a:r>
+            <a:r>
+              <a:rPr lang="en-AU" dirty="0" smtClean="0"/>
+              <a:t> </a:t>
+            </a:r>
+            <a:r>
+              <a:rPr lang="en-AU" dirty="0" smtClean="0"/>
+              <a:t>Multiple GPS Receivers</a:t>
             </a:r>
             <a:endParaRPr lang="en-AU" dirty="0"/>
           </a:p>
@@ -6976,184 +7378,6 @@
 </file>
 
 <file path=ppt/slides/slide10.xml><?xml version="1.0" encoding="utf-8"?>
-<p:sld xmlns:a="http://schemas.openxmlformats.org/drawingml/2006/main" xmlns:r="http://schemas.openxmlformats.org/officeDocument/2006/relationships" xmlns:p="http://schemas.openxmlformats.org/presentationml/2006/main">
-  <p:cSld>
-    <p:spTree>
-      <p:nvGrpSpPr>
-        <p:cNvPr id="1" name=""/>
-        <p:cNvGrpSpPr/>
-        <p:nvPr/>
-      </p:nvGrpSpPr>
-      <p:grpSpPr>
-        <a:xfrm>
-          <a:off x="0" y="0"/>
-          <a:ext cx="0" cy="0"/>
-          <a:chOff x="0" y="0"/>
-          <a:chExt cx="0" cy="0"/>
-        </a:xfrm>
-      </p:grpSpPr>
-      <p:sp>
-        <p:nvSpPr>
-          <p:cNvPr id="2" name="Title 1"/>
-          <p:cNvSpPr>
-            <a:spLocks noGrp="1"/>
-          </p:cNvSpPr>
-          <p:nvPr>
-            <p:ph type="title"/>
-          </p:nvPr>
-        </p:nvSpPr>
-        <p:spPr>
-          <a:xfrm>
-            <a:off x="677334" y="609600"/>
-            <a:ext cx="8596668" cy="860612"/>
-          </a:xfrm>
-        </p:spPr>
-        <p:txBody>
-          <a:bodyPr/>
-          <a:lstStyle/>
-          <a:p>
-            <a:r>
-              <a:rPr lang="en-AU" dirty="0" smtClean="0"/>
-              <a:t>Assumptions</a:t>
-            </a:r>
-            <a:endParaRPr lang="en-AU" dirty="0"/>
-          </a:p>
-        </p:txBody>
-      </p:sp>
-      <p:sp>
-        <p:nvSpPr>
-          <p:cNvPr id="3" name="Content Placeholder 2"/>
-          <p:cNvSpPr>
-            <a:spLocks noGrp="1"/>
-          </p:cNvSpPr>
-          <p:nvPr>
-            <p:ph idx="1"/>
-          </p:nvPr>
-        </p:nvSpPr>
-        <p:spPr>
-          <a:xfrm>
-            <a:off x="677334" y="1470213"/>
-            <a:ext cx="8596668" cy="4571150"/>
-          </a:xfrm>
-        </p:spPr>
-        <p:txBody>
-          <a:bodyPr/>
-          <a:lstStyle/>
-          <a:p>
-            <a:r>
-              <a:rPr lang="en-AU" dirty="0" smtClean="0"/>
-              <a:t>Satellites are far enough away that in the same geographical area </a:t>
-            </a:r>
-            <a:endParaRPr lang="en-AU" dirty="0"/>
-          </a:p>
-        </p:txBody>
-      </p:sp>
-    </p:spTree>
-    <p:extLst>
-      <p:ext uri="{BB962C8B-B14F-4D97-AF65-F5344CB8AC3E}">
-        <p14:creationId xmlns:p14="http://schemas.microsoft.com/office/powerpoint/2010/main" val="2698219118"/>
-      </p:ext>
-    </p:extLst>
-  </p:cSld>
-  <p:clrMapOvr>
-    <a:masterClrMapping/>
-  </p:clrMapOvr>
-  <p:timing>
-    <p:tnLst>
-      <p:par>
-        <p:cTn id="1" dur="indefinite" restart="never" nodeType="tmRoot"/>
-      </p:par>
-    </p:tnLst>
-  </p:timing>
-</p:sld>
-</file>
-
-<file path=ppt/slides/slide11.xml><?xml version="1.0" encoding="utf-8"?>
-<p:sld xmlns:a="http://schemas.openxmlformats.org/drawingml/2006/main" xmlns:r="http://schemas.openxmlformats.org/officeDocument/2006/relationships" xmlns:p="http://schemas.openxmlformats.org/presentationml/2006/main">
-  <p:cSld>
-    <p:spTree>
-      <p:nvGrpSpPr>
-        <p:cNvPr id="1" name=""/>
-        <p:cNvGrpSpPr/>
-        <p:nvPr/>
-      </p:nvGrpSpPr>
-      <p:grpSpPr>
-        <a:xfrm>
-          <a:off x="0" y="0"/>
-          <a:ext cx="0" cy="0"/>
-          <a:chOff x="0" y="0"/>
-          <a:chExt cx="0" cy="0"/>
-        </a:xfrm>
-      </p:grpSpPr>
-      <p:sp>
-        <p:nvSpPr>
-          <p:cNvPr id="2" name="Title 1"/>
-          <p:cNvSpPr>
-            <a:spLocks noGrp="1"/>
-          </p:cNvSpPr>
-          <p:nvPr>
-            <p:ph type="title"/>
-          </p:nvPr>
-        </p:nvSpPr>
-        <p:spPr/>
-        <p:txBody>
-          <a:bodyPr/>
-          <a:lstStyle/>
-          <a:p>
-            <a:endParaRPr lang="en-AU"/>
-          </a:p>
-        </p:txBody>
-      </p:sp>
-      <p:sp>
-        <p:nvSpPr>
-          <p:cNvPr id="3" name="Content Placeholder 2"/>
-          <p:cNvSpPr>
-            <a:spLocks noGrp="1"/>
-          </p:cNvSpPr>
-          <p:nvPr>
-            <p:ph idx="1"/>
-          </p:nvPr>
-        </p:nvSpPr>
-        <p:spPr/>
-        <p:txBody>
-          <a:bodyPr/>
-          <a:lstStyle/>
-          <a:p>
-            <a:r>
-              <a:rPr lang="en-AU" dirty="0" smtClean="0"/>
-              <a:t>The planar algorithm works in a similar way, but instead of solving the intersection of spheres it solves for the intersection of planes</a:t>
-            </a:r>
-          </a:p>
-          <a:p>
-            <a:r>
-              <a:rPr lang="en-AU" dirty="0" smtClean="0"/>
-              <a:t>To solve for the minimum error in the whole system, the distance between receivers is optimised</a:t>
-            </a:r>
-            <a:endParaRPr lang="en-AU" dirty="0"/>
-          </a:p>
-        </p:txBody>
-      </p:sp>
-    </p:spTree>
-    <p:extLst>
-      <p:ext uri="{BB962C8B-B14F-4D97-AF65-F5344CB8AC3E}">
-        <p14:creationId xmlns:p14="http://schemas.microsoft.com/office/powerpoint/2010/main" val="1766129096"/>
-      </p:ext>
-    </p:extLst>
-  </p:cSld>
-  <p:clrMapOvr>
-    <a:masterClrMapping/>
-  </p:clrMapOvr>
-  <p:timing>
-    <p:tnLst>
-      <p:par>
-        <p:cTn id="1" dur="indefinite" restart="never" nodeType="tmRoot"/>
-      </p:par>
-    </p:tnLst>
-  </p:timing>
-</p:sld>
-</file>
-
-<file path=ppt/slides/slide12.xml><?xml version="1.0" encoding="utf-8"?>
 <p:sld xmlns:a="http://schemas.openxmlformats.org/drawingml/2006/main" xmlns:r="http://schemas.openxmlformats.org/officeDocument/2006/relationships" xmlns:p="http://schemas.openxmlformats.org/presentationml/2006/main" showMasterSp="0">
   <p:cSld>
     <p:spTree>
@@ -7172,14 +7396,245 @@
       </p:grpSpPr>
       <p:sp>
         <p:nvSpPr>
-          <p:cNvPr id="4" name="Oval 3"/>
+          <p:cNvPr id="2" name="Title 1"/>
+          <p:cNvSpPr>
+            <a:spLocks noGrp="1"/>
+          </p:cNvSpPr>
+          <p:nvPr>
+            <p:ph type="title"/>
+          </p:nvPr>
+        </p:nvSpPr>
+        <p:spPr/>
+        <p:txBody>
+          <a:bodyPr/>
+          <a:lstStyle/>
+          <a:p>
+            <a:r>
+              <a:rPr lang="en-AU" dirty="0" smtClean="0"/>
+              <a:t>Synchronising time</a:t>
+            </a:r>
+            <a:endParaRPr lang="en-AU" dirty="0"/>
+          </a:p>
+        </p:txBody>
+      </p:sp>
+      <p:cxnSp>
+        <p:nvCxnSpPr>
+          <p:cNvPr id="5" name="Straight Connector 4"/>
+          <p:cNvCxnSpPr/>
+          <p:nvPr/>
+        </p:nvCxnSpPr>
+        <p:spPr>
+          <a:xfrm flipH="1">
+            <a:off x="6255820" y="2402371"/>
+            <a:ext cx="1620489" cy="3099803"/>
+          </a:xfrm>
+          <a:prstGeom prst="line">
+            <a:avLst/>
+          </a:prstGeom>
+          <a:ln>
+            <a:headEnd type="arrow" w="med" len="med"/>
+            <a:tailEnd type="none" w="med" len="med"/>
+          </a:ln>
+        </p:spPr>
+        <p:style>
+          <a:lnRef idx="1">
+            <a:schemeClr val="accent1"/>
+          </a:lnRef>
+          <a:fillRef idx="0">
+            <a:schemeClr val="accent1"/>
+          </a:fillRef>
+          <a:effectRef idx="0">
+            <a:schemeClr val="accent1"/>
+          </a:effectRef>
+          <a:fontRef idx="minor">
+            <a:schemeClr val="tx1"/>
+          </a:fontRef>
+        </p:style>
+      </p:cxnSp>
+      <p:cxnSp>
+        <p:nvCxnSpPr>
+          <p:cNvPr id="7" name="Straight Connector 6"/>
+          <p:cNvCxnSpPr>
+            <a:stCxn id="18" idx="7"/>
+          </p:cNvCxnSpPr>
+          <p:nvPr/>
+        </p:nvCxnSpPr>
+        <p:spPr>
+          <a:xfrm flipV="1">
+            <a:off x="6871548" y="2633844"/>
+            <a:ext cx="1680644" cy="2968517"/>
+          </a:xfrm>
+          <a:prstGeom prst="line">
+            <a:avLst/>
+          </a:prstGeom>
+          <a:ln>
+            <a:headEnd type="none" w="med" len="med"/>
+            <a:tailEnd type="arrow" w="med" len="med"/>
+          </a:ln>
+        </p:spPr>
+        <p:style>
+          <a:lnRef idx="1">
+            <a:schemeClr val="accent1"/>
+          </a:lnRef>
+          <a:fillRef idx="0">
+            <a:schemeClr val="accent1"/>
+          </a:fillRef>
+          <a:effectRef idx="0">
+            <a:schemeClr val="accent1"/>
+          </a:effectRef>
+          <a:fontRef idx="minor">
+            <a:schemeClr val="tx1"/>
+          </a:fontRef>
+        </p:style>
+      </p:cxnSp>
+      <p:sp>
+        <p:nvSpPr>
+          <p:cNvPr id="11" name="Oval 10"/>
           <p:cNvSpPr/>
           <p:nvPr/>
         </p:nvSpPr>
         <p:spPr>
           <a:xfrm>
-            <a:off x="1111624" y="2904565"/>
-            <a:ext cx="394447" cy="394447"/>
+            <a:off x="-867106" y="1718450"/>
+            <a:ext cx="13837920" cy="7567448"/>
+          </a:xfrm>
+          <a:prstGeom prst="ellipse">
+            <a:avLst/>
+          </a:prstGeom>
+          <a:noFill/>
+        </p:spPr>
+        <p:style>
+          <a:lnRef idx="2">
+            <a:schemeClr val="dk1"/>
+          </a:lnRef>
+          <a:fillRef idx="1">
+            <a:schemeClr val="lt1"/>
+          </a:fillRef>
+          <a:effectRef idx="0">
+            <a:schemeClr val="dk1"/>
+          </a:effectRef>
+          <a:fontRef idx="minor">
+            <a:schemeClr val="dk1"/>
+          </a:fontRef>
+        </p:style>
+        <p:txBody>
+          <a:bodyPr rtlCol="0" anchor="ctr"/>
+          <a:lstStyle/>
+          <a:p>
+            <a:pPr algn="ctr"/>
+            <a:endParaRPr lang="en-AU"/>
+          </a:p>
+        </p:txBody>
+      </p:sp>
+      <p:sp>
+        <p:nvSpPr>
+          <p:cNvPr id="12" name="Oval 11"/>
+          <p:cNvSpPr/>
+          <p:nvPr/>
+        </p:nvSpPr>
+        <p:spPr>
+          <a:xfrm>
+            <a:off x="764712" y="5570500"/>
+            <a:ext cx="10499835" cy="7704098"/>
+          </a:xfrm>
+          <a:prstGeom prst="ellipse">
+            <a:avLst/>
+          </a:prstGeom>
+          <a:noFill/>
+        </p:spPr>
+        <p:style>
+          <a:lnRef idx="2">
+            <a:schemeClr val="dk1"/>
+          </a:lnRef>
+          <a:fillRef idx="1">
+            <a:schemeClr val="lt1"/>
+          </a:fillRef>
+          <a:effectRef idx="0">
+            <a:schemeClr val="dk1"/>
+          </a:effectRef>
+          <a:fontRef idx="minor">
+            <a:schemeClr val="dk1"/>
+          </a:fontRef>
+        </p:style>
+        <p:txBody>
+          <a:bodyPr rtlCol="0" anchor="ctr"/>
+          <a:lstStyle/>
+          <a:p>
+            <a:pPr algn="ctr"/>
+            <a:endParaRPr lang="en-AU"/>
+          </a:p>
+        </p:txBody>
+      </p:sp>
+      <p:pic>
+        <p:nvPicPr>
+          <p:cNvPr id="13" name="Picture 12"/>
+          <p:cNvPicPr>
+            <a:picLocks noChangeAspect="1"/>
+          </p:cNvPicPr>
+          <p:nvPr/>
+        </p:nvPicPr>
+        <p:blipFill>
+          <a:blip r:embed="rId3">
+            <a:extLst>
+              <a:ext uri="{28A0092B-C50C-407E-A947-70E740481C1C}">
+                <a14:useLocalDpi xmlns:a14="http://schemas.microsoft.com/office/drawing/2010/main" val="0"/>
+              </a:ext>
+            </a:extLst>
+          </a:blip>
+          <a:stretch>
+            <a:fillRect/>
+          </a:stretch>
+        </p:blipFill>
+        <p:spPr>
+          <a:xfrm rot="20602663">
+            <a:off x="8557520" y="1680025"/>
+            <a:ext cx="804232" cy="804232"/>
+          </a:xfrm>
+          <a:prstGeom prst="rect">
+            <a:avLst/>
+          </a:prstGeom>
+        </p:spPr>
+      </p:pic>
+      <p:pic>
+        <p:nvPicPr>
+          <p:cNvPr id="16" name="Picture 15"/>
+          <p:cNvPicPr>
+            <a:picLocks noChangeAspect="1"/>
+          </p:cNvPicPr>
+          <p:nvPr/>
+        </p:nvPicPr>
+        <p:blipFill>
+          <a:blip r:embed="rId3">
+            <a:extLst>
+              <a:ext uri="{28A0092B-C50C-407E-A947-70E740481C1C}">
+                <a14:useLocalDpi xmlns:a14="http://schemas.microsoft.com/office/drawing/2010/main" val="0"/>
+              </a:ext>
+            </a:extLst>
+          </a:blip>
+          <a:stretch>
+            <a:fillRect/>
+          </a:stretch>
+        </p:blipFill>
+        <p:spPr>
+          <a:xfrm rot="20602663">
+            <a:off x="7753951" y="1499913"/>
+            <a:ext cx="804232" cy="804232"/>
+          </a:xfrm>
+          <a:prstGeom prst="rect">
+            <a:avLst/>
+          </a:prstGeom>
+        </p:spPr>
+      </p:pic>
+      <p:sp>
+        <p:nvSpPr>
+          <p:cNvPr id="18" name="Oval 17"/>
+          <p:cNvSpPr/>
+          <p:nvPr/>
+        </p:nvSpPr>
+        <p:spPr>
+          <a:xfrm>
+            <a:off x="6586972" y="5553535"/>
+            <a:ext cx="333402" cy="333402"/>
           </a:xfrm>
           <a:prstGeom prst="ellipse">
             <a:avLst/>
@@ -7212,14 +7667,357 @@
       </p:sp>
       <p:sp>
         <p:nvSpPr>
-          <p:cNvPr id="5" name="Oval 4"/>
+          <p:cNvPr id="23" name="Oval 22"/>
           <p:cNvSpPr/>
           <p:nvPr/>
         </p:nvSpPr>
         <p:spPr>
           <a:xfrm>
-            <a:off x="4876802" y="2940422"/>
-            <a:ext cx="394447" cy="394447"/>
+            <a:off x="5955161" y="5496872"/>
+            <a:ext cx="333402" cy="333402"/>
+          </a:xfrm>
+          <a:prstGeom prst="ellipse">
+            <a:avLst/>
+          </a:prstGeom>
+          <a:solidFill>
+            <a:srgbClr val="FF0000"/>
+          </a:solidFill>
+          <a:ln>
+            <a:solidFill>
+              <a:srgbClr val="C00000"/>
+            </a:solidFill>
+          </a:ln>
+        </p:spPr>
+        <p:style>
+          <a:lnRef idx="2">
+            <a:schemeClr val="accent6">
+              <a:shade val="50000"/>
+            </a:schemeClr>
+          </a:lnRef>
+          <a:fillRef idx="1">
+            <a:schemeClr val="accent6"/>
+          </a:fillRef>
+          <a:effectRef idx="0">
+            <a:schemeClr val="accent6"/>
+          </a:effectRef>
+          <a:fontRef idx="minor">
+            <a:schemeClr val="lt1"/>
+          </a:fontRef>
+        </p:style>
+        <p:txBody>
+          <a:bodyPr rtlCol="0" anchor="ctr"/>
+          <a:lstStyle/>
+          <a:p>
+            <a:pPr algn="ctr"/>
+            <a:endParaRPr lang="en-AU"/>
+          </a:p>
+        </p:txBody>
+      </p:sp>
+      <p:cxnSp>
+        <p:nvCxnSpPr>
+          <p:cNvPr id="25" name="Straight Arrow Connector 24"/>
+          <p:cNvCxnSpPr/>
+          <p:nvPr/>
+        </p:nvCxnSpPr>
+        <p:spPr>
+          <a:xfrm>
+            <a:off x="8252138" y="1581799"/>
+            <a:ext cx="853134" cy="320230"/>
+          </a:xfrm>
+          <a:prstGeom prst="straightConnector1">
+            <a:avLst/>
+          </a:prstGeom>
+          <a:ln>
+            <a:headEnd type="arrow" w="med" len="med"/>
+            <a:tailEnd type="none" w="med" len="med"/>
+          </a:ln>
+        </p:spPr>
+        <p:style>
+          <a:lnRef idx="1">
+            <a:schemeClr val="accent1"/>
+          </a:lnRef>
+          <a:fillRef idx="0">
+            <a:schemeClr val="accent1"/>
+          </a:fillRef>
+          <a:effectRef idx="0">
+            <a:schemeClr val="accent1"/>
+          </a:effectRef>
+          <a:fontRef idx="minor">
+            <a:schemeClr val="tx1"/>
+          </a:fontRef>
+        </p:style>
+      </p:cxnSp>
+      <p:sp>
+        <p:nvSpPr>
+          <p:cNvPr id="26" name="TextBox 25"/>
+          <p:cNvSpPr txBox="1"/>
+          <p:nvPr/>
+        </p:nvSpPr>
+        <p:spPr>
+          <a:xfrm>
+            <a:off x="761162" y="1581799"/>
+            <a:ext cx="4937760" cy="3929281"/>
+          </a:xfrm>
+          <a:prstGeom prst="rect">
+            <a:avLst/>
+          </a:prstGeom>
+          <a:solidFill>
+            <a:schemeClr val="bg1"/>
+          </a:solidFill>
+        </p:spPr>
+        <p:txBody>
+          <a:bodyPr wrap="square" rtlCol="0">
+            <a:spAutoFit/>
+          </a:bodyPr>
+          <a:lstStyle/>
+          <a:p>
+            <a:pPr marL="342900" indent="-342900">
+              <a:spcBef>
+                <a:spcPts val="1000"/>
+              </a:spcBef>
+              <a:buClr>
+                <a:schemeClr val="accent1"/>
+              </a:buClr>
+              <a:buSzPct val="80000"/>
+              <a:buFont typeface="Wingdings 3" charset="2"/>
+              <a:buChar char=""/>
+            </a:pPr>
+            <a:r>
+              <a:rPr lang="en-AU" dirty="0">
+                <a:solidFill>
+                  <a:schemeClr val="tx1">
+                    <a:lumMod val="75000"/>
+                    <a:lumOff val="25000"/>
+                  </a:schemeClr>
+                </a:solidFill>
+              </a:rPr>
+              <a:t>Receivers sample signals at 1Hz during which time the satellite could have moved up to </a:t>
+            </a:r>
+            <a:r>
+              <a:rPr lang="en-AU" dirty="0" smtClean="0">
+                <a:solidFill>
+                  <a:schemeClr val="tx1">
+                    <a:lumMod val="75000"/>
+                    <a:lumOff val="25000"/>
+                  </a:schemeClr>
+                </a:solidFill>
+              </a:rPr>
+              <a:t>4km</a:t>
+            </a:r>
+          </a:p>
+          <a:p>
+            <a:pPr marL="342900" indent="-342900">
+              <a:spcBef>
+                <a:spcPts val="1000"/>
+              </a:spcBef>
+              <a:buClr>
+                <a:schemeClr val="accent1"/>
+              </a:buClr>
+              <a:buSzPct val="80000"/>
+              <a:buFont typeface="Wingdings 3" charset="2"/>
+              <a:buChar char=""/>
+            </a:pPr>
+            <a:r>
+              <a:rPr lang="en-AU" dirty="0" smtClean="0">
+                <a:solidFill>
+                  <a:schemeClr val="tx1">
+                    <a:lumMod val="75000"/>
+                    <a:lumOff val="25000"/>
+                  </a:schemeClr>
+                </a:solidFill>
+              </a:rPr>
+              <a:t>Receivers in the system are unlikely to take readings at the exact same time</a:t>
+            </a:r>
+          </a:p>
+          <a:p>
+            <a:pPr marL="342900" indent="-342900">
+              <a:spcBef>
+                <a:spcPts val="1000"/>
+              </a:spcBef>
+              <a:buClr>
+                <a:schemeClr val="accent1"/>
+              </a:buClr>
+              <a:buSzPct val="80000"/>
+              <a:buFont typeface="Wingdings 3" charset="2"/>
+              <a:buChar char=""/>
+            </a:pPr>
+            <a:r>
+              <a:rPr lang="en-AU" dirty="0" smtClean="0">
+                <a:solidFill>
+                  <a:schemeClr val="tx1">
+                    <a:lumMod val="75000"/>
+                    <a:lumOff val="25000"/>
+                  </a:schemeClr>
+                </a:solidFill>
+              </a:rPr>
+              <a:t>The extra distance travelled by the radio signal is in the vacuum of space, no delays</a:t>
+            </a:r>
+          </a:p>
+          <a:p>
+            <a:pPr marL="342900" indent="-342900">
+              <a:spcBef>
+                <a:spcPts val="1000"/>
+              </a:spcBef>
+              <a:buClr>
+                <a:schemeClr val="accent1"/>
+              </a:buClr>
+              <a:buSzPct val="80000"/>
+              <a:buFont typeface="Wingdings 3" charset="2"/>
+              <a:buChar char=""/>
+            </a:pPr>
+            <a:r>
+              <a:rPr lang="en-AU" dirty="0" smtClean="0">
+                <a:solidFill>
+                  <a:schemeClr val="tx1">
+                    <a:lumMod val="75000"/>
+                    <a:lumOff val="25000"/>
+                  </a:schemeClr>
+                </a:solidFill>
+              </a:rPr>
+              <a:t>The change in pseudorange is calculated along the reference direction vector to reduce the error from asynchronous sampling times</a:t>
+            </a:r>
+          </a:p>
+          <a:p>
+            <a:pPr marL="342900" indent="-342900">
+              <a:spcBef>
+                <a:spcPts val="1000"/>
+              </a:spcBef>
+              <a:buClr>
+                <a:schemeClr val="accent1"/>
+              </a:buClr>
+              <a:buSzPct val="80000"/>
+              <a:buFont typeface="Wingdings 3" charset="2"/>
+              <a:buChar char=""/>
+            </a:pPr>
+            <a:r>
+              <a:rPr lang="en-AU" dirty="0" smtClean="0">
+                <a:solidFill>
+                  <a:schemeClr val="tx1">
+                    <a:lumMod val="75000"/>
+                    <a:lumOff val="25000"/>
+                  </a:schemeClr>
+                </a:solidFill>
+              </a:rPr>
+              <a:t>Has some error due to receiver clock bias</a:t>
+            </a:r>
+            <a:endParaRPr lang="en-AU" dirty="0">
+              <a:solidFill>
+                <a:schemeClr val="tx1">
+                  <a:lumMod val="75000"/>
+                  <a:lumOff val="25000"/>
+                </a:schemeClr>
+              </a:solidFill>
+            </a:endParaRPr>
+          </a:p>
+        </p:txBody>
+      </p:sp>
+      <p:sp>
+        <p:nvSpPr>
+          <p:cNvPr id="27" name="TextBox 26"/>
+          <p:cNvSpPr txBox="1"/>
+          <p:nvPr/>
+        </p:nvSpPr>
+        <p:spPr>
+          <a:xfrm>
+            <a:off x="9101745" y="1380933"/>
+            <a:ext cx="565389" cy="369332"/>
+          </a:xfrm>
+          <a:prstGeom prst="rect">
+            <a:avLst/>
+          </a:prstGeom>
+          <a:noFill/>
+        </p:spPr>
+        <p:txBody>
+          <a:bodyPr wrap="square" rtlCol="0">
+            <a:spAutoFit/>
+          </a:bodyPr>
+          <a:lstStyle/>
+          <a:p>
+            <a:r>
+              <a:rPr lang="en-AU" dirty="0" smtClean="0"/>
+              <a:t>t1</a:t>
+            </a:r>
+            <a:endParaRPr lang="en-AU" dirty="0"/>
+          </a:p>
+        </p:txBody>
+      </p:sp>
+      <p:sp>
+        <p:nvSpPr>
+          <p:cNvPr id="28" name="TextBox 27"/>
+          <p:cNvSpPr txBox="1"/>
+          <p:nvPr/>
+        </p:nvSpPr>
+        <p:spPr>
+          <a:xfrm>
+            <a:off x="8216525" y="1165660"/>
+            <a:ext cx="565389" cy="369332"/>
+          </a:xfrm>
+          <a:prstGeom prst="rect">
+            <a:avLst/>
+          </a:prstGeom>
+          <a:noFill/>
+        </p:spPr>
+        <p:txBody>
+          <a:bodyPr wrap="square" rtlCol="0">
+            <a:spAutoFit/>
+          </a:bodyPr>
+          <a:lstStyle/>
+          <a:p>
+            <a:r>
+              <a:rPr lang="en-AU" dirty="0" smtClean="0"/>
+              <a:t>t2</a:t>
+            </a:r>
+            <a:endParaRPr lang="en-AU" dirty="0"/>
+          </a:p>
+        </p:txBody>
+      </p:sp>
+    </p:spTree>
+    <p:extLst>
+      <p:ext uri="{BB962C8B-B14F-4D97-AF65-F5344CB8AC3E}">
+        <p14:creationId xmlns:p14="http://schemas.microsoft.com/office/powerpoint/2010/main" val="2774803419"/>
+      </p:ext>
+    </p:extLst>
+  </p:cSld>
+  <p:clrMapOvr>
+    <a:masterClrMapping/>
+  </p:clrMapOvr>
+  <p:timing>
+    <p:tnLst>
+      <p:par>
+        <p:cTn id="1" dur="indefinite" restart="never" nodeType="tmRoot"/>
+      </p:par>
+    </p:tnLst>
+  </p:timing>
+</p:sld>
+</file>
+
+<file path=ppt/slides/slide11.xml><?xml version="1.0" encoding="utf-8"?>
+<p:sld xmlns:a="http://schemas.openxmlformats.org/drawingml/2006/main" xmlns:r="http://schemas.openxmlformats.org/officeDocument/2006/relationships" xmlns:p="http://schemas.openxmlformats.org/presentationml/2006/main" showMasterSp="0">
+  <p:cSld>
+    <p:spTree>
+      <p:nvGrpSpPr>
+        <p:cNvPr id="1" name=""/>
+        <p:cNvGrpSpPr/>
+        <p:nvPr/>
+      </p:nvGrpSpPr>
+      <p:grpSpPr>
+        <a:xfrm>
+          <a:off x="0" y="0"/>
+          <a:ext cx="0" cy="0"/>
+          <a:chOff x="0" y="0"/>
+          <a:chExt cx="0" cy="0"/>
+        </a:xfrm>
+      </p:grpSpPr>
+      <p:sp>
+        <p:nvSpPr>
+          <p:cNvPr id="8" name="Oval 7"/>
+          <p:cNvSpPr/>
+          <p:nvPr/>
+        </p:nvSpPr>
+        <p:spPr>
+          <a:xfrm>
+            <a:off x="6968490" y="4210050"/>
+            <a:ext cx="320040" cy="320040"/>
           </a:xfrm>
           <a:prstGeom prst="ellipse">
             <a:avLst/>
@@ -7252,14 +8050,14 @@
       </p:sp>
       <p:sp>
         <p:nvSpPr>
-          <p:cNvPr id="6" name="Oval 5"/>
+          <p:cNvPr id="9" name="Oval 8"/>
           <p:cNvSpPr/>
           <p:nvPr/>
         </p:nvSpPr>
         <p:spPr>
           <a:xfrm>
-            <a:off x="10148048" y="2904563"/>
-            <a:ext cx="394447" cy="394447"/>
+            <a:off x="10092690" y="5322570"/>
+            <a:ext cx="320040" cy="320040"/>
           </a:xfrm>
           <a:prstGeom prst="ellipse">
             <a:avLst/>
@@ -7292,92 +8090,22 @@
       </p:sp>
       <p:cxnSp>
         <p:nvCxnSpPr>
-          <p:cNvPr id="8" name="Straight Arrow Connector 7"/>
+          <p:cNvPr id="11" name="Straight Connector 10"/>
           <p:cNvCxnSpPr/>
           <p:nvPr/>
         </p:nvCxnSpPr>
         <p:spPr>
           <a:xfrm>
-            <a:off x="1308847" y="2330824"/>
-            <a:ext cx="3765178" cy="0"/>
+            <a:off x="8035290" y="3752850"/>
+            <a:ext cx="3192780" cy="2491740"/>
           </a:xfrm>
-          <a:prstGeom prst="straightConnector1">
+          <a:prstGeom prst="line">
             <a:avLst/>
           </a:prstGeom>
-          <a:ln w="38100">
-            <a:tailEnd type="triangle"/>
-          </a:ln>
-        </p:spPr>
-        <p:style>
-          <a:lnRef idx="1">
-            <a:schemeClr val="dk1"/>
-          </a:lnRef>
-          <a:fillRef idx="0">
-            <a:schemeClr val="dk1"/>
-          </a:fillRef>
-          <a:effectRef idx="0">
-            <a:schemeClr val="dk1"/>
-          </a:effectRef>
-          <a:fontRef idx="minor">
-            <a:schemeClr val="tx1"/>
-          </a:fontRef>
-        </p:style>
-      </p:cxnSp>
-      <p:cxnSp>
-        <p:nvCxnSpPr>
-          <p:cNvPr id="19" name="Straight Arrow Connector 18"/>
-          <p:cNvCxnSpPr/>
-          <p:nvPr/>
-        </p:nvCxnSpPr>
-        <p:spPr>
-          <a:xfrm>
-            <a:off x="5074025" y="3729317"/>
-            <a:ext cx="3370728" cy="0"/>
-          </a:xfrm>
-          <a:prstGeom prst="straightConnector1">
-            <a:avLst/>
-          </a:prstGeom>
-          <a:ln w="38100">
+          <a:ln w="28575">
             <a:solidFill>
-              <a:schemeClr val="tx1"/>
+              <a:srgbClr val="FF0000"/>
             </a:solidFill>
-            <a:tailEnd type="triangle"/>
-          </a:ln>
-        </p:spPr>
-        <p:style>
-          <a:lnRef idx="1">
-            <a:schemeClr val="dk1"/>
-          </a:lnRef>
-          <a:fillRef idx="0">
-            <a:schemeClr val="dk1"/>
-          </a:fillRef>
-          <a:effectRef idx="0">
-            <a:schemeClr val="dk1"/>
-          </a:effectRef>
-          <a:fontRef idx="minor">
-            <a:schemeClr val="tx1"/>
-          </a:fontRef>
-        </p:style>
-      </p:cxnSp>
-      <p:cxnSp>
-        <p:nvCxnSpPr>
-          <p:cNvPr id="21" name="Straight Arrow Connector 20"/>
-          <p:cNvCxnSpPr/>
-          <p:nvPr/>
-        </p:nvCxnSpPr>
-        <p:spPr>
-          <a:xfrm>
-            <a:off x="1308847" y="1775012"/>
-            <a:ext cx="9036424" cy="0"/>
-          </a:xfrm>
-          <a:prstGeom prst="straightConnector1">
-            <a:avLst/>
-          </a:prstGeom>
-          <a:ln w="38100">
-            <a:solidFill>
-              <a:schemeClr val="tx1"/>
-            </a:solidFill>
-            <a:tailEnd type="triangle"/>
           </a:ln>
         </p:spPr>
         <p:style>
@@ -7395,100 +8123,965 @@
           </a:fontRef>
         </p:style>
       </p:cxnSp>
-      <p:sp>
-        <p:nvSpPr>
-          <p:cNvPr id="45" name="TextBox 44"/>
-          <p:cNvSpPr txBox="1"/>
+      <p:cxnSp>
+        <p:nvCxnSpPr>
+          <p:cNvPr id="13" name="Straight Connector 12"/>
+          <p:cNvCxnSpPr/>
           <p:nvPr/>
-        </p:nvSpPr>
+        </p:nvCxnSpPr>
         <p:spPr>
           <a:xfrm>
-            <a:off x="661147" y="4454561"/>
-            <a:ext cx="1295400" cy="369332"/>
+            <a:off x="6351270" y="3752850"/>
+            <a:ext cx="3192780" cy="2491740"/>
+          </a:xfrm>
+          <a:prstGeom prst="line">
+            <a:avLst/>
+          </a:prstGeom>
+          <a:ln w="28575">
+            <a:solidFill>
+              <a:srgbClr val="FF0000"/>
+            </a:solidFill>
+          </a:ln>
+        </p:spPr>
+        <p:style>
+          <a:lnRef idx="1">
+            <a:schemeClr val="accent1"/>
+          </a:lnRef>
+          <a:fillRef idx="0">
+            <a:schemeClr val="accent1"/>
+          </a:fillRef>
+          <a:effectRef idx="0">
+            <a:schemeClr val="accent1"/>
+          </a:effectRef>
+          <a:fontRef idx="minor">
+            <a:schemeClr val="tx1"/>
+          </a:fontRef>
+        </p:style>
+      </p:cxnSp>
+      <p:cxnSp>
+        <p:nvCxnSpPr>
+          <p:cNvPr id="15" name="Straight Connector 14"/>
+          <p:cNvCxnSpPr/>
+          <p:nvPr/>
+        </p:nvCxnSpPr>
+        <p:spPr>
+          <a:xfrm>
+            <a:off x="5894070" y="4354830"/>
+            <a:ext cx="5494020" cy="0"/>
+          </a:xfrm>
+          <a:prstGeom prst="line">
+            <a:avLst/>
+          </a:prstGeom>
+          <a:ln w="28575">
+            <a:solidFill>
+              <a:schemeClr val="accent1">
+                <a:lumMod val="75000"/>
+              </a:schemeClr>
+            </a:solidFill>
+          </a:ln>
+        </p:spPr>
+        <p:style>
+          <a:lnRef idx="1">
+            <a:schemeClr val="accent1"/>
+          </a:lnRef>
+          <a:fillRef idx="0">
+            <a:schemeClr val="accent1"/>
+          </a:fillRef>
+          <a:effectRef idx="0">
+            <a:schemeClr val="accent1"/>
+          </a:effectRef>
+          <a:fontRef idx="minor">
+            <a:schemeClr val="tx1"/>
+          </a:fontRef>
+        </p:style>
+      </p:cxnSp>
+      <p:cxnSp>
+        <p:nvCxnSpPr>
+          <p:cNvPr id="16" name="Straight Connector 15"/>
+          <p:cNvCxnSpPr/>
+          <p:nvPr/>
+        </p:nvCxnSpPr>
+        <p:spPr>
+          <a:xfrm>
+            <a:off x="6046470" y="5482590"/>
+            <a:ext cx="5494020" cy="0"/>
+          </a:xfrm>
+          <a:prstGeom prst="line">
+            <a:avLst/>
+          </a:prstGeom>
+          <a:ln w="28575">
+            <a:solidFill>
+              <a:schemeClr val="accent1">
+                <a:lumMod val="75000"/>
+              </a:schemeClr>
+            </a:solidFill>
+          </a:ln>
+        </p:spPr>
+        <p:style>
+          <a:lnRef idx="1">
+            <a:schemeClr val="accent1"/>
+          </a:lnRef>
+          <a:fillRef idx="0">
+            <a:schemeClr val="accent1"/>
+          </a:fillRef>
+          <a:effectRef idx="0">
+            <a:schemeClr val="accent1"/>
+          </a:effectRef>
+          <a:fontRef idx="minor">
+            <a:schemeClr val="tx1"/>
+          </a:fontRef>
+        </p:style>
+      </p:cxnSp>
+      <p:cxnSp>
+        <p:nvCxnSpPr>
+          <p:cNvPr id="18" name="Straight Connector 17"/>
+          <p:cNvCxnSpPr/>
+          <p:nvPr/>
+        </p:nvCxnSpPr>
+        <p:spPr>
+          <a:xfrm flipV="1">
+            <a:off x="6046470" y="2487930"/>
+            <a:ext cx="2339340" cy="3550920"/>
+          </a:xfrm>
+          <a:prstGeom prst="line">
+            <a:avLst/>
+          </a:prstGeom>
+          <a:ln w="28575">
+            <a:solidFill>
+              <a:srgbClr val="7030A0"/>
+            </a:solidFill>
+          </a:ln>
+        </p:spPr>
+        <p:style>
+          <a:lnRef idx="1">
+            <a:schemeClr val="accent1"/>
+          </a:lnRef>
+          <a:fillRef idx="0">
+            <a:schemeClr val="accent1"/>
+          </a:fillRef>
+          <a:effectRef idx="0">
+            <a:schemeClr val="accent1"/>
+          </a:effectRef>
+          <a:fontRef idx="minor">
+            <a:schemeClr val="tx1"/>
+          </a:fontRef>
+        </p:style>
+      </p:cxnSp>
+      <p:cxnSp>
+        <p:nvCxnSpPr>
+          <p:cNvPr id="19" name="Straight Connector 18"/>
+          <p:cNvCxnSpPr/>
+          <p:nvPr/>
+        </p:nvCxnSpPr>
+        <p:spPr>
+          <a:xfrm flipV="1">
+            <a:off x="9505950" y="3082290"/>
+            <a:ext cx="2339340" cy="3550920"/>
+          </a:xfrm>
+          <a:prstGeom prst="line">
+            <a:avLst/>
+          </a:prstGeom>
+          <a:ln w="28575">
+            <a:solidFill>
+              <a:srgbClr val="7030A0"/>
+            </a:solidFill>
+          </a:ln>
+        </p:spPr>
+        <p:style>
+          <a:lnRef idx="1">
+            <a:schemeClr val="accent1"/>
+          </a:lnRef>
+          <a:fillRef idx="0">
+            <a:schemeClr val="accent1"/>
+          </a:fillRef>
+          <a:effectRef idx="0">
+            <a:schemeClr val="accent1"/>
+          </a:effectRef>
+          <a:fontRef idx="minor">
+            <a:schemeClr val="tx1"/>
+          </a:fontRef>
+        </p:style>
+      </p:cxnSp>
+      <mc:AlternateContent xmlns:mc="http://schemas.openxmlformats.org/markup-compatibility/2006">
+        <mc:Choice xmlns:a14="http://schemas.microsoft.com/office/drawing/2010/main" Requires="a14">
+          <p:sp>
+            <p:nvSpPr>
+              <p:cNvPr id="14" name="Content Placeholder 2"/>
+              <p:cNvSpPr txBox="1">
+                <a:spLocks/>
+              </p:cNvSpPr>
+              <p:nvPr/>
+            </p:nvSpPr>
+            <p:spPr>
+              <a:xfrm>
+                <a:off x="677334" y="1303814"/>
+                <a:ext cx="4995756" cy="4940776"/>
+              </a:xfrm>
+              <a:prstGeom prst="rect">
+                <a:avLst/>
+              </a:prstGeom>
+            </p:spPr>
+            <p:txBody>
+              <a:bodyPr/>
+              <a:lstStyle>
+                <a:lvl1pPr marL="342900" indent="-342900" algn="l" defTabSz="457200" rtl="0" eaLnBrk="1" latinLnBrk="0" hangingPunct="1">
+                  <a:spcBef>
+                    <a:spcPts val="1000"/>
+                  </a:spcBef>
+                  <a:spcAft>
+                    <a:spcPts val="0"/>
+                  </a:spcAft>
+                  <a:buClr>
+                    <a:schemeClr val="accent1"/>
+                  </a:buClr>
+                  <a:buSzPct val="80000"/>
+                  <a:buFont typeface="Wingdings 3" charset="2"/>
+                  <a:buChar char=""/>
+                  <a:defRPr sz="1800" kern="1200">
+                    <a:solidFill>
+                      <a:schemeClr val="tx1">
+                        <a:lumMod val="75000"/>
+                        <a:lumOff val="25000"/>
+                      </a:schemeClr>
+                    </a:solidFill>
+                    <a:latin typeface="+mn-lt"/>
+                    <a:ea typeface="+mn-ea"/>
+                    <a:cs typeface="+mn-cs"/>
+                  </a:defRPr>
+                </a:lvl1pPr>
+                <a:lvl2pPr marL="742950" indent="-285750" algn="l" defTabSz="457200" rtl="0" eaLnBrk="1" latinLnBrk="0" hangingPunct="1">
+                  <a:spcBef>
+                    <a:spcPts val="1000"/>
+                  </a:spcBef>
+                  <a:spcAft>
+                    <a:spcPts val="0"/>
+                  </a:spcAft>
+                  <a:buClr>
+                    <a:schemeClr val="accent1"/>
+                  </a:buClr>
+                  <a:buSzPct val="80000"/>
+                  <a:buFont typeface="Wingdings 3" charset="2"/>
+                  <a:buChar char=""/>
+                  <a:defRPr sz="1600" kern="1200">
+                    <a:solidFill>
+                      <a:schemeClr val="tx1">
+                        <a:lumMod val="75000"/>
+                        <a:lumOff val="25000"/>
+                      </a:schemeClr>
+                    </a:solidFill>
+                    <a:latin typeface="+mn-lt"/>
+                    <a:ea typeface="+mn-ea"/>
+                    <a:cs typeface="+mn-cs"/>
+                  </a:defRPr>
+                </a:lvl2pPr>
+                <a:lvl3pPr marL="1143000" indent="-228600" algn="l" defTabSz="457200" rtl="0" eaLnBrk="1" latinLnBrk="0" hangingPunct="1">
+                  <a:spcBef>
+                    <a:spcPts val="1000"/>
+                  </a:spcBef>
+                  <a:spcAft>
+                    <a:spcPts val="0"/>
+                  </a:spcAft>
+                  <a:buClr>
+                    <a:schemeClr val="accent1"/>
+                  </a:buClr>
+                  <a:buSzPct val="80000"/>
+                  <a:buFont typeface="Wingdings 3" charset="2"/>
+                  <a:buChar char=""/>
+                  <a:defRPr sz="1400" kern="1200">
+                    <a:solidFill>
+                      <a:schemeClr val="tx1">
+                        <a:lumMod val="75000"/>
+                        <a:lumOff val="25000"/>
+                      </a:schemeClr>
+                    </a:solidFill>
+                    <a:latin typeface="+mn-lt"/>
+                    <a:ea typeface="+mn-ea"/>
+                    <a:cs typeface="+mn-cs"/>
+                  </a:defRPr>
+                </a:lvl3pPr>
+                <a:lvl4pPr marL="1600200" indent="-228600" algn="l" defTabSz="457200" rtl="0" eaLnBrk="1" latinLnBrk="0" hangingPunct="1">
+                  <a:spcBef>
+                    <a:spcPts val="1000"/>
+                  </a:spcBef>
+                  <a:spcAft>
+                    <a:spcPts val="0"/>
+                  </a:spcAft>
+                  <a:buClr>
+                    <a:schemeClr val="accent1"/>
+                  </a:buClr>
+                  <a:buSzPct val="80000"/>
+                  <a:buFont typeface="Wingdings 3" charset="2"/>
+                  <a:buChar char=""/>
+                  <a:defRPr sz="1200" kern="1200">
+                    <a:solidFill>
+                      <a:schemeClr val="tx1">
+                        <a:lumMod val="75000"/>
+                        <a:lumOff val="25000"/>
+                      </a:schemeClr>
+                    </a:solidFill>
+                    <a:latin typeface="+mn-lt"/>
+                    <a:ea typeface="+mn-ea"/>
+                    <a:cs typeface="+mn-cs"/>
+                  </a:defRPr>
+                </a:lvl4pPr>
+                <a:lvl5pPr marL="2057400" indent="-228600" algn="l" defTabSz="457200" rtl="0" eaLnBrk="1" latinLnBrk="0" hangingPunct="1">
+                  <a:spcBef>
+                    <a:spcPts val="1000"/>
+                  </a:spcBef>
+                  <a:spcAft>
+                    <a:spcPts val="0"/>
+                  </a:spcAft>
+                  <a:buClr>
+                    <a:schemeClr val="accent1"/>
+                  </a:buClr>
+                  <a:buSzPct val="80000"/>
+                  <a:buFont typeface="Wingdings 3" charset="2"/>
+                  <a:buChar char=""/>
+                  <a:defRPr sz="1200" kern="1200">
+                    <a:solidFill>
+                      <a:schemeClr val="tx1">
+                        <a:lumMod val="75000"/>
+                        <a:lumOff val="25000"/>
+                      </a:schemeClr>
+                    </a:solidFill>
+                    <a:latin typeface="+mn-lt"/>
+                    <a:ea typeface="+mn-ea"/>
+                    <a:cs typeface="+mn-cs"/>
+                  </a:defRPr>
+                </a:lvl5pPr>
+                <a:lvl6pPr marL="2514600" indent="-228600" algn="l" defTabSz="457200" rtl="0" eaLnBrk="1" latinLnBrk="0" hangingPunct="1">
+                  <a:spcBef>
+                    <a:spcPts val="1000"/>
+                  </a:spcBef>
+                  <a:spcAft>
+                    <a:spcPts val="0"/>
+                  </a:spcAft>
+                  <a:buClr>
+                    <a:schemeClr val="accent1"/>
+                  </a:buClr>
+                  <a:buSzPct val="80000"/>
+                  <a:buFont typeface="Wingdings 3" charset="2"/>
+                  <a:buChar char=""/>
+                  <a:defRPr sz="1200" kern="1200">
+                    <a:solidFill>
+                      <a:schemeClr val="tx1">
+                        <a:lumMod val="75000"/>
+                        <a:lumOff val="25000"/>
+                      </a:schemeClr>
+                    </a:solidFill>
+                    <a:latin typeface="+mn-lt"/>
+                    <a:ea typeface="+mn-ea"/>
+                    <a:cs typeface="+mn-cs"/>
+                  </a:defRPr>
+                </a:lvl6pPr>
+                <a:lvl7pPr marL="2971800" indent="-228600" algn="l" defTabSz="457200" rtl="0" eaLnBrk="1" latinLnBrk="0" hangingPunct="1">
+                  <a:spcBef>
+                    <a:spcPts val="1000"/>
+                  </a:spcBef>
+                  <a:spcAft>
+                    <a:spcPts val="0"/>
+                  </a:spcAft>
+                  <a:buClr>
+                    <a:schemeClr val="accent1"/>
+                  </a:buClr>
+                  <a:buSzPct val="80000"/>
+                  <a:buFont typeface="Wingdings 3" charset="2"/>
+                  <a:buChar char=""/>
+                  <a:defRPr sz="1200" kern="1200">
+                    <a:solidFill>
+                      <a:schemeClr val="tx1">
+                        <a:lumMod val="75000"/>
+                        <a:lumOff val="25000"/>
+                      </a:schemeClr>
+                    </a:solidFill>
+                    <a:latin typeface="+mn-lt"/>
+                    <a:ea typeface="+mn-ea"/>
+                    <a:cs typeface="+mn-cs"/>
+                  </a:defRPr>
+                </a:lvl7pPr>
+                <a:lvl8pPr marL="3429000" indent="-228600" algn="l" defTabSz="457200" rtl="0" eaLnBrk="1" latinLnBrk="0" hangingPunct="1">
+                  <a:spcBef>
+                    <a:spcPts val="1000"/>
+                  </a:spcBef>
+                  <a:spcAft>
+                    <a:spcPts val="0"/>
+                  </a:spcAft>
+                  <a:buClr>
+                    <a:schemeClr val="accent1"/>
+                  </a:buClr>
+                  <a:buSzPct val="80000"/>
+                  <a:buFont typeface="Wingdings 3" charset="2"/>
+                  <a:buChar char=""/>
+                  <a:defRPr sz="1200" kern="1200">
+                    <a:solidFill>
+                      <a:schemeClr val="tx1">
+                        <a:lumMod val="75000"/>
+                        <a:lumOff val="25000"/>
+                      </a:schemeClr>
+                    </a:solidFill>
+                    <a:latin typeface="+mn-lt"/>
+                    <a:ea typeface="+mn-ea"/>
+                    <a:cs typeface="+mn-cs"/>
+                  </a:defRPr>
+                </a:lvl8pPr>
+                <a:lvl9pPr marL="3886200" indent="-228600" algn="l" defTabSz="457200" rtl="0" eaLnBrk="1" latinLnBrk="0" hangingPunct="1">
+                  <a:spcBef>
+                    <a:spcPts val="1000"/>
+                  </a:spcBef>
+                  <a:spcAft>
+                    <a:spcPts val="0"/>
+                  </a:spcAft>
+                  <a:buClr>
+                    <a:schemeClr val="accent1"/>
+                  </a:buClr>
+                  <a:buSzPct val="80000"/>
+                  <a:buFont typeface="Wingdings 3" charset="2"/>
+                  <a:buChar char=""/>
+                  <a:defRPr sz="1200" kern="1200">
+                    <a:solidFill>
+                      <a:schemeClr val="tx1">
+                        <a:lumMod val="75000"/>
+                        <a:lumOff val="25000"/>
+                      </a:schemeClr>
+                    </a:solidFill>
+                    <a:latin typeface="+mn-lt"/>
+                    <a:ea typeface="+mn-ea"/>
+                    <a:cs typeface="+mn-cs"/>
+                  </a:defRPr>
+                </a:lvl9pPr>
+              </a:lstStyle>
+              <a:p>
+                <a:r>
+                  <a:rPr lang="en-AU" sz="2400" dirty="0" smtClean="0"/>
+                  <a:t>The planar algorithm works in a similar way to normal GPS using triangulation, but instead of solving the intersection of spheres it solves for the intersection of planes</a:t>
+                </a:r>
+              </a:p>
+              <a:p>
+                <a:r>
+                  <a:rPr lang="en-AU" sz="2400" dirty="0" smtClean="0"/>
+                  <a:t>All of the variables [</a:t>
+                </a:r>
+                <a:r>
+                  <a:rPr lang="en-AU" sz="2400" dirty="0" err="1" smtClean="0"/>
+                  <a:t>x,y,z</a:t>
+                </a:r>
+                <a:r>
+                  <a:rPr lang="en-AU" sz="2400" dirty="0" smtClean="0"/>
+                  <a:t>,</a:t>
+                </a:r>
+                <a14:m>
+                  <m:oMath xmlns:m="http://schemas.openxmlformats.org/officeDocument/2006/math">
+                    <m:r>
+                      <a:rPr lang="en-AU" sz="2400" b="0" i="1" smtClean="0">
+                        <a:latin typeface="Cambria Math" panose="02040503050406030204" pitchFamily="18" charset="0"/>
+                      </a:rPr>
+                      <m:t>𝜏</m:t>
+                    </m:r>
+                  </m:oMath>
+                </a14:m>
+                <a:r>
+                  <a:rPr lang="en-AU" sz="2400" dirty="0" smtClean="0"/>
+                  <a:t>] for each receiver is solved in the same matrix by least squares</a:t>
+                </a:r>
+              </a:p>
+              <a:p>
+                <a:r>
+                  <a:rPr lang="en-AU" sz="2400" dirty="0" smtClean="0"/>
+                  <a:t>The reference receiver is used as a constraint</a:t>
+                </a:r>
+              </a:p>
+            </p:txBody>
+          </p:sp>
+        </mc:Choice>
+        <mc:Fallback>
+          <p:sp>
+            <p:nvSpPr>
+              <p:cNvPr id="14" name="Content Placeholder 2"/>
+              <p:cNvSpPr txBox="1">
+                <a:spLocks noRot="1" noChangeAspect="1" noMove="1" noResize="1" noEditPoints="1" noAdjustHandles="1" noChangeArrowheads="1" noChangeShapeType="1" noTextEdit="1"/>
+              </p:cNvSpPr>
+              <p:nvPr/>
+            </p:nvSpPr>
+            <p:spPr>
+              <a:xfrm>
+                <a:off x="677334" y="1303814"/>
+                <a:ext cx="4995756" cy="4940776"/>
+              </a:xfrm>
+              <a:prstGeom prst="rect">
+                <a:avLst/>
+              </a:prstGeom>
+              <a:blipFill rotWithShape="0">
+                <a:blip r:embed="rId3"/>
+                <a:stretch>
+                  <a:fillRect l="-976" t="-988" r="-1829"/>
+                </a:stretch>
+              </a:blipFill>
+            </p:spPr>
+            <p:txBody>
+              <a:bodyPr/>
+              <a:lstStyle/>
+              <a:p>
+                <a:r>
+                  <a:rPr lang="en-AU">
+                    <a:noFill/>
+                  </a:rPr>
+                  <a:t> </a:t>
+                </a:r>
+              </a:p>
+            </p:txBody>
+          </p:sp>
+        </mc:Fallback>
+      </mc:AlternateContent>
+      <p:sp>
+        <p:nvSpPr>
+          <p:cNvPr id="17" name="Title 1"/>
+          <p:cNvSpPr txBox="1">
+            <a:spLocks/>
+          </p:cNvSpPr>
+          <p:nvPr/>
+        </p:nvSpPr>
+        <p:spPr>
+          <a:xfrm>
+            <a:off x="677334" y="609600"/>
+            <a:ext cx="8596668" cy="1320800"/>
           </a:xfrm>
           <a:prstGeom prst="rect">
             <a:avLst/>
           </a:prstGeom>
-          <a:noFill/>
         </p:spPr>
         <p:txBody>
-          <a:bodyPr wrap="square" rtlCol="0">
-            <a:spAutoFit/>
-          </a:bodyPr>
-          <a:lstStyle/>
-          <a:p>
-            <a:r>
-              <a:rPr lang="en-AU" dirty="0" smtClean="0"/>
-              <a:t>Receiver 1</a:t>
+          <a:bodyPr/>
+          <a:lstStyle>
+            <a:lvl1pPr algn="l" defTabSz="457200" rtl="0" eaLnBrk="1" latinLnBrk="0" hangingPunct="1">
+              <a:spcBef>
+                <a:spcPct val="0"/>
+              </a:spcBef>
+              <a:buNone/>
+              <a:defRPr sz="3600" kern="1200">
+                <a:solidFill>
+                  <a:schemeClr val="accent1"/>
+                </a:solidFill>
+                <a:latin typeface="+mj-lt"/>
+                <a:ea typeface="+mj-ea"/>
+                <a:cs typeface="+mj-cs"/>
+              </a:defRPr>
+            </a:lvl1pPr>
+            <a:lvl2pPr eaLnBrk="1" hangingPunct="1">
+              <a:defRPr>
+                <a:solidFill>
+                  <a:schemeClr val="tx2"/>
+                </a:solidFill>
+              </a:defRPr>
+            </a:lvl2pPr>
+            <a:lvl3pPr eaLnBrk="1" hangingPunct="1">
+              <a:defRPr>
+                <a:solidFill>
+                  <a:schemeClr val="tx2"/>
+                </a:solidFill>
+              </a:defRPr>
+            </a:lvl3pPr>
+            <a:lvl4pPr eaLnBrk="1" hangingPunct="1">
+              <a:defRPr>
+                <a:solidFill>
+                  <a:schemeClr val="tx2"/>
+                </a:solidFill>
+              </a:defRPr>
+            </a:lvl4pPr>
+            <a:lvl5pPr eaLnBrk="1" hangingPunct="1">
+              <a:defRPr>
+                <a:solidFill>
+                  <a:schemeClr val="tx2"/>
+                </a:solidFill>
+              </a:defRPr>
+            </a:lvl5pPr>
+            <a:lvl6pPr eaLnBrk="1" hangingPunct="1">
+              <a:defRPr>
+                <a:solidFill>
+                  <a:schemeClr val="tx2"/>
+                </a:solidFill>
+              </a:defRPr>
+            </a:lvl6pPr>
+            <a:lvl7pPr eaLnBrk="1" hangingPunct="1">
+              <a:defRPr>
+                <a:solidFill>
+                  <a:schemeClr val="tx2"/>
+                </a:solidFill>
+              </a:defRPr>
+            </a:lvl7pPr>
+            <a:lvl8pPr eaLnBrk="1" hangingPunct="1">
+              <a:defRPr>
+                <a:solidFill>
+                  <a:schemeClr val="tx2"/>
+                </a:solidFill>
+              </a:defRPr>
+            </a:lvl8pPr>
+            <a:lvl9pPr eaLnBrk="1" hangingPunct="1">
+              <a:defRPr>
+                <a:solidFill>
+                  <a:schemeClr val="tx2"/>
+                </a:solidFill>
+              </a:defRPr>
+            </a:lvl9pPr>
+          </a:lstStyle>
+          <a:p>
+            <a:r>
+              <a:rPr lang="en-AU" smtClean="0"/>
+              <a:t>Planar Solution</a:t>
             </a:r>
             <a:endParaRPr lang="en-AU" dirty="0"/>
           </a:p>
         </p:txBody>
       </p:sp>
-      <p:sp>
-        <p:nvSpPr>
-          <p:cNvPr id="46" name="TextBox 45"/>
-          <p:cNvSpPr txBox="1"/>
-          <p:nvPr/>
-        </p:nvSpPr>
-        <p:spPr>
-          <a:xfrm>
-            <a:off x="4876802" y="4454561"/>
-            <a:ext cx="1295400" cy="369332"/>
-          </a:xfrm>
-          <a:prstGeom prst="rect">
-            <a:avLst/>
-          </a:prstGeom>
-          <a:noFill/>
-        </p:spPr>
-        <p:txBody>
-          <a:bodyPr wrap="square" rtlCol="0">
-            <a:spAutoFit/>
-          </a:bodyPr>
-          <a:lstStyle/>
-          <a:p>
-            <a:r>
-              <a:rPr lang="en-AU" dirty="0" smtClean="0"/>
-              <a:t>Receiver 2</a:t>
-            </a:r>
-            <a:endParaRPr lang="en-AU" dirty="0"/>
-          </a:p>
-        </p:txBody>
-      </p:sp>
-      <p:sp>
-        <p:nvSpPr>
-          <p:cNvPr id="47" name="TextBox 46"/>
-          <p:cNvSpPr txBox="1"/>
-          <p:nvPr/>
-        </p:nvSpPr>
-        <p:spPr>
-          <a:xfrm>
-            <a:off x="9500348" y="4454561"/>
-            <a:ext cx="1295400" cy="369332"/>
-          </a:xfrm>
-          <a:prstGeom prst="rect">
-            <a:avLst/>
-          </a:prstGeom>
-          <a:noFill/>
-        </p:spPr>
-        <p:txBody>
-          <a:bodyPr wrap="square" rtlCol="0">
-            <a:spAutoFit/>
-          </a:bodyPr>
-          <a:lstStyle/>
-          <a:p>
-            <a:r>
-              <a:rPr lang="en-AU" dirty="0" smtClean="0"/>
-              <a:t>Receiver 3</a:t>
-            </a:r>
-            <a:endParaRPr lang="en-AU" dirty="0"/>
-          </a:p>
-        </p:txBody>
-      </p:sp>
+      <mc:AlternateContent xmlns:mc="http://schemas.openxmlformats.org/markup-compatibility/2006">
+        <mc:Choice xmlns:a14="http://schemas.microsoft.com/office/drawing/2010/main" Requires="a14">
+          <p:sp>
+            <p:nvSpPr>
+              <p:cNvPr id="2" name="TextBox 1"/>
+              <p:cNvSpPr txBox="1"/>
+              <p:nvPr/>
+            </p:nvSpPr>
+            <p:spPr>
+              <a:xfrm>
+                <a:off x="6351270" y="1401870"/>
+                <a:ext cx="5143500" cy="468205"/>
+              </a:xfrm>
+              <a:prstGeom prst="rect">
+                <a:avLst/>
+              </a:prstGeom>
+              <a:noFill/>
+            </p:spPr>
+            <p:txBody>
+              <a:bodyPr wrap="square" rtlCol="0">
+                <a:spAutoFit/>
+              </a:bodyPr>
+              <a:lstStyle/>
+              <a:p>
+                <a14:m>
+                  <m:oMathPara xmlns:m="http://schemas.openxmlformats.org/officeDocument/2006/math">
+                    <m:oMathParaPr>
+                      <m:jc m:val="centerGroup"/>
+                    </m:oMathParaPr>
+                    <m:oMath xmlns:m="http://schemas.openxmlformats.org/officeDocument/2006/math">
+                      <m:sSup>
+                        <m:sSupPr>
+                          <m:ctrlPr>
+                            <a:rPr lang="en-AU" sz="2400" b="0" i="1" smtClean="0">
+                              <a:latin typeface="Cambria Math" panose="02040503050406030204" pitchFamily="18" charset="0"/>
+                            </a:rPr>
+                          </m:ctrlPr>
+                        </m:sSupPr>
+                        <m:e>
+                          <m:r>
+                            <a:rPr lang="en-AU" sz="2400" b="0" i="1" smtClean="0">
+                              <a:latin typeface="Cambria Math" panose="02040503050406030204" pitchFamily="18" charset="0"/>
+                            </a:rPr>
+                            <m:t>𝐴</m:t>
+                          </m:r>
+                        </m:e>
+                        <m:sup>
+                          <m:r>
+                            <a:rPr lang="en-AU" sz="2400" b="0" i="1" smtClean="0">
+                              <a:latin typeface="Cambria Math" panose="02040503050406030204" pitchFamily="18" charset="0"/>
+                            </a:rPr>
+                            <m:t>1</m:t>
+                          </m:r>
+                        </m:sup>
+                      </m:sSup>
+                      <m:sSub>
+                        <m:sSubPr>
+                          <m:ctrlPr>
+                            <a:rPr lang="en-AU" sz="2400" b="0" i="1" smtClean="0">
+                              <a:latin typeface="Cambria Math" panose="02040503050406030204" pitchFamily="18" charset="0"/>
+                            </a:rPr>
+                          </m:ctrlPr>
+                        </m:sSubPr>
+                        <m:e>
+                          <m:r>
+                            <a:rPr lang="en-AU" sz="2400" b="0" i="1" smtClean="0">
+                              <a:latin typeface="Cambria Math" panose="02040503050406030204" pitchFamily="18" charset="0"/>
+                            </a:rPr>
+                            <m:t>𝑥</m:t>
+                          </m:r>
+                        </m:e>
+                        <m:sub>
+                          <m:r>
+                            <a:rPr lang="en-AU" sz="2400" b="0" i="1" smtClean="0">
+                              <a:latin typeface="Cambria Math" panose="02040503050406030204" pitchFamily="18" charset="0"/>
+                            </a:rPr>
+                            <m:t>𝑟</m:t>
+                          </m:r>
+                        </m:sub>
+                      </m:sSub>
+                      <m:r>
+                        <a:rPr lang="en-AU" sz="2400" b="0" i="1" smtClean="0">
+                          <a:latin typeface="Cambria Math" panose="02040503050406030204" pitchFamily="18" charset="0"/>
+                        </a:rPr>
+                        <m:t>+</m:t>
+                      </m:r>
+                      <m:sSup>
+                        <m:sSupPr>
+                          <m:ctrlPr>
+                            <a:rPr lang="en-AU" sz="2400" b="0" i="1" smtClean="0">
+                              <a:latin typeface="Cambria Math" panose="02040503050406030204" pitchFamily="18" charset="0"/>
+                            </a:rPr>
+                          </m:ctrlPr>
+                        </m:sSupPr>
+                        <m:e>
+                          <m:r>
+                            <a:rPr lang="en-AU" sz="2400" b="0" i="1" smtClean="0">
+                              <a:latin typeface="Cambria Math" panose="02040503050406030204" pitchFamily="18" charset="0"/>
+                            </a:rPr>
+                            <m:t>𝐵</m:t>
+                          </m:r>
+                        </m:e>
+                        <m:sup>
+                          <m:r>
+                            <a:rPr lang="en-AU" sz="2400" b="0" i="1" smtClean="0">
+                              <a:latin typeface="Cambria Math" panose="02040503050406030204" pitchFamily="18" charset="0"/>
+                            </a:rPr>
+                            <m:t>1</m:t>
+                          </m:r>
+                        </m:sup>
+                      </m:sSup>
+                      <m:sSub>
+                        <m:sSubPr>
+                          <m:ctrlPr>
+                            <a:rPr lang="en-AU" sz="2400" b="0" i="1" smtClean="0">
+                              <a:latin typeface="Cambria Math" panose="02040503050406030204" pitchFamily="18" charset="0"/>
+                            </a:rPr>
+                          </m:ctrlPr>
+                        </m:sSubPr>
+                        <m:e>
+                          <m:r>
+                            <a:rPr lang="en-AU" sz="2400" b="0" i="1" smtClean="0">
+                              <a:latin typeface="Cambria Math" panose="02040503050406030204" pitchFamily="18" charset="0"/>
+                            </a:rPr>
+                            <m:t>𝑦</m:t>
+                          </m:r>
+                        </m:e>
+                        <m:sub>
+                          <m:r>
+                            <a:rPr lang="en-AU" sz="2400" b="0" i="1" smtClean="0">
+                              <a:latin typeface="Cambria Math" panose="02040503050406030204" pitchFamily="18" charset="0"/>
+                            </a:rPr>
+                            <m:t>𝑟</m:t>
+                          </m:r>
+                        </m:sub>
+                      </m:sSub>
+                      <m:r>
+                        <a:rPr lang="en-AU" sz="2400" b="0" i="1" smtClean="0">
+                          <a:latin typeface="Cambria Math" panose="02040503050406030204" pitchFamily="18" charset="0"/>
+                        </a:rPr>
+                        <m:t>+</m:t>
+                      </m:r>
+                      <m:sSup>
+                        <m:sSupPr>
+                          <m:ctrlPr>
+                            <a:rPr lang="en-AU" sz="2400" b="0" i="1" smtClean="0">
+                              <a:latin typeface="Cambria Math" panose="02040503050406030204" pitchFamily="18" charset="0"/>
+                            </a:rPr>
+                          </m:ctrlPr>
+                        </m:sSupPr>
+                        <m:e>
+                          <m:r>
+                            <a:rPr lang="en-AU" sz="2400" b="0" i="1" smtClean="0">
+                              <a:latin typeface="Cambria Math" panose="02040503050406030204" pitchFamily="18" charset="0"/>
+                            </a:rPr>
+                            <m:t>𝐶</m:t>
+                          </m:r>
+                        </m:e>
+                        <m:sup>
+                          <m:r>
+                            <a:rPr lang="en-AU" sz="2400" b="0" i="1" smtClean="0">
+                              <a:latin typeface="Cambria Math" panose="02040503050406030204" pitchFamily="18" charset="0"/>
+                            </a:rPr>
+                            <m:t>1</m:t>
+                          </m:r>
+                        </m:sup>
+                      </m:sSup>
+                      <m:sSub>
+                        <m:sSubPr>
+                          <m:ctrlPr>
+                            <a:rPr lang="en-AU" sz="2400" b="0" i="1" smtClean="0">
+                              <a:latin typeface="Cambria Math" panose="02040503050406030204" pitchFamily="18" charset="0"/>
+                            </a:rPr>
+                          </m:ctrlPr>
+                        </m:sSubPr>
+                        <m:e>
+                          <m:r>
+                            <a:rPr lang="en-AU" sz="2400" b="0" i="1" smtClean="0">
+                              <a:latin typeface="Cambria Math" panose="02040503050406030204" pitchFamily="18" charset="0"/>
+                            </a:rPr>
+                            <m:t>𝑧</m:t>
+                          </m:r>
+                        </m:e>
+                        <m:sub>
+                          <m:r>
+                            <a:rPr lang="en-AU" sz="2400" b="0" i="1" smtClean="0">
+                              <a:latin typeface="Cambria Math" panose="02040503050406030204" pitchFamily="18" charset="0"/>
+                            </a:rPr>
+                            <m:t>𝑟</m:t>
+                          </m:r>
+                        </m:sub>
+                      </m:sSub>
+                      <m:r>
+                        <a:rPr lang="en-AU" sz="2400" b="0" i="1" smtClean="0">
+                          <a:latin typeface="Cambria Math" panose="02040503050406030204" pitchFamily="18" charset="0"/>
+                        </a:rPr>
+                        <m:t>+</m:t>
+                      </m:r>
+                      <m:sSub>
+                        <m:sSubPr>
+                          <m:ctrlPr>
+                            <a:rPr lang="en-AU" sz="2400" b="0" i="1" smtClean="0">
+                              <a:latin typeface="Cambria Math" panose="02040503050406030204" pitchFamily="18" charset="0"/>
+                            </a:rPr>
+                          </m:ctrlPr>
+                        </m:sSubPr>
+                        <m:e>
+                          <m:r>
+                            <a:rPr lang="en-AU" sz="2400" b="0" i="1" smtClean="0">
+                              <a:latin typeface="Cambria Math" panose="02040503050406030204" pitchFamily="18" charset="0"/>
+                            </a:rPr>
+                            <m:t>𝜏</m:t>
+                          </m:r>
+                        </m:e>
+                        <m:sub>
+                          <m:r>
+                            <a:rPr lang="en-AU" sz="2400" b="0" i="1" smtClean="0">
+                              <a:latin typeface="Cambria Math" panose="02040503050406030204" pitchFamily="18" charset="0"/>
+                            </a:rPr>
+                            <m:t>𝑟</m:t>
+                          </m:r>
+                        </m:sub>
+                      </m:sSub>
+                      <m:r>
+                        <a:rPr lang="en-AU" sz="2400" b="0" i="1" smtClean="0">
+                          <a:latin typeface="Cambria Math" panose="02040503050406030204" pitchFamily="18" charset="0"/>
+                        </a:rPr>
+                        <m:t>−</m:t>
+                      </m:r>
+                      <m:sSub>
+                        <m:sSubPr>
+                          <m:ctrlPr>
+                            <a:rPr lang="en-AU" sz="2400" b="0" i="1" smtClean="0">
+                              <a:latin typeface="Cambria Math" panose="02040503050406030204" pitchFamily="18" charset="0"/>
+                            </a:rPr>
+                          </m:ctrlPr>
+                        </m:sSubPr>
+                        <m:e>
+                          <m:r>
+                            <a:rPr lang="en-AU" sz="2400" b="0" i="1" smtClean="0">
+                              <a:latin typeface="Cambria Math" panose="02040503050406030204" pitchFamily="18" charset="0"/>
+                            </a:rPr>
+                            <m:t>𝜏</m:t>
+                          </m:r>
+                        </m:e>
+                        <m:sub>
+                          <m:r>
+                            <a:rPr lang="en-AU" sz="2400" b="0" i="1" smtClean="0">
+                              <a:latin typeface="Cambria Math" panose="02040503050406030204" pitchFamily="18" charset="0"/>
+                            </a:rPr>
+                            <m:t>0</m:t>
+                          </m:r>
+                        </m:sub>
+                      </m:sSub>
+                      <m:r>
+                        <a:rPr lang="en-AU" sz="2400" b="0" i="1" smtClean="0">
+                          <a:latin typeface="Cambria Math" panose="02040503050406030204" pitchFamily="18" charset="0"/>
+                        </a:rPr>
+                        <m:t>=</m:t>
+                      </m:r>
+                      <m:sSubSup>
+                        <m:sSubSupPr>
+                          <m:ctrlPr>
+                            <a:rPr lang="en-AU" sz="2400" b="0" i="1" smtClean="0">
+                              <a:latin typeface="Cambria Math" panose="02040503050406030204" pitchFamily="18" charset="0"/>
+                            </a:rPr>
+                          </m:ctrlPr>
+                        </m:sSubSupPr>
+                        <m:e>
+                          <m:r>
+                            <a:rPr lang="en-AU" sz="2400" b="0" i="1" smtClean="0">
+                              <a:latin typeface="Cambria Math" panose="02040503050406030204" pitchFamily="18" charset="0"/>
+                            </a:rPr>
+                            <m:t>𝐷</m:t>
+                          </m:r>
+                        </m:e>
+                        <m:sub>
+                          <m:r>
+                            <a:rPr lang="en-AU" sz="2400" b="0" i="1" smtClean="0">
+                              <a:latin typeface="Cambria Math" panose="02040503050406030204" pitchFamily="18" charset="0"/>
+                            </a:rPr>
+                            <m:t>0</m:t>
+                          </m:r>
+                          <m:r>
+                            <a:rPr lang="en-AU" sz="2400" b="0" i="1" smtClean="0">
+                              <a:latin typeface="Cambria Math" panose="02040503050406030204" pitchFamily="18" charset="0"/>
+                            </a:rPr>
+                            <m:t>𝑟</m:t>
+                          </m:r>
+                        </m:sub>
+                        <m:sup>
+                          <m:r>
+                            <a:rPr lang="en-AU" sz="2400" b="0" i="1" smtClean="0">
+                              <a:latin typeface="Cambria Math" panose="02040503050406030204" pitchFamily="18" charset="0"/>
+                            </a:rPr>
+                            <m:t>1</m:t>
+                          </m:r>
+                        </m:sup>
+                      </m:sSubSup>
+                    </m:oMath>
+                  </m:oMathPara>
+                </a14:m>
+                <a:endParaRPr lang="en-AU" sz="2400" dirty="0"/>
+              </a:p>
+            </p:txBody>
+          </p:sp>
+        </mc:Choice>
+        <mc:Fallback>
+          <p:sp>
+            <p:nvSpPr>
+              <p:cNvPr id="2" name="TextBox 1"/>
+              <p:cNvSpPr txBox="1">
+                <a:spLocks noRot="1" noChangeAspect="1" noMove="1" noResize="1" noEditPoints="1" noAdjustHandles="1" noChangeArrowheads="1" noChangeShapeType="1" noTextEdit="1"/>
+              </p:cNvSpPr>
+              <p:nvPr/>
+            </p:nvSpPr>
+            <p:spPr>
+              <a:xfrm>
+                <a:off x="6351270" y="1401870"/>
+                <a:ext cx="5143500" cy="468205"/>
+              </a:xfrm>
+              <a:prstGeom prst="rect">
+                <a:avLst/>
+              </a:prstGeom>
+              <a:blipFill rotWithShape="0">
+                <a:blip r:embed="rId4"/>
+                <a:stretch>
+                  <a:fillRect b="-11688"/>
+                </a:stretch>
+              </a:blipFill>
+            </p:spPr>
+            <p:txBody>
+              <a:bodyPr/>
+              <a:lstStyle/>
+              <a:p>
+                <a:r>
+                  <a:rPr lang="en-AU">
+                    <a:noFill/>
+                  </a:rPr>
+                  <a:t> </a:t>
+                </a:r>
+              </a:p>
+            </p:txBody>
+          </p:sp>
+        </mc:Fallback>
+      </mc:AlternateContent>
     </p:spTree>
     <p:extLst>
       <p:ext uri="{BB962C8B-B14F-4D97-AF65-F5344CB8AC3E}">
-        <p14:creationId xmlns:p14="http://schemas.microsoft.com/office/powerpoint/2010/main" val="3225976831"/>
+        <p14:creationId xmlns:p14="http://schemas.microsoft.com/office/powerpoint/2010/main" val="4194323701"/>
       </p:ext>
     </p:extLst>
   </p:cSld>
@@ -7498,175 +9091,143 @@
   <p:timing>
     <p:tnLst>
       <p:par>
-        <p:cTn id="1" dur="indefinite" restart="never" nodeType="tmRoot">
-          <p:childTnLst>
-            <p:seq concurrent="1" nextAc="seek">
-              <p:cTn id="2" dur="indefinite" nodeType="mainSeq">
-                <p:childTnLst>
-                  <p:par>
-                    <p:cTn id="3" fill="hold">
-                      <p:stCondLst>
-                        <p:cond delay="indefinite"/>
-                      </p:stCondLst>
-                      <p:childTnLst>
-                        <p:par>
-                          <p:cTn id="4" fill="hold">
-                            <p:stCondLst>
-                              <p:cond delay="0"/>
-                            </p:stCondLst>
-                            <p:childTnLst>
-                              <p:par>
-                                <p:cTn id="5" presetID="35" presetClass="path" presetSubtype="0" accel="50000" decel="50000" fill="hold" grpId="0" nodeType="clickEffect">
-                                  <p:stCondLst>
-                                    <p:cond delay="0"/>
-                                  </p:stCondLst>
-                                  <p:childTnLst>
-                                    <p:animMotion origin="layout" path="M 2.5E-6 -4.81481E-6 L -0.09115 0.00255 " pathEditMode="relative" rAng="0" ptsTypes="AA">
-                                      <p:cBhvr>
-                                        <p:cTn id="6" dur="2000" fill="hold"/>
-                                        <p:tgtEl>
-                                          <p:spTgt spid="6"/>
-                                        </p:tgtEl>
-                                        <p:attrNameLst>
-                                          <p:attrName>ppt_x</p:attrName>
-                                          <p:attrName>ppt_y</p:attrName>
-                                        </p:attrNameLst>
-                                      </p:cBhvr>
-                                      <p:rCtr x="-4557" y="116"/>
-                                    </p:animMotion>
-                                  </p:childTnLst>
-                                </p:cTn>
-                              </p:par>
-                              <p:par>
-                                <p:cTn id="7" presetID="63" presetClass="path" presetSubtype="0" accel="50000" decel="50000" fill="hold" grpId="0" nodeType="withEffect">
-                                  <p:stCondLst>
-                                    <p:cond delay="0"/>
-                                  </p:stCondLst>
-                                  <p:childTnLst>
-                                    <p:animMotion origin="layout" path="M 4.16667E-6 2.59259E-6 L 0.07356 2.59259E-6 " pathEditMode="relative" rAng="0" ptsTypes="AA">
-                                      <p:cBhvr>
-                                        <p:cTn id="8" dur="2000" fill="hold"/>
-                                        <p:tgtEl>
-                                          <p:spTgt spid="5"/>
-                                        </p:tgtEl>
-                                        <p:attrNameLst>
-                                          <p:attrName>ppt_x</p:attrName>
-                                          <p:attrName>ppt_y</p:attrName>
-                                        </p:attrNameLst>
-                                      </p:cBhvr>
-                                      <p:rCtr x="3672" y="0"/>
-                                    </p:animMotion>
-                                  </p:childTnLst>
-                                </p:cTn>
-                              </p:par>
-                              <p:par>
-                                <p:cTn id="9" presetID="63" presetClass="path" presetSubtype="0" accel="50000" decel="50000" fill="hold" nodeType="withEffect">
-                                  <p:stCondLst>
-                                    <p:cond delay="0"/>
-                                  </p:stCondLst>
-                                  <p:childTnLst>
-                                    <p:animMotion origin="layout" path="M 2.91667E-6 0 L 0.07356 0 " pathEditMode="relative" rAng="0" ptsTypes="AA">
-                                      <p:cBhvr>
-                                        <p:cTn id="10" dur="2000" fill="hold"/>
-                                        <p:tgtEl>
-                                          <p:spTgt spid="19"/>
-                                        </p:tgtEl>
-                                        <p:attrNameLst>
-                                          <p:attrName>ppt_x</p:attrName>
-                                          <p:attrName>ppt_y</p:attrName>
-                                        </p:attrNameLst>
-                                      </p:cBhvr>
-                                      <p:rCtr x="3672" y="0"/>
-                                    </p:animMotion>
-                                  </p:childTnLst>
-                                </p:cTn>
-                              </p:par>
-                            </p:childTnLst>
-                          </p:cTn>
-                        </p:par>
-                        <p:par>
-                          <p:cTn id="11" fill="hold">
-                            <p:stCondLst>
-                              <p:cond delay="2000"/>
-                            </p:stCondLst>
-                            <p:childTnLst>
-                              <p:par>
-                                <p:cTn id="12" presetID="35" presetClass="path" presetSubtype="0" accel="50000" decel="50000" fill="hold" grpId="1" nodeType="afterEffect">
-                                  <p:stCondLst>
-                                    <p:cond delay="0"/>
-                                  </p:stCondLst>
-                                  <p:childTnLst>
-                                    <p:animMotion origin="layout" path="M 0.07356 2.59259E-6 L 0.03815 -0.00023 " pathEditMode="relative" rAng="0" ptsTypes="AA">
-                                      <p:cBhvr>
-                                        <p:cTn id="13" dur="1000" fill="hold"/>
-                                        <p:tgtEl>
-                                          <p:spTgt spid="5"/>
-                                        </p:tgtEl>
-                                        <p:attrNameLst>
-                                          <p:attrName>ppt_x</p:attrName>
-                                          <p:attrName>ppt_y</p:attrName>
-                                        </p:attrNameLst>
-                                      </p:cBhvr>
-                                      <p:rCtr x="-1771" y="-23"/>
-                                    </p:animMotion>
-                                  </p:childTnLst>
-                                </p:cTn>
-                              </p:par>
-                              <p:par>
-                                <p:cTn id="14" presetID="63" presetClass="path" presetSubtype="0" accel="50000" decel="50000" fill="hold" grpId="1" nodeType="withEffect">
-                                  <p:stCondLst>
-                                    <p:cond delay="0"/>
-                                  </p:stCondLst>
-                                  <p:childTnLst>
-                                    <p:animMotion origin="layout" path="M -0.09115 0.00255 L -0.04388 0.00186 " pathEditMode="relative" rAng="0" ptsTypes="AA">
-                                      <p:cBhvr>
-                                        <p:cTn id="15" dur="1000" fill="hold"/>
-                                        <p:tgtEl>
-                                          <p:spTgt spid="6"/>
-                                        </p:tgtEl>
-                                        <p:attrNameLst>
-                                          <p:attrName>ppt_x</p:attrName>
-                                          <p:attrName>ppt_y</p:attrName>
-                                        </p:attrNameLst>
-                                      </p:cBhvr>
-                                      <p:rCtr x="2279" y="-46"/>
-                                    </p:animMotion>
-                                  </p:childTnLst>
-                                </p:cTn>
-                              </p:par>
-                            </p:childTnLst>
-                          </p:cTn>
-                        </p:par>
-                      </p:childTnLst>
-                    </p:cTn>
-                  </p:par>
-                </p:childTnLst>
-              </p:cTn>
-              <p:prevCondLst>
-                <p:cond evt="onPrev" delay="0">
-                  <p:tgtEl>
-                    <p:sldTgt/>
-                  </p:tgtEl>
-                </p:cond>
-              </p:prevCondLst>
-              <p:nextCondLst>
-                <p:cond evt="onNext" delay="0">
-                  <p:tgtEl>
-                    <p:sldTgt/>
-                  </p:tgtEl>
-                </p:cond>
-              </p:nextCondLst>
-            </p:seq>
-          </p:childTnLst>
-        </p:cTn>
+        <p:cTn id="1" dur="indefinite" restart="never" nodeType="tmRoot"/>
       </p:par>
     </p:tnLst>
-    <p:bldLst>
-      <p:bldP spid="5" grpId="0" animBg="1"/>
-      <p:bldP spid="5" grpId="1" animBg="1"/>
-      <p:bldP spid="6" grpId="0" animBg="1"/>
-      <p:bldP spid="6" grpId="1" animBg="1"/>
-    </p:bldLst>
+  </p:timing>
+</p:sld>
+</file>
+
+<file path=ppt/slides/slide12.xml><?xml version="1.0" encoding="utf-8"?>
+<p:sld xmlns:a="http://schemas.openxmlformats.org/drawingml/2006/main" xmlns:r="http://schemas.openxmlformats.org/officeDocument/2006/relationships" xmlns:p="http://schemas.openxmlformats.org/presentationml/2006/main">
+  <p:cSld>
+    <p:spTree>
+      <p:nvGrpSpPr>
+        <p:cNvPr id="1" name=""/>
+        <p:cNvGrpSpPr/>
+        <p:nvPr/>
+      </p:nvGrpSpPr>
+      <p:grpSpPr>
+        <a:xfrm>
+          <a:off x="0" y="0"/>
+          <a:ext cx="0" cy="0"/>
+          <a:chOff x="0" y="0"/>
+          <a:chExt cx="0" cy="0"/>
+        </a:xfrm>
+      </p:grpSpPr>
+      <p:sp>
+        <p:nvSpPr>
+          <p:cNvPr id="2" name="Title 1"/>
+          <p:cNvSpPr>
+            <a:spLocks noGrp="1"/>
+          </p:cNvSpPr>
+          <p:nvPr>
+            <p:ph type="title"/>
+          </p:nvPr>
+        </p:nvSpPr>
+        <p:spPr/>
+        <p:txBody>
+          <a:bodyPr/>
+          <a:lstStyle/>
+          <a:p>
+            <a:r>
+              <a:rPr lang="en-AU" dirty="0" smtClean="0"/>
+              <a:t>Error Analysis</a:t>
+            </a:r>
+            <a:endParaRPr lang="en-AU" dirty="0"/>
+          </a:p>
+        </p:txBody>
+      </p:sp>
+      <p:sp>
+        <p:nvSpPr>
+          <p:cNvPr id="3" name="Content Placeholder 2"/>
+          <p:cNvSpPr>
+            <a:spLocks noGrp="1"/>
+          </p:cNvSpPr>
+          <p:nvPr>
+            <p:ph idx="1"/>
+          </p:nvPr>
+        </p:nvSpPr>
+        <p:spPr>
+          <a:xfrm>
+            <a:off x="677334" y="2160589"/>
+            <a:ext cx="4485216" cy="3880773"/>
+          </a:xfrm>
+        </p:spPr>
+        <p:txBody>
+          <a:bodyPr>
+            <a:normAutofit/>
+          </a:bodyPr>
+          <a:lstStyle/>
+          <a:p>
+            <a:r>
+              <a:rPr lang="en-AU" sz="2400" dirty="0" smtClean="0"/>
+              <a:t>Logarithmic relationship for the distance between two receivers and the error in the relative position</a:t>
+            </a:r>
+          </a:p>
+          <a:p>
+            <a:r>
+              <a:rPr lang="en-AU" sz="2400" dirty="0" smtClean="0"/>
+              <a:t>The plane assumption has </a:t>
+            </a:r>
+            <a:r>
+              <a:rPr lang="en-AU" sz="2400" dirty="0" err="1" smtClean="0"/>
+              <a:t>submeter</a:t>
+            </a:r>
+            <a:r>
+              <a:rPr lang="en-AU" sz="2400" dirty="0" smtClean="0"/>
+              <a:t> inaccuracy for distances up to 10km</a:t>
+            </a:r>
+            <a:endParaRPr lang="en-AU" sz="2400" dirty="0"/>
+          </a:p>
+        </p:txBody>
+      </p:sp>
+      <p:pic>
+        <p:nvPicPr>
+          <p:cNvPr id="4" name="Picture 3"/>
+          <p:cNvPicPr>
+            <a:picLocks noChangeAspect="1"/>
+          </p:cNvPicPr>
+          <p:nvPr/>
+        </p:nvPicPr>
+        <p:blipFill>
+          <a:blip r:embed="rId2">
+            <a:extLst>
+              <a:ext uri="{28A0092B-C50C-407E-A947-70E740481C1C}">
+                <a14:useLocalDpi xmlns:a14="http://schemas.microsoft.com/office/drawing/2010/main" val="0"/>
+              </a:ext>
+            </a:extLst>
+          </a:blip>
+          <a:stretch>
+            <a:fillRect/>
+          </a:stretch>
+        </p:blipFill>
+        <p:spPr>
+          <a:xfrm>
+            <a:off x="5396884" y="1644650"/>
+            <a:ext cx="6376016" cy="4782012"/>
+          </a:xfrm>
+          <a:prstGeom prst="rect">
+            <a:avLst/>
+          </a:prstGeom>
+        </p:spPr>
+      </p:pic>
+    </p:spTree>
+    <p:extLst>
+      <p:ext uri="{BB962C8B-B14F-4D97-AF65-F5344CB8AC3E}">
+        <p14:creationId xmlns:p14="http://schemas.microsoft.com/office/powerpoint/2010/main" val="4291412542"/>
+      </p:ext>
+    </p:extLst>
+  </p:cSld>
+  <p:clrMapOvr>
+    <a:masterClrMapping/>
+  </p:clrMapOvr>
+  <p:timing>
+    <p:tnLst>
+      <p:par>
+        <p:cTn id="1" dur="indefinite" restart="never" nodeType="tmRoot"/>
+      </p:par>
+    </p:tnLst>
   </p:timing>
 </p:sld>
 </file>
@@ -7705,15 +9266,45 @@
           <a:p>
             <a:r>
               <a:rPr lang="en-AU" dirty="0" smtClean="0"/>
-              <a:t>Show the maths of distance between planes optimisation</a:t>
+              <a:t>Error Analysis</a:t>
             </a:r>
             <a:endParaRPr lang="en-AU" dirty="0"/>
           </a:p>
         </p:txBody>
       </p:sp>
-      <p:sp>
-        <p:nvSpPr>
-          <p:cNvPr id="3" name="Content Placeholder 2"/>
+      <p:pic>
+        <p:nvPicPr>
+          <p:cNvPr id="4" name="Picture 3"/>
+          <p:cNvPicPr>
+            <a:picLocks noChangeAspect="1"/>
+          </p:cNvPicPr>
+          <p:nvPr/>
+        </p:nvPicPr>
+        <p:blipFill>
+          <a:blip r:embed="rId2">
+            <a:extLst>
+              <a:ext uri="{28A0092B-C50C-407E-A947-70E740481C1C}">
+                <a14:useLocalDpi xmlns:a14="http://schemas.microsoft.com/office/drawing/2010/main" val="0"/>
+              </a:ext>
+            </a:extLst>
+          </a:blip>
+          <a:stretch>
+            <a:fillRect/>
+          </a:stretch>
+        </p:blipFill>
+        <p:spPr>
+          <a:xfrm>
+            <a:off x="5638800" y="1353012"/>
+            <a:ext cx="6262044" cy="4696533"/>
+          </a:xfrm>
+          <a:prstGeom prst="rect">
+            <a:avLst/>
+          </a:prstGeom>
+        </p:spPr>
+      </p:pic>
+      <p:sp>
+        <p:nvSpPr>
+          <p:cNvPr id="5" name="Content Placeholder 2"/>
           <p:cNvSpPr>
             <a:spLocks noGrp="1"/>
           </p:cNvSpPr>
@@ -7721,40 +9312,40 @@
             <p:ph idx="1"/>
           </p:nvPr>
         </p:nvSpPr>
-        <p:spPr/>
-        <p:txBody>
-          <a:bodyPr/>
+        <p:spPr>
+          <a:xfrm>
+            <a:off x="677334" y="1589089"/>
+            <a:ext cx="4485216" cy="3880773"/>
+          </a:xfrm>
+        </p:spPr>
+        <p:txBody>
+          <a:bodyPr>
+            <a:normAutofit/>
+          </a:bodyPr>
           <a:lstStyle/>
           <a:p>
             <a:r>
-              <a:rPr lang="en-AU" dirty="0" smtClean="0"/>
-              <a:t>Solve the </a:t>
-            </a:r>
-            <a:r>
-              <a:rPr lang="en-AU" dirty="0" err="1" smtClean="0"/>
-              <a:t>overdetermined</a:t>
-            </a:r>
-            <a:r>
-              <a:rPr lang="en-AU" dirty="0" smtClean="0"/>
-              <a:t> system by linear least squares.</a:t>
-            </a:r>
-          </a:p>
-          <a:p>
-            <a:endParaRPr lang="en-AU" dirty="0" smtClean="0"/>
-          </a:p>
-          <a:p>
-            <a:r>
-              <a:rPr lang="en-AU" dirty="0" smtClean="0"/>
-              <a:t>Calculate the pseudo inverse</a:t>
-            </a:r>
-            <a:endParaRPr lang="en-AU" dirty="0"/>
+              <a:rPr lang="en-AU" sz="2400" dirty="0"/>
+              <a:t>S</a:t>
+            </a:r>
+            <a:r>
+              <a:rPr lang="en-AU" sz="2400" dirty="0" smtClean="0"/>
+              <a:t>ynchronising the receiver times did not remove all the error </a:t>
+            </a:r>
+          </a:p>
+          <a:p>
+            <a:r>
+              <a:rPr lang="en-AU" sz="2400" dirty="0" smtClean="0"/>
+              <a:t>As the distance increase between receivers, the assumption that the vectors are parallel breaks down  </a:t>
+            </a:r>
+            <a:endParaRPr lang="en-AU" sz="2400" dirty="0"/>
           </a:p>
         </p:txBody>
       </p:sp>
     </p:spTree>
     <p:extLst>
       <p:ext uri="{BB962C8B-B14F-4D97-AF65-F5344CB8AC3E}">
-        <p14:creationId xmlns:p14="http://schemas.microsoft.com/office/powerpoint/2010/main" val="1136442994"/>
+        <p14:creationId xmlns:p14="http://schemas.microsoft.com/office/powerpoint/2010/main" val="1339919383"/>
       </p:ext>
     </p:extLst>
   </p:cSld>
@@ -7798,48 +9389,350 @@
             <p:ph type="title"/>
           </p:nvPr>
         </p:nvSpPr>
-        <p:spPr/>
+        <p:spPr>
+          <a:xfrm>
+            <a:off x="677334" y="609600"/>
+            <a:ext cx="8596668" cy="628650"/>
+          </a:xfrm>
+        </p:spPr>
+        <p:txBody>
+          <a:bodyPr>
+            <a:normAutofit fontScale="90000"/>
+          </a:bodyPr>
+          <a:lstStyle/>
+          <a:p>
+            <a:r>
+              <a:rPr lang="en-AU" dirty="0" smtClean="0"/>
+              <a:t>Correlated Errors</a:t>
+            </a:r>
+            <a:endParaRPr lang="en-AU" dirty="0"/>
+          </a:p>
+        </p:txBody>
+      </p:sp>
+      <p:pic>
+        <p:nvPicPr>
+          <p:cNvPr id="7" name="Picture 6"/>
+          <p:cNvPicPr>
+            <a:picLocks noChangeAspect="1"/>
+          </p:cNvPicPr>
+          <p:nvPr/>
+        </p:nvPicPr>
+        <p:blipFill>
+          <a:blip r:embed="rId2">
+            <a:extLst>
+              <a:ext uri="{28A0092B-C50C-407E-A947-70E740481C1C}">
+                <a14:useLocalDpi xmlns:a14="http://schemas.microsoft.com/office/drawing/2010/main" val="0"/>
+              </a:ext>
+            </a:extLst>
+          </a:blip>
+          <a:stretch>
+            <a:fillRect/>
+          </a:stretch>
+        </p:blipFill>
+        <p:spPr>
+          <a:xfrm>
+            <a:off x="6109807" y="1790700"/>
+            <a:ext cx="6078622" cy="4558966"/>
+          </a:xfrm>
+          <a:prstGeom prst="rect">
+            <a:avLst/>
+          </a:prstGeom>
+        </p:spPr>
+      </p:pic>
+      <p:pic>
+        <p:nvPicPr>
+          <p:cNvPr id="8" name="Picture 7"/>
+          <p:cNvPicPr>
+            <a:picLocks noChangeAspect="1"/>
+          </p:cNvPicPr>
+          <p:nvPr/>
+        </p:nvPicPr>
+        <p:blipFill>
+          <a:blip r:embed="rId3">
+            <a:extLst>
+              <a:ext uri="{28A0092B-C50C-407E-A947-70E740481C1C}">
+                <a14:useLocalDpi xmlns:a14="http://schemas.microsoft.com/office/drawing/2010/main" val="0"/>
+              </a:ext>
+            </a:extLst>
+          </a:blip>
+          <a:stretch>
+            <a:fillRect/>
+          </a:stretch>
+        </p:blipFill>
+        <p:spPr>
+          <a:xfrm>
+            <a:off x="-1" y="1790700"/>
+            <a:ext cx="6078625" cy="4558966"/>
+          </a:xfrm>
+          <a:prstGeom prst="rect">
+            <a:avLst/>
+          </a:prstGeom>
+        </p:spPr>
+      </p:pic>
+      <p:sp>
+        <p:nvSpPr>
+          <p:cNvPr id="9" name="Content Placeholder 2"/>
+          <p:cNvSpPr txBox="1">
+            <a:spLocks/>
+          </p:cNvSpPr>
+          <p:nvPr/>
+        </p:nvSpPr>
+        <p:spPr>
+          <a:xfrm>
+            <a:off x="677334" y="1303814"/>
+            <a:ext cx="10874586" cy="1253171"/>
+          </a:xfrm>
+          <a:prstGeom prst="rect">
+            <a:avLst/>
+          </a:prstGeom>
+        </p:spPr>
         <p:txBody>
           <a:bodyPr/>
-          <a:lstStyle/>
-          <a:p>
-            <a:r>
-              <a:rPr lang="en-AU" dirty="0" smtClean="0"/>
-              <a:t>Construction of planes</a:t>
-            </a:r>
-            <a:endParaRPr lang="en-AU" dirty="0"/>
-          </a:p>
-        </p:txBody>
-      </p:sp>
-      <p:sp>
-        <p:nvSpPr>
-          <p:cNvPr id="3" name="Content Placeholder 2"/>
-          <p:cNvSpPr>
-            <a:spLocks noGrp="1"/>
-          </p:cNvSpPr>
-          <p:nvPr>
-            <p:ph idx="1"/>
-          </p:nvPr>
-        </p:nvSpPr>
-        <p:spPr/>
-        <p:txBody>
-          <a:bodyPr/>
-          <a:lstStyle/>
-          <a:p>
-            <a:r>
-              <a:rPr lang="en-AU" dirty="0" smtClean="0"/>
-              <a:t>Using the optimised distances previously calculated</a:t>
-            </a:r>
-          </a:p>
-          <a:p>
-            <a:endParaRPr lang="en-AU" dirty="0"/>
+          <a:lstStyle>
+            <a:lvl1pPr marL="342900" indent="-342900" algn="l" defTabSz="457200" rtl="0" eaLnBrk="1" latinLnBrk="0" hangingPunct="1">
+              <a:spcBef>
+                <a:spcPts val="1000"/>
+              </a:spcBef>
+              <a:spcAft>
+                <a:spcPts val="0"/>
+              </a:spcAft>
+              <a:buClr>
+                <a:schemeClr val="accent1"/>
+              </a:buClr>
+              <a:buSzPct val="80000"/>
+              <a:buFont typeface="Wingdings 3" charset="2"/>
+              <a:buChar char=""/>
+              <a:defRPr sz="1800" kern="1200">
+                <a:solidFill>
+                  <a:schemeClr val="tx1">
+                    <a:lumMod val="75000"/>
+                    <a:lumOff val="25000"/>
+                  </a:schemeClr>
+                </a:solidFill>
+                <a:latin typeface="+mn-lt"/>
+                <a:ea typeface="+mn-ea"/>
+                <a:cs typeface="+mn-cs"/>
+              </a:defRPr>
+            </a:lvl1pPr>
+            <a:lvl2pPr marL="742950" indent="-285750" algn="l" defTabSz="457200" rtl="0" eaLnBrk="1" latinLnBrk="0" hangingPunct="1">
+              <a:spcBef>
+                <a:spcPts val="1000"/>
+              </a:spcBef>
+              <a:spcAft>
+                <a:spcPts val="0"/>
+              </a:spcAft>
+              <a:buClr>
+                <a:schemeClr val="accent1"/>
+              </a:buClr>
+              <a:buSzPct val="80000"/>
+              <a:buFont typeface="Wingdings 3" charset="2"/>
+              <a:buChar char=""/>
+              <a:defRPr sz="1600" kern="1200">
+                <a:solidFill>
+                  <a:schemeClr val="tx1">
+                    <a:lumMod val="75000"/>
+                    <a:lumOff val="25000"/>
+                  </a:schemeClr>
+                </a:solidFill>
+                <a:latin typeface="+mn-lt"/>
+                <a:ea typeface="+mn-ea"/>
+                <a:cs typeface="+mn-cs"/>
+              </a:defRPr>
+            </a:lvl2pPr>
+            <a:lvl3pPr marL="1143000" indent="-228600" algn="l" defTabSz="457200" rtl="0" eaLnBrk="1" latinLnBrk="0" hangingPunct="1">
+              <a:spcBef>
+                <a:spcPts val="1000"/>
+              </a:spcBef>
+              <a:spcAft>
+                <a:spcPts val="0"/>
+              </a:spcAft>
+              <a:buClr>
+                <a:schemeClr val="accent1"/>
+              </a:buClr>
+              <a:buSzPct val="80000"/>
+              <a:buFont typeface="Wingdings 3" charset="2"/>
+              <a:buChar char=""/>
+              <a:defRPr sz="1400" kern="1200">
+                <a:solidFill>
+                  <a:schemeClr val="tx1">
+                    <a:lumMod val="75000"/>
+                    <a:lumOff val="25000"/>
+                  </a:schemeClr>
+                </a:solidFill>
+                <a:latin typeface="+mn-lt"/>
+                <a:ea typeface="+mn-ea"/>
+                <a:cs typeface="+mn-cs"/>
+              </a:defRPr>
+            </a:lvl3pPr>
+            <a:lvl4pPr marL="1600200" indent="-228600" algn="l" defTabSz="457200" rtl="0" eaLnBrk="1" latinLnBrk="0" hangingPunct="1">
+              <a:spcBef>
+                <a:spcPts val="1000"/>
+              </a:spcBef>
+              <a:spcAft>
+                <a:spcPts val="0"/>
+              </a:spcAft>
+              <a:buClr>
+                <a:schemeClr val="accent1"/>
+              </a:buClr>
+              <a:buSzPct val="80000"/>
+              <a:buFont typeface="Wingdings 3" charset="2"/>
+              <a:buChar char=""/>
+              <a:defRPr sz="1200" kern="1200">
+                <a:solidFill>
+                  <a:schemeClr val="tx1">
+                    <a:lumMod val="75000"/>
+                    <a:lumOff val="25000"/>
+                  </a:schemeClr>
+                </a:solidFill>
+                <a:latin typeface="+mn-lt"/>
+                <a:ea typeface="+mn-ea"/>
+                <a:cs typeface="+mn-cs"/>
+              </a:defRPr>
+            </a:lvl4pPr>
+            <a:lvl5pPr marL="2057400" indent="-228600" algn="l" defTabSz="457200" rtl="0" eaLnBrk="1" latinLnBrk="0" hangingPunct="1">
+              <a:spcBef>
+                <a:spcPts val="1000"/>
+              </a:spcBef>
+              <a:spcAft>
+                <a:spcPts val="0"/>
+              </a:spcAft>
+              <a:buClr>
+                <a:schemeClr val="accent1"/>
+              </a:buClr>
+              <a:buSzPct val="80000"/>
+              <a:buFont typeface="Wingdings 3" charset="2"/>
+              <a:buChar char=""/>
+              <a:defRPr sz="1200" kern="1200">
+                <a:solidFill>
+                  <a:schemeClr val="tx1">
+                    <a:lumMod val="75000"/>
+                    <a:lumOff val="25000"/>
+                  </a:schemeClr>
+                </a:solidFill>
+                <a:latin typeface="+mn-lt"/>
+                <a:ea typeface="+mn-ea"/>
+                <a:cs typeface="+mn-cs"/>
+              </a:defRPr>
+            </a:lvl5pPr>
+            <a:lvl6pPr marL="2514600" indent="-228600" algn="l" defTabSz="457200" rtl="0" eaLnBrk="1" latinLnBrk="0" hangingPunct="1">
+              <a:spcBef>
+                <a:spcPts val="1000"/>
+              </a:spcBef>
+              <a:spcAft>
+                <a:spcPts val="0"/>
+              </a:spcAft>
+              <a:buClr>
+                <a:schemeClr val="accent1"/>
+              </a:buClr>
+              <a:buSzPct val="80000"/>
+              <a:buFont typeface="Wingdings 3" charset="2"/>
+              <a:buChar char=""/>
+              <a:defRPr sz="1200" kern="1200">
+                <a:solidFill>
+                  <a:schemeClr val="tx1">
+                    <a:lumMod val="75000"/>
+                    <a:lumOff val="25000"/>
+                  </a:schemeClr>
+                </a:solidFill>
+                <a:latin typeface="+mn-lt"/>
+                <a:ea typeface="+mn-ea"/>
+                <a:cs typeface="+mn-cs"/>
+              </a:defRPr>
+            </a:lvl6pPr>
+            <a:lvl7pPr marL="2971800" indent="-228600" algn="l" defTabSz="457200" rtl="0" eaLnBrk="1" latinLnBrk="0" hangingPunct="1">
+              <a:spcBef>
+                <a:spcPts val="1000"/>
+              </a:spcBef>
+              <a:spcAft>
+                <a:spcPts val="0"/>
+              </a:spcAft>
+              <a:buClr>
+                <a:schemeClr val="accent1"/>
+              </a:buClr>
+              <a:buSzPct val="80000"/>
+              <a:buFont typeface="Wingdings 3" charset="2"/>
+              <a:buChar char=""/>
+              <a:defRPr sz="1200" kern="1200">
+                <a:solidFill>
+                  <a:schemeClr val="tx1">
+                    <a:lumMod val="75000"/>
+                    <a:lumOff val="25000"/>
+                  </a:schemeClr>
+                </a:solidFill>
+                <a:latin typeface="+mn-lt"/>
+                <a:ea typeface="+mn-ea"/>
+                <a:cs typeface="+mn-cs"/>
+              </a:defRPr>
+            </a:lvl7pPr>
+            <a:lvl8pPr marL="3429000" indent="-228600" algn="l" defTabSz="457200" rtl="0" eaLnBrk="1" latinLnBrk="0" hangingPunct="1">
+              <a:spcBef>
+                <a:spcPts val="1000"/>
+              </a:spcBef>
+              <a:spcAft>
+                <a:spcPts val="0"/>
+              </a:spcAft>
+              <a:buClr>
+                <a:schemeClr val="accent1"/>
+              </a:buClr>
+              <a:buSzPct val="80000"/>
+              <a:buFont typeface="Wingdings 3" charset="2"/>
+              <a:buChar char=""/>
+              <a:defRPr sz="1200" kern="1200">
+                <a:solidFill>
+                  <a:schemeClr val="tx1">
+                    <a:lumMod val="75000"/>
+                    <a:lumOff val="25000"/>
+                  </a:schemeClr>
+                </a:solidFill>
+                <a:latin typeface="+mn-lt"/>
+                <a:ea typeface="+mn-ea"/>
+                <a:cs typeface="+mn-cs"/>
+              </a:defRPr>
+            </a:lvl8pPr>
+            <a:lvl9pPr marL="3886200" indent="-228600" algn="l" defTabSz="457200" rtl="0" eaLnBrk="1" latinLnBrk="0" hangingPunct="1">
+              <a:spcBef>
+                <a:spcPts val="1000"/>
+              </a:spcBef>
+              <a:spcAft>
+                <a:spcPts val="0"/>
+              </a:spcAft>
+              <a:buClr>
+                <a:schemeClr val="accent1"/>
+              </a:buClr>
+              <a:buSzPct val="80000"/>
+              <a:buFont typeface="Wingdings 3" charset="2"/>
+              <a:buChar char=""/>
+              <a:defRPr sz="1200" kern="1200">
+                <a:solidFill>
+                  <a:schemeClr val="tx1">
+                    <a:lumMod val="75000"/>
+                    <a:lumOff val="25000"/>
+                  </a:schemeClr>
+                </a:solidFill>
+                <a:latin typeface="+mn-lt"/>
+                <a:ea typeface="+mn-ea"/>
+                <a:cs typeface="+mn-cs"/>
+              </a:defRPr>
+            </a:lvl9pPr>
+          </a:lstStyle>
+          <a:p>
+            <a:r>
+              <a:rPr lang="en-AU" sz="2400" dirty="0" smtClean="0"/>
+              <a:t>All correlated errors are reduced to micro-meter precision </a:t>
+            </a:r>
+          </a:p>
+          <a:p>
+            <a:endParaRPr lang="en-AU" sz="2400" dirty="0" smtClean="0"/>
+          </a:p>
+          <a:p>
+            <a:endParaRPr lang="en-AU" sz="2400" dirty="0" smtClean="0"/>
           </a:p>
         </p:txBody>
       </p:sp>
     </p:spTree>
     <p:extLst>
       <p:ext uri="{BB962C8B-B14F-4D97-AF65-F5344CB8AC3E}">
-        <p14:creationId xmlns:p14="http://schemas.microsoft.com/office/powerpoint/2010/main" val="3311314878"/>
+        <p14:creationId xmlns:p14="http://schemas.microsoft.com/office/powerpoint/2010/main" val="2547002423"/>
       </p:ext>
     </p:extLst>
   </p:cSld>
@@ -7890,35 +9783,437 @@
           <a:p>
             <a:r>
               <a:rPr lang="en-AU" dirty="0" smtClean="0"/>
-              <a:t>Solve intersection of planes</a:t>
+              <a:t>Random Error</a:t>
             </a:r>
             <a:endParaRPr lang="en-AU" dirty="0"/>
           </a:p>
         </p:txBody>
       </p:sp>
-      <p:sp>
-        <p:nvSpPr>
-          <p:cNvPr id="3" name="Content Placeholder 2"/>
-          <p:cNvSpPr>
-            <a:spLocks noGrp="1"/>
-          </p:cNvSpPr>
+      <p:pic>
+        <p:nvPicPr>
+          <p:cNvPr id="9" name="Content Placeholder 8"/>
+          <p:cNvPicPr>
+            <a:picLocks noGrp="1" noChangeAspect="1"/>
+          </p:cNvPicPr>
           <p:nvPr>
             <p:ph idx="1"/>
           </p:nvPr>
-        </p:nvSpPr>
-        <p:spPr/>
+        </p:nvPicPr>
+        <p:blipFill>
+          <a:blip r:embed="rId2">
+            <a:extLst>
+              <a:ext uri="{28A0092B-C50C-407E-A947-70E740481C1C}">
+                <a14:useLocalDpi xmlns:a14="http://schemas.microsoft.com/office/drawing/2010/main" val="0"/>
+              </a:ext>
+            </a:extLst>
+          </a:blip>
+          <a:stretch>
+            <a:fillRect/>
+          </a:stretch>
+        </p:blipFill>
+        <p:spPr>
+          <a:xfrm>
+            <a:off x="4963584" y="1533526"/>
+            <a:ext cx="6362698" cy="4772024"/>
+          </a:xfrm>
+        </p:spPr>
+      </p:pic>
+      <p:sp>
+        <p:nvSpPr>
+          <p:cNvPr id="13" name="Content Placeholder 2"/>
+          <p:cNvSpPr txBox="1">
+            <a:spLocks/>
+          </p:cNvSpPr>
+          <p:nvPr/>
+        </p:nvSpPr>
+        <p:spPr>
+          <a:xfrm>
+            <a:off x="677334" y="1303814"/>
+            <a:ext cx="4286250" cy="1253171"/>
+          </a:xfrm>
+          <a:prstGeom prst="rect">
+            <a:avLst/>
+          </a:prstGeom>
+        </p:spPr>
         <p:txBody>
           <a:bodyPr/>
-          <a:lstStyle/>
-          <a:p>
-            <a:endParaRPr lang="en-AU"/>
+          <a:lstStyle>
+            <a:lvl1pPr marL="342900" indent="-342900" algn="l" defTabSz="457200" rtl="0" eaLnBrk="1" latinLnBrk="0" hangingPunct="1">
+              <a:spcBef>
+                <a:spcPts val="1000"/>
+              </a:spcBef>
+              <a:spcAft>
+                <a:spcPts val="0"/>
+              </a:spcAft>
+              <a:buClr>
+                <a:schemeClr val="accent1"/>
+              </a:buClr>
+              <a:buSzPct val="80000"/>
+              <a:buFont typeface="Wingdings 3" charset="2"/>
+              <a:buChar char=""/>
+              <a:defRPr sz="1800" kern="1200">
+                <a:solidFill>
+                  <a:schemeClr val="tx1">
+                    <a:lumMod val="75000"/>
+                    <a:lumOff val="25000"/>
+                  </a:schemeClr>
+                </a:solidFill>
+                <a:latin typeface="+mn-lt"/>
+                <a:ea typeface="+mn-ea"/>
+                <a:cs typeface="+mn-cs"/>
+              </a:defRPr>
+            </a:lvl1pPr>
+            <a:lvl2pPr marL="742950" indent="-285750" algn="l" defTabSz="457200" rtl="0" eaLnBrk="1" latinLnBrk="0" hangingPunct="1">
+              <a:spcBef>
+                <a:spcPts val="1000"/>
+              </a:spcBef>
+              <a:spcAft>
+                <a:spcPts val="0"/>
+              </a:spcAft>
+              <a:buClr>
+                <a:schemeClr val="accent1"/>
+              </a:buClr>
+              <a:buSzPct val="80000"/>
+              <a:buFont typeface="Wingdings 3" charset="2"/>
+              <a:buChar char=""/>
+              <a:defRPr sz="1600" kern="1200">
+                <a:solidFill>
+                  <a:schemeClr val="tx1">
+                    <a:lumMod val="75000"/>
+                    <a:lumOff val="25000"/>
+                  </a:schemeClr>
+                </a:solidFill>
+                <a:latin typeface="+mn-lt"/>
+                <a:ea typeface="+mn-ea"/>
+                <a:cs typeface="+mn-cs"/>
+              </a:defRPr>
+            </a:lvl2pPr>
+            <a:lvl3pPr marL="1143000" indent="-228600" algn="l" defTabSz="457200" rtl="0" eaLnBrk="1" latinLnBrk="0" hangingPunct="1">
+              <a:spcBef>
+                <a:spcPts val="1000"/>
+              </a:spcBef>
+              <a:spcAft>
+                <a:spcPts val="0"/>
+              </a:spcAft>
+              <a:buClr>
+                <a:schemeClr val="accent1"/>
+              </a:buClr>
+              <a:buSzPct val="80000"/>
+              <a:buFont typeface="Wingdings 3" charset="2"/>
+              <a:buChar char=""/>
+              <a:defRPr sz="1400" kern="1200">
+                <a:solidFill>
+                  <a:schemeClr val="tx1">
+                    <a:lumMod val="75000"/>
+                    <a:lumOff val="25000"/>
+                  </a:schemeClr>
+                </a:solidFill>
+                <a:latin typeface="+mn-lt"/>
+                <a:ea typeface="+mn-ea"/>
+                <a:cs typeface="+mn-cs"/>
+              </a:defRPr>
+            </a:lvl3pPr>
+            <a:lvl4pPr marL="1600200" indent="-228600" algn="l" defTabSz="457200" rtl="0" eaLnBrk="1" latinLnBrk="0" hangingPunct="1">
+              <a:spcBef>
+                <a:spcPts val="1000"/>
+              </a:spcBef>
+              <a:spcAft>
+                <a:spcPts val="0"/>
+              </a:spcAft>
+              <a:buClr>
+                <a:schemeClr val="accent1"/>
+              </a:buClr>
+              <a:buSzPct val="80000"/>
+              <a:buFont typeface="Wingdings 3" charset="2"/>
+              <a:buChar char=""/>
+              <a:defRPr sz="1200" kern="1200">
+                <a:solidFill>
+                  <a:schemeClr val="tx1">
+                    <a:lumMod val="75000"/>
+                    <a:lumOff val="25000"/>
+                  </a:schemeClr>
+                </a:solidFill>
+                <a:latin typeface="+mn-lt"/>
+                <a:ea typeface="+mn-ea"/>
+                <a:cs typeface="+mn-cs"/>
+              </a:defRPr>
+            </a:lvl4pPr>
+            <a:lvl5pPr marL="2057400" indent="-228600" algn="l" defTabSz="457200" rtl="0" eaLnBrk="1" latinLnBrk="0" hangingPunct="1">
+              <a:spcBef>
+                <a:spcPts val="1000"/>
+              </a:spcBef>
+              <a:spcAft>
+                <a:spcPts val="0"/>
+              </a:spcAft>
+              <a:buClr>
+                <a:schemeClr val="accent1"/>
+              </a:buClr>
+              <a:buSzPct val="80000"/>
+              <a:buFont typeface="Wingdings 3" charset="2"/>
+              <a:buChar char=""/>
+              <a:defRPr sz="1200" kern="1200">
+                <a:solidFill>
+                  <a:schemeClr val="tx1">
+                    <a:lumMod val="75000"/>
+                    <a:lumOff val="25000"/>
+                  </a:schemeClr>
+                </a:solidFill>
+                <a:latin typeface="+mn-lt"/>
+                <a:ea typeface="+mn-ea"/>
+                <a:cs typeface="+mn-cs"/>
+              </a:defRPr>
+            </a:lvl5pPr>
+            <a:lvl6pPr marL="2514600" indent="-228600" algn="l" defTabSz="457200" rtl="0" eaLnBrk="1" latinLnBrk="0" hangingPunct="1">
+              <a:spcBef>
+                <a:spcPts val="1000"/>
+              </a:spcBef>
+              <a:spcAft>
+                <a:spcPts val="0"/>
+              </a:spcAft>
+              <a:buClr>
+                <a:schemeClr val="accent1"/>
+              </a:buClr>
+              <a:buSzPct val="80000"/>
+              <a:buFont typeface="Wingdings 3" charset="2"/>
+              <a:buChar char=""/>
+              <a:defRPr sz="1200" kern="1200">
+                <a:solidFill>
+                  <a:schemeClr val="tx1">
+                    <a:lumMod val="75000"/>
+                    <a:lumOff val="25000"/>
+                  </a:schemeClr>
+                </a:solidFill>
+                <a:latin typeface="+mn-lt"/>
+                <a:ea typeface="+mn-ea"/>
+                <a:cs typeface="+mn-cs"/>
+              </a:defRPr>
+            </a:lvl6pPr>
+            <a:lvl7pPr marL="2971800" indent="-228600" algn="l" defTabSz="457200" rtl="0" eaLnBrk="1" latinLnBrk="0" hangingPunct="1">
+              <a:spcBef>
+                <a:spcPts val="1000"/>
+              </a:spcBef>
+              <a:spcAft>
+                <a:spcPts val="0"/>
+              </a:spcAft>
+              <a:buClr>
+                <a:schemeClr val="accent1"/>
+              </a:buClr>
+              <a:buSzPct val="80000"/>
+              <a:buFont typeface="Wingdings 3" charset="2"/>
+              <a:buChar char=""/>
+              <a:defRPr sz="1200" kern="1200">
+                <a:solidFill>
+                  <a:schemeClr val="tx1">
+                    <a:lumMod val="75000"/>
+                    <a:lumOff val="25000"/>
+                  </a:schemeClr>
+                </a:solidFill>
+                <a:latin typeface="+mn-lt"/>
+                <a:ea typeface="+mn-ea"/>
+                <a:cs typeface="+mn-cs"/>
+              </a:defRPr>
+            </a:lvl7pPr>
+            <a:lvl8pPr marL="3429000" indent="-228600" algn="l" defTabSz="457200" rtl="0" eaLnBrk="1" latinLnBrk="0" hangingPunct="1">
+              <a:spcBef>
+                <a:spcPts val="1000"/>
+              </a:spcBef>
+              <a:spcAft>
+                <a:spcPts val="0"/>
+              </a:spcAft>
+              <a:buClr>
+                <a:schemeClr val="accent1"/>
+              </a:buClr>
+              <a:buSzPct val="80000"/>
+              <a:buFont typeface="Wingdings 3" charset="2"/>
+              <a:buChar char=""/>
+              <a:defRPr sz="1200" kern="1200">
+                <a:solidFill>
+                  <a:schemeClr val="tx1">
+                    <a:lumMod val="75000"/>
+                    <a:lumOff val="25000"/>
+                  </a:schemeClr>
+                </a:solidFill>
+                <a:latin typeface="+mn-lt"/>
+                <a:ea typeface="+mn-ea"/>
+                <a:cs typeface="+mn-cs"/>
+              </a:defRPr>
+            </a:lvl8pPr>
+            <a:lvl9pPr marL="3886200" indent="-228600" algn="l" defTabSz="457200" rtl="0" eaLnBrk="1" latinLnBrk="0" hangingPunct="1">
+              <a:spcBef>
+                <a:spcPts val="1000"/>
+              </a:spcBef>
+              <a:spcAft>
+                <a:spcPts val="0"/>
+              </a:spcAft>
+              <a:buClr>
+                <a:schemeClr val="accent1"/>
+              </a:buClr>
+              <a:buSzPct val="80000"/>
+              <a:buFont typeface="Wingdings 3" charset="2"/>
+              <a:buChar char=""/>
+              <a:defRPr sz="1200" kern="1200">
+                <a:solidFill>
+                  <a:schemeClr val="tx1">
+                    <a:lumMod val="75000"/>
+                    <a:lumOff val="25000"/>
+                  </a:schemeClr>
+                </a:solidFill>
+                <a:latin typeface="+mn-lt"/>
+                <a:ea typeface="+mn-ea"/>
+                <a:cs typeface="+mn-cs"/>
+              </a:defRPr>
+            </a:lvl9pPr>
+          </a:lstStyle>
+          <a:p>
+            <a:r>
+              <a:rPr lang="en-AU" sz="2400" dirty="0" smtClean="0"/>
+              <a:t>Random errors are the most prevalent in the system</a:t>
+            </a:r>
+          </a:p>
+          <a:p>
+            <a:r>
+              <a:rPr lang="en-AU" sz="2400" dirty="0" smtClean="0"/>
+              <a:t>Typically about 10ns</a:t>
+            </a:r>
+          </a:p>
+          <a:p>
+            <a:r>
+              <a:rPr lang="en-AU" sz="2400" dirty="0" smtClean="0"/>
+              <a:t>Can be caused by electrical interference, relativistic clock correction, </a:t>
+            </a:r>
+            <a:r>
+              <a:rPr lang="en-AU" sz="2400" dirty="0" err="1" smtClean="0"/>
+              <a:t>etc</a:t>
+            </a:r>
+            <a:endParaRPr lang="en-AU" sz="2400" dirty="0" smtClean="0"/>
+          </a:p>
+          <a:p>
+            <a:endParaRPr lang="en-AU" sz="2400" dirty="0" smtClean="0"/>
+          </a:p>
+          <a:p>
+            <a:endParaRPr lang="en-AU" sz="2400" dirty="0" smtClean="0"/>
           </a:p>
         </p:txBody>
       </p:sp>
     </p:spTree>
     <p:extLst>
       <p:ext uri="{BB962C8B-B14F-4D97-AF65-F5344CB8AC3E}">
-        <p14:creationId xmlns:p14="http://schemas.microsoft.com/office/powerpoint/2010/main" val="3702934606"/>
+        <p14:creationId xmlns:p14="http://schemas.microsoft.com/office/powerpoint/2010/main" val="2603724168"/>
+      </p:ext>
+    </p:extLst>
+  </p:cSld>
+  <p:clrMapOvr>
+    <a:masterClrMapping/>
+  </p:clrMapOvr>
+  <p:timing>
+    <p:tnLst>
+      <p:par>
+        <p:cTn id="1" dur="indefinite" restart="never" nodeType="tmRoot"/>
+      </p:par>
+    </p:tnLst>
+  </p:timing>
+</p:sld>
+</file>
+
+<file path=ppt/slides/slide16.xml><?xml version="1.0" encoding="utf-8"?>
+<p:sld xmlns:a="http://schemas.openxmlformats.org/drawingml/2006/main" xmlns:r="http://schemas.openxmlformats.org/officeDocument/2006/relationships" xmlns:p="http://schemas.openxmlformats.org/presentationml/2006/main">
+  <p:cSld>
+    <p:spTree>
+      <p:nvGrpSpPr>
+        <p:cNvPr id="1" name=""/>
+        <p:cNvGrpSpPr/>
+        <p:nvPr/>
+      </p:nvGrpSpPr>
+      <p:grpSpPr>
+        <a:xfrm>
+          <a:off x="0" y="0"/>
+          <a:ext cx="0" cy="0"/>
+          <a:chOff x="0" y="0"/>
+          <a:chExt cx="0" cy="0"/>
+        </a:xfrm>
+      </p:grpSpPr>
+      <p:sp>
+        <p:nvSpPr>
+          <p:cNvPr id="2" name="Title 1"/>
+          <p:cNvSpPr>
+            <a:spLocks noGrp="1"/>
+          </p:cNvSpPr>
+          <p:nvPr>
+            <p:ph type="title"/>
+          </p:nvPr>
+        </p:nvSpPr>
+        <p:spPr/>
+        <p:txBody>
+          <a:bodyPr/>
+          <a:lstStyle/>
+          <a:p>
+            <a:r>
+              <a:rPr lang="en-AU" dirty="0" smtClean="0"/>
+              <a:t>Conclusion</a:t>
+            </a:r>
+            <a:endParaRPr lang="en-AU" dirty="0"/>
+          </a:p>
+        </p:txBody>
+      </p:sp>
+      <p:sp>
+        <p:nvSpPr>
+          <p:cNvPr id="3" name="Content Placeholder 2"/>
+          <p:cNvSpPr>
+            <a:spLocks noGrp="1"/>
+          </p:cNvSpPr>
+          <p:nvPr>
+            <p:ph idx="1"/>
+          </p:nvPr>
+        </p:nvSpPr>
+        <p:spPr>
+          <a:xfrm>
+            <a:off x="677334" y="2160589"/>
+            <a:ext cx="9495366" cy="3880773"/>
+          </a:xfrm>
+        </p:spPr>
+        <p:txBody>
+          <a:bodyPr>
+            <a:normAutofit/>
+          </a:bodyPr>
+          <a:lstStyle/>
+          <a:p>
+            <a:r>
+              <a:rPr lang="en-AU" sz="2800" dirty="0" smtClean="0"/>
+              <a:t>All data was gathered using a simulation in </a:t>
+            </a:r>
+            <a:r>
+              <a:rPr lang="en-AU" sz="2800" dirty="0" err="1" smtClean="0"/>
+              <a:t>Matlab</a:t>
+            </a:r>
+            <a:endParaRPr lang="en-AU" sz="2800" dirty="0" smtClean="0"/>
+          </a:p>
+          <a:p>
+            <a:r>
+              <a:rPr lang="en-AU" sz="2800" dirty="0" smtClean="0"/>
+              <a:t>The simulation suggests that the planar solution with the associated assumptions generated a relative localisation with </a:t>
+            </a:r>
+            <a:r>
+              <a:rPr lang="en-AU" sz="2800" dirty="0" err="1" smtClean="0"/>
+              <a:t>submeter</a:t>
+            </a:r>
+            <a:r>
+              <a:rPr lang="en-AU" sz="2800" dirty="0" smtClean="0"/>
+              <a:t> accuracy</a:t>
+            </a:r>
+          </a:p>
+          <a:p>
+            <a:r>
+              <a:rPr lang="en-AU" sz="2800" dirty="0" smtClean="0"/>
+              <a:t>Future work would be to test the planar solution on hardware</a:t>
+            </a:r>
+            <a:endParaRPr lang="en-AU" sz="2800" dirty="0"/>
+          </a:p>
+        </p:txBody>
+      </p:sp>
+    </p:spTree>
+    <p:extLst>
+      <p:ext uri="{BB962C8B-B14F-4D97-AF65-F5344CB8AC3E}">
+        <p14:creationId xmlns:p14="http://schemas.microsoft.com/office/powerpoint/2010/main" val="1643111202"/>
       </p:ext>
     </p:extLst>
   </p:cSld>
@@ -7988,7 +10283,7 @@
         <p:spPr>
           <a:xfrm>
             <a:off x="677334" y="1930400"/>
-            <a:ext cx="11138148" cy="3880773"/>
+            <a:ext cx="10463908" cy="4350084"/>
           </a:xfrm>
         </p:spPr>
         <p:txBody>
@@ -7996,39 +10291,120 @@
           <a:lstStyle/>
           <a:p>
             <a:r>
+              <a:rPr lang="en-AU" sz="2800" i="1" dirty="0" smtClean="0"/>
+              <a:t>Instantaneous</a:t>
+            </a:r>
+            <a:r>
               <a:rPr lang="en-AU" sz="2800" dirty="0" smtClean="0"/>
-              <a:t>Instantaneous – Uses one </a:t>
+              <a:t> </a:t>
+            </a:r>
+            <a:r>
+              <a:rPr lang="en-AU" sz="2800" dirty="0" smtClean="0"/>
+              <a:t>		- one </a:t>
             </a:r>
             <a:r>
               <a:rPr lang="en-AU" sz="2800" dirty="0" err="1" smtClean="0"/>
               <a:t>timestep</a:t>
             </a:r>
-            <a:endParaRPr lang="en-AU" sz="2800" dirty="0" smtClean="0"/>
-          </a:p>
-          <a:p>
             <a:r>
               <a:rPr lang="en-AU" sz="2800" dirty="0" smtClean="0"/>
-              <a:t>Relative position – 3D position vector between nodes in a chosen local frame</a:t>
-            </a:r>
-          </a:p>
-          <a:p>
+              <a:t> from each receiver</a:t>
+            </a:r>
+          </a:p>
+          <a:p>
+            <a:pPr marL="0" indent="0">
+              <a:buNone/>
+            </a:pPr>
+            <a:endParaRPr lang="en-AU" sz="1600" dirty="0" smtClean="0"/>
+          </a:p>
+          <a:p>
+            <a:r>
+              <a:rPr lang="en-AU" sz="2800" i="1" dirty="0" smtClean="0"/>
+              <a:t>Relative position </a:t>
+            </a:r>
+            <a:r>
+              <a:rPr lang="en-AU" sz="2800" i="1" dirty="0" smtClean="0"/>
+              <a:t>	</a:t>
+            </a:r>
             <a:r>
               <a:rPr lang="en-AU" sz="2800" dirty="0" smtClean="0"/>
-              <a:t>Multiple - </a:t>
+              <a:t>-</a:t>
+            </a:r>
+            <a:r>
+              <a:rPr lang="en-AU" sz="2800" dirty="0" smtClean="0"/>
+              <a:t> </a:t>
+            </a:r>
+            <a:r>
+              <a:rPr lang="en-AU" sz="2800" dirty="0" smtClean="0"/>
+              <a:t>3D position vector from a </a:t>
+            </a:r>
+            <a:r>
+              <a:rPr lang="en-AU" sz="2800" dirty="0" smtClean="0"/>
+              <a:t>reference 									  receiver in </a:t>
+            </a:r>
+            <a:r>
+              <a:rPr lang="en-AU" sz="2800" dirty="0" smtClean="0"/>
+              <a:t>its</a:t>
+            </a:r>
+            <a:r>
+              <a:rPr lang="en-AU" sz="2800" dirty="0" smtClean="0"/>
+              <a:t> </a:t>
+            </a:r>
+            <a:r>
+              <a:rPr lang="en-AU" sz="2800" dirty="0" smtClean="0"/>
+              <a:t>local </a:t>
+            </a:r>
+            <a:r>
+              <a:rPr lang="en-AU" sz="2800" dirty="0" smtClean="0"/>
+              <a:t>frame</a:t>
+            </a:r>
+          </a:p>
+          <a:p>
+            <a:pPr marL="0" indent="0">
+              <a:buNone/>
+            </a:pPr>
+            <a:endParaRPr lang="en-AU" sz="1600" dirty="0" smtClean="0"/>
+          </a:p>
+          <a:p>
+            <a:r>
+              <a:rPr lang="en-AU" sz="2800" i="1" dirty="0" smtClean="0"/>
+              <a:t>Multiple</a:t>
+            </a:r>
+            <a:r>
+              <a:rPr lang="en-AU" sz="2800" dirty="0" smtClean="0"/>
+              <a:t> </a:t>
+            </a:r>
+            <a:r>
+              <a:rPr lang="en-AU" sz="2800" dirty="0" smtClean="0"/>
+              <a:t> 			- two or more receivers in </a:t>
             </a:r>
             <a:r>
               <a:rPr lang="en-AU" sz="2800" dirty="0"/>
-              <a:t>many nodes in the </a:t>
+              <a:t>the </a:t>
             </a:r>
             <a:r>
               <a:rPr lang="en-AU" sz="2800" dirty="0" smtClean="0"/>
-              <a:t>network</a:t>
-            </a:r>
-          </a:p>
-          <a:p>
+              <a:t>system</a:t>
+            </a:r>
+          </a:p>
+          <a:p>
+            <a:pPr marL="0" indent="0">
+              <a:buNone/>
+            </a:pPr>
+            <a:endParaRPr lang="en-AU" sz="1600" dirty="0" smtClean="0"/>
+          </a:p>
+          <a:p>
+            <a:r>
+              <a:rPr lang="en-AU" sz="2800" i="1" dirty="0" smtClean="0"/>
+              <a:t>GPS Receivers </a:t>
+            </a:r>
             <a:r>
               <a:rPr lang="en-AU" sz="2800" dirty="0" smtClean="0"/>
-              <a:t>GPS Receivers – using only GPS signals</a:t>
+              <a:t> 	- only </a:t>
+            </a:r>
+            <a:r>
+              <a:rPr lang="en-AU" sz="2800" dirty="0" smtClean="0"/>
+              <a:t>GPS signals</a:t>
             </a:r>
             <a:endParaRPr lang="en-AU" dirty="0" smtClean="0"/>
           </a:p>
@@ -8081,11 +10457,20 @@
             <p:ph type="title"/>
           </p:nvPr>
         </p:nvSpPr>
-        <p:spPr/>
+        <p:spPr>
+          <a:xfrm>
+            <a:off x="677334" y="609600"/>
+            <a:ext cx="8596668" cy="1032164"/>
+          </a:xfrm>
+        </p:spPr>
         <p:txBody>
           <a:bodyPr/>
           <a:lstStyle/>
           <a:p>
+            <a:r>
+              <a:rPr lang="en-AU" dirty="0" smtClean="0"/>
+              <a:t>Motivation</a:t>
+            </a:r>
             <a:endParaRPr lang="en-AU" dirty="0"/>
           </a:p>
         </p:txBody>
@@ -8100,45 +10485,92 @@
             <p:ph idx="1"/>
           </p:nvPr>
         </p:nvSpPr>
-        <p:spPr/>
-        <p:txBody>
-          <a:bodyPr/>
+        <p:spPr>
+          <a:xfrm>
+            <a:off x="677334" y="1641764"/>
+            <a:ext cx="9621698" cy="3880773"/>
+          </a:xfrm>
+        </p:spPr>
+        <p:txBody>
+          <a:bodyPr>
+            <a:noAutofit/>
+          </a:bodyPr>
           <a:lstStyle/>
           <a:p>
             <a:r>
-              <a:rPr lang="en-AU" dirty="0"/>
-              <a:t>made a new algorithm for solving for relative position between receivers using </a:t>
-            </a:r>
-            <a:r>
-              <a:rPr lang="en-AU" dirty="0" err="1"/>
-              <a:t>gps</a:t>
-            </a:r>
-            <a:r>
-              <a:rPr lang="en-AU" dirty="0"/>
-              <a:t> signals</a:t>
-            </a:r>
-          </a:p>
-          <a:p>
-            <a:r>
-              <a:rPr lang="en-AU" dirty="0"/>
-              <a:t>Minimise relative error between ALL nodes, not just from the reference node</a:t>
-            </a:r>
-          </a:p>
-          <a:p>
-            <a:r>
-              <a:rPr lang="en-AU" dirty="0"/>
-              <a:t>Reference node is just to identify a frame</a:t>
-            </a:r>
-          </a:p>
-          <a:p>
-            <a:endParaRPr lang="en-AU" dirty="0"/>
+              <a:rPr lang="en-AU" sz="2800" dirty="0" smtClean="0"/>
+              <a:t>Localisation is a fundamental part of any mobile system </a:t>
+            </a:r>
+          </a:p>
+          <a:p>
+            <a:r>
+              <a:rPr lang="en-AU" sz="2800" dirty="0" smtClean="0"/>
+              <a:t>For outdoor systems, GPS is the common solution </a:t>
+            </a:r>
+          </a:p>
+          <a:p>
+            <a:r>
+              <a:rPr lang="en-AU" sz="2800" dirty="0" smtClean="0"/>
+              <a:t>GPS finds the absolute position in the ECEF frame</a:t>
+            </a:r>
+          </a:p>
+          <a:p>
+            <a:r>
+              <a:rPr lang="en-AU" sz="2800" dirty="0" smtClean="0"/>
+              <a:t>Civilian use of normal GPS is typically accurate to 5m [1] </a:t>
+            </a:r>
+          </a:p>
+          <a:p>
+            <a:r>
+              <a:rPr lang="en-AU" sz="2800" dirty="0" smtClean="0"/>
+              <a:t>Relative position is more accurate as it removes some systemic errors</a:t>
+            </a:r>
+          </a:p>
+          <a:p>
+            <a:r>
+              <a:rPr lang="en-AU" sz="2800" dirty="0" smtClean="0"/>
+              <a:t>For systems in the same geographical region, relative positioning is sufficient</a:t>
+            </a:r>
+          </a:p>
+        </p:txBody>
+      </p:sp>
+      <p:sp>
+        <p:nvSpPr>
+          <p:cNvPr id="4" name="TextBox 3"/>
+          <p:cNvSpPr txBox="1"/>
+          <p:nvPr/>
+        </p:nvSpPr>
+        <p:spPr>
+          <a:xfrm>
+            <a:off x="519545" y="6192982"/>
+            <a:ext cx="9538855" cy="276999"/>
+          </a:xfrm>
+          <a:prstGeom prst="rect">
+            <a:avLst/>
+          </a:prstGeom>
+          <a:noFill/>
+        </p:spPr>
+        <p:txBody>
+          <a:bodyPr wrap="square" rtlCol="0">
+            <a:spAutoFit/>
+          </a:bodyPr>
+          <a:lstStyle/>
+          <a:p>
+            <a:r>
+              <a:rPr lang="en-AU" sz="1200" dirty="0" smtClean="0"/>
+              <a:t>[1] http</a:t>
+            </a:r>
+            <a:r>
+              <a:rPr lang="en-AU" sz="1200" dirty="0"/>
+              <a:t>://www.gps.gov/systems/gps/performance/accuracy/</a:t>
+            </a:r>
           </a:p>
         </p:txBody>
       </p:sp>
     </p:spTree>
     <p:extLst>
       <p:ext uri="{BB962C8B-B14F-4D97-AF65-F5344CB8AC3E}">
-        <p14:creationId xmlns:p14="http://schemas.microsoft.com/office/powerpoint/2010/main" val="4064847271"/>
+        <p14:creationId xmlns:p14="http://schemas.microsoft.com/office/powerpoint/2010/main" val="256217893"/>
       </p:ext>
     </p:extLst>
   </p:cSld>
@@ -8156,156 +10588,6 @@
 </file>
 
 <file path=ppt/slides/slide4.xml><?xml version="1.0" encoding="utf-8"?>
-<p:sld xmlns:a="http://schemas.openxmlformats.org/drawingml/2006/main" xmlns:r="http://schemas.openxmlformats.org/officeDocument/2006/relationships" xmlns:p="http://schemas.openxmlformats.org/presentationml/2006/main">
-  <p:cSld>
-    <p:spTree>
-      <p:nvGrpSpPr>
-        <p:cNvPr id="1" name=""/>
-        <p:cNvGrpSpPr/>
-        <p:nvPr/>
-      </p:nvGrpSpPr>
-      <p:grpSpPr>
-        <a:xfrm>
-          <a:off x="0" y="0"/>
-          <a:ext cx="0" cy="0"/>
-          <a:chOff x="0" y="0"/>
-          <a:chExt cx="0" cy="0"/>
-        </a:xfrm>
-      </p:grpSpPr>
-      <p:sp>
-        <p:nvSpPr>
-          <p:cNvPr id="2" name="Title 1"/>
-          <p:cNvSpPr>
-            <a:spLocks noGrp="1"/>
-          </p:cNvSpPr>
-          <p:nvPr>
-            <p:ph type="title"/>
-          </p:nvPr>
-        </p:nvSpPr>
-        <p:spPr/>
-        <p:txBody>
-          <a:bodyPr/>
-          <a:lstStyle/>
-          <a:p>
-            <a:endParaRPr lang="en-AU"/>
-          </a:p>
-        </p:txBody>
-      </p:sp>
-      <p:sp>
-        <p:nvSpPr>
-          <p:cNvPr id="3" name="Content Placeholder 2"/>
-          <p:cNvSpPr>
-            <a:spLocks noGrp="1"/>
-          </p:cNvSpPr>
-          <p:nvPr>
-            <p:ph idx="1"/>
-          </p:nvPr>
-        </p:nvSpPr>
-        <p:spPr/>
-        <p:txBody>
-          <a:bodyPr/>
-          <a:lstStyle/>
-          <a:p>
-            <a:endParaRPr lang="en-AU"/>
-          </a:p>
-        </p:txBody>
-      </p:sp>
-    </p:spTree>
-    <p:extLst>
-      <p:ext uri="{BB962C8B-B14F-4D97-AF65-F5344CB8AC3E}">
-        <p14:creationId xmlns:p14="http://schemas.microsoft.com/office/powerpoint/2010/main" val="1370601845"/>
-      </p:ext>
-    </p:extLst>
-  </p:cSld>
-  <p:clrMapOvr>
-    <a:masterClrMapping/>
-  </p:clrMapOvr>
-  <p:timing>
-    <p:tnLst>
-      <p:par>
-        <p:cTn id="1" dur="indefinite" restart="never" nodeType="tmRoot"/>
-      </p:par>
-    </p:tnLst>
-  </p:timing>
-</p:sld>
-</file>
-
-<file path=ppt/slides/slide5.xml><?xml version="1.0" encoding="utf-8"?>
-<p:sld xmlns:a="http://schemas.openxmlformats.org/drawingml/2006/main" xmlns:r="http://schemas.openxmlformats.org/officeDocument/2006/relationships" xmlns:p="http://schemas.openxmlformats.org/presentationml/2006/main">
-  <p:cSld>
-    <p:spTree>
-      <p:nvGrpSpPr>
-        <p:cNvPr id="1" name=""/>
-        <p:cNvGrpSpPr/>
-        <p:nvPr/>
-      </p:nvGrpSpPr>
-      <p:grpSpPr>
-        <a:xfrm>
-          <a:off x="0" y="0"/>
-          <a:ext cx="0" cy="0"/>
-          <a:chOff x="0" y="0"/>
-          <a:chExt cx="0" cy="0"/>
-        </a:xfrm>
-      </p:grpSpPr>
-      <p:sp>
-        <p:nvSpPr>
-          <p:cNvPr id="2" name="Title 1"/>
-          <p:cNvSpPr>
-            <a:spLocks noGrp="1"/>
-          </p:cNvSpPr>
-          <p:nvPr>
-            <p:ph type="title"/>
-          </p:nvPr>
-        </p:nvSpPr>
-        <p:spPr/>
-        <p:txBody>
-          <a:bodyPr/>
-          <a:lstStyle/>
-          <a:p>
-            <a:endParaRPr lang="en-AU"/>
-          </a:p>
-        </p:txBody>
-      </p:sp>
-      <p:sp>
-        <p:nvSpPr>
-          <p:cNvPr id="3" name="Content Placeholder 2"/>
-          <p:cNvSpPr>
-            <a:spLocks noGrp="1"/>
-          </p:cNvSpPr>
-          <p:nvPr>
-            <p:ph idx="1"/>
-          </p:nvPr>
-        </p:nvSpPr>
-        <p:spPr/>
-        <p:txBody>
-          <a:bodyPr/>
-          <a:lstStyle/>
-          <a:p>
-            <a:endParaRPr lang="en-AU" dirty="0"/>
-          </a:p>
-        </p:txBody>
-      </p:sp>
-    </p:spTree>
-    <p:extLst>
-      <p:ext uri="{BB962C8B-B14F-4D97-AF65-F5344CB8AC3E}">
-        <p14:creationId xmlns:p14="http://schemas.microsoft.com/office/powerpoint/2010/main" val="1056797454"/>
-      </p:ext>
-    </p:extLst>
-  </p:cSld>
-  <p:clrMapOvr>
-    <a:masterClrMapping/>
-  </p:clrMapOvr>
-  <p:timing>
-    <p:tnLst>
-      <p:par>
-        <p:cTn id="1" dur="indefinite" restart="never" nodeType="tmRoot"/>
-      </p:par>
-    </p:tnLst>
-  </p:timing>
-</p:sld>
-</file>
-
-<file path=ppt/slides/slide6.xml><?xml version="1.0" encoding="utf-8"?>
 <p:sld xmlns:a="http://schemas.openxmlformats.org/drawingml/2006/main" xmlns:r="http://schemas.openxmlformats.org/officeDocument/2006/relationships" xmlns:p="http://schemas.openxmlformats.org/presentationml/2006/main" showMasterSp="0">
   <p:cSld>
     <p:spTree>
@@ -8324,14 +10606,37 @@
       </p:grpSpPr>
       <p:sp>
         <p:nvSpPr>
-          <p:cNvPr id="4" name="Oval 3"/>
+          <p:cNvPr id="2" name="Title 1"/>
+          <p:cNvSpPr>
+            <a:spLocks noGrp="1"/>
+          </p:cNvSpPr>
+          <p:nvPr>
+            <p:ph type="title"/>
+          </p:nvPr>
+        </p:nvSpPr>
+        <p:spPr/>
+        <p:txBody>
+          <a:bodyPr/>
+          <a:lstStyle/>
+          <a:p>
+            <a:r>
+              <a:rPr lang="en-AU" dirty="0" smtClean="0"/>
+              <a:t>Basis of GPS</a:t>
+            </a:r>
+            <a:endParaRPr lang="en-AU" dirty="0"/>
+          </a:p>
+        </p:txBody>
+      </p:sp>
+      <p:sp>
+        <p:nvSpPr>
+          <p:cNvPr id="7" name="Oval 6"/>
           <p:cNvSpPr/>
           <p:nvPr/>
         </p:nvSpPr>
         <p:spPr>
           <a:xfrm>
-            <a:off x="1744395" y="3151163"/>
-            <a:ext cx="323557" cy="323557"/>
+            <a:off x="7277543" y="2966465"/>
+            <a:ext cx="294987" cy="294987"/>
           </a:xfrm>
           <a:prstGeom prst="ellipse">
             <a:avLst/>
@@ -8364,13 +10669,680 @@
       </p:sp>
       <p:sp>
         <p:nvSpPr>
+          <p:cNvPr id="8" name="Oval 7"/>
+          <p:cNvSpPr/>
+          <p:nvPr/>
+        </p:nvSpPr>
+        <p:spPr>
+          <a:xfrm>
+            <a:off x="5807518" y="1496440"/>
+            <a:ext cx="3235036" cy="3235036"/>
+          </a:xfrm>
+          <a:prstGeom prst="ellipse">
+            <a:avLst/>
+          </a:prstGeom>
+          <a:noFill/>
+          <a:ln>
+            <a:solidFill>
+              <a:schemeClr val="tx1"/>
+            </a:solidFill>
+          </a:ln>
+        </p:spPr>
+        <p:style>
+          <a:lnRef idx="2">
+            <a:schemeClr val="accent1">
+              <a:shade val="50000"/>
+            </a:schemeClr>
+          </a:lnRef>
+          <a:fillRef idx="1">
+            <a:schemeClr val="accent1"/>
+          </a:fillRef>
+          <a:effectRef idx="0">
+            <a:schemeClr val="accent1"/>
+          </a:effectRef>
+          <a:fontRef idx="minor">
+            <a:schemeClr val="lt1"/>
+          </a:fontRef>
+        </p:style>
+        <p:txBody>
+          <a:bodyPr rtlCol="0" anchor="ctr"/>
+          <a:lstStyle/>
+          <a:p>
+            <a:pPr algn="ctr"/>
+            <a:endParaRPr lang="en-AU"/>
+          </a:p>
+        </p:txBody>
+      </p:sp>
+      <p:sp>
+        <p:nvSpPr>
+          <p:cNvPr id="11" name="Oval 10"/>
+          <p:cNvSpPr/>
+          <p:nvPr/>
+        </p:nvSpPr>
+        <p:spPr>
+          <a:xfrm>
+            <a:off x="9957820" y="2412714"/>
+            <a:ext cx="294987" cy="294987"/>
+          </a:xfrm>
+          <a:prstGeom prst="ellipse">
+            <a:avLst/>
+          </a:prstGeom>
+        </p:spPr>
+        <p:style>
+          <a:lnRef idx="2">
+            <a:schemeClr val="accent1">
+              <a:shade val="50000"/>
+            </a:schemeClr>
+          </a:lnRef>
+          <a:fillRef idx="1">
+            <a:schemeClr val="accent1"/>
+          </a:fillRef>
+          <a:effectRef idx="0">
+            <a:schemeClr val="accent1"/>
+          </a:effectRef>
+          <a:fontRef idx="minor">
+            <a:schemeClr val="lt1"/>
+          </a:fontRef>
+        </p:style>
+        <p:txBody>
+          <a:bodyPr rtlCol="0" anchor="ctr"/>
+          <a:lstStyle/>
+          <a:p>
+            <a:pPr algn="ctr"/>
+            <a:endParaRPr lang="en-AU"/>
+          </a:p>
+        </p:txBody>
+      </p:sp>
+      <p:sp>
+        <p:nvSpPr>
+          <p:cNvPr id="12" name="Oval 11"/>
+          <p:cNvSpPr/>
+          <p:nvPr/>
+        </p:nvSpPr>
+        <p:spPr>
+          <a:xfrm>
+            <a:off x="8487795" y="942689"/>
+            <a:ext cx="3235036" cy="3235036"/>
+          </a:xfrm>
+          <a:prstGeom prst="ellipse">
+            <a:avLst/>
+          </a:prstGeom>
+          <a:noFill/>
+          <a:ln>
+            <a:solidFill>
+              <a:schemeClr val="tx1"/>
+            </a:solidFill>
+          </a:ln>
+        </p:spPr>
+        <p:style>
+          <a:lnRef idx="2">
+            <a:schemeClr val="accent1">
+              <a:shade val="50000"/>
+            </a:schemeClr>
+          </a:lnRef>
+          <a:fillRef idx="1">
+            <a:schemeClr val="accent1"/>
+          </a:fillRef>
+          <a:effectRef idx="0">
+            <a:schemeClr val="accent1"/>
+          </a:effectRef>
+          <a:fontRef idx="minor">
+            <a:schemeClr val="lt1"/>
+          </a:fontRef>
+        </p:style>
+        <p:txBody>
+          <a:bodyPr rtlCol="0" anchor="ctr"/>
+          <a:lstStyle/>
+          <a:p>
+            <a:pPr algn="ctr"/>
+            <a:endParaRPr lang="en-AU"/>
+          </a:p>
+        </p:txBody>
+      </p:sp>
+      <p:sp>
+        <p:nvSpPr>
+          <p:cNvPr id="14" name="Oval 13"/>
+          <p:cNvSpPr/>
+          <p:nvPr/>
+        </p:nvSpPr>
+        <p:spPr>
+          <a:xfrm>
+            <a:off x="9042555" y="5092989"/>
+            <a:ext cx="294987" cy="294987"/>
+          </a:xfrm>
+          <a:prstGeom prst="ellipse">
+            <a:avLst/>
+          </a:prstGeom>
+        </p:spPr>
+        <p:style>
+          <a:lnRef idx="2">
+            <a:schemeClr val="accent1">
+              <a:shade val="50000"/>
+            </a:schemeClr>
+          </a:lnRef>
+          <a:fillRef idx="1">
+            <a:schemeClr val="accent1"/>
+          </a:fillRef>
+          <a:effectRef idx="0">
+            <a:schemeClr val="accent1"/>
+          </a:effectRef>
+          <a:fontRef idx="minor">
+            <a:schemeClr val="lt1"/>
+          </a:fontRef>
+        </p:style>
+        <p:txBody>
+          <a:bodyPr rtlCol="0" anchor="ctr"/>
+          <a:lstStyle/>
+          <a:p>
+            <a:pPr algn="ctr"/>
+            <a:endParaRPr lang="en-AU"/>
+          </a:p>
+        </p:txBody>
+      </p:sp>
+      <p:sp>
+        <p:nvSpPr>
+          <p:cNvPr id="15" name="Oval 14"/>
+          <p:cNvSpPr/>
+          <p:nvPr/>
+        </p:nvSpPr>
+        <p:spPr>
+          <a:xfrm>
+            <a:off x="7572530" y="3622964"/>
+            <a:ext cx="3235036" cy="3235036"/>
+          </a:xfrm>
+          <a:prstGeom prst="ellipse">
+            <a:avLst/>
+          </a:prstGeom>
+          <a:noFill/>
+          <a:ln>
+            <a:solidFill>
+              <a:schemeClr val="tx1"/>
+            </a:solidFill>
+          </a:ln>
+        </p:spPr>
+        <p:style>
+          <a:lnRef idx="2">
+            <a:schemeClr val="accent1">
+              <a:shade val="50000"/>
+            </a:schemeClr>
+          </a:lnRef>
+          <a:fillRef idx="1">
+            <a:schemeClr val="accent1"/>
+          </a:fillRef>
+          <a:effectRef idx="0">
+            <a:schemeClr val="accent1"/>
+          </a:effectRef>
+          <a:fontRef idx="minor">
+            <a:schemeClr val="lt1"/>
+          </a:fontRef>
+        </p:style>
+        <p:txBody>
+          <a:bodyPr rtlCol="0" anchor="ctr"/>
+          <a:lstStyle/>
+          <a:p>
+            <a:pPr algn="ctr"/>
+            <a:endParaRPr lang="en-AU"/>
+          </a:p>
+        </p:txBody>
+      </p:sp>
+      <p:sp>
+        <p:nvSpPr>
+          <p:cNvPr id="17" name="Content Placeholder 2"/>
+          <p:cNvSpPr>
+            <a:spLocks noGrp="1"/>
+          </p:cNvSpPr>
+          <p:nvPr>
+            <p:ph idx="1"/>
+          </p:nvPr>
+        </p:nvSpPr>
+        <p:spPr>
+          <a:xfrm>
+            <a:off x="677334" y="2160589"/>
+            <a:ext cx="4774776" cy="3880773"/>
+          </a:xfrm>
+        </p:spPr>
+        <p:txBody>
+          <a:bodyPr>
+            <a:normAutofit/>
+          </a:bodyPr>
+          <a:lstStyle/>
+          <a:p>
+            <a:r>
+              <a:rPr lang="en-AU" sz="2400" dirty="0" smtClean="0"/>
+              <a:t>T</a:t>
+            </a:r>
+            <a:r>
+              <a:rPr lang="en-AU" sz="2400" dirty="0" smtClean="0"/>
+              <a:t>riangulation</a:t>
+            </a:r>
+          </a:p>
+          <a:p>
+            <a:r>
+              <a:rPr lang="en-AU" sz="2400" dirty="0" smtClean="0"/>
+              <a:t>Measures the distance from multiple known locations to the receiver</a:t>
+            </a:r>
+          </a:p>
+          <a:p>
+            <a:r>
+              <a:rPr lang="en-AU" sz="2400" dirty="0" smtClean="0"/>
+              <a:t>Solve for the intersection</a:t>
+            </a:r>
+            <a:endParaRPr lang="en-AU" sz="2400" dirty="0" smtClean="0"/>
+          </a:p>
+        </p:txBody>
+      </p:sp>
+      <p:sp>
+        <p:nvSpPr>
+          <p:cNvPr id="18" name="Oval 17"/>
+          <p:cNvSpPr/>
+          <p:nvPr/>
+        </p:nvSpPr>
+        <p:spPr>
+          <a:xfrm>
+            <a:off x="8766810" y="3506049"/>
+            <a:ext cx="310034" cy="310034"/>
+          </a:xfrm>
+          <a:prstGeom prst="ellipse">
+            <a:avLst/>
+          </a:prstGeom>
+        </p:spPr>
+        <p:style>
+          <a:lnRef idx="2">
+            <a:schemeClr val="accent6">
+              <a:shade val="50000"/>
+            </a:schemeClr>
+          </a:lnRef>
+          <a:fillRef idx="1">
+            <a:schemeClr val="accent6"/>
+          </a:fillRef>
+          <a:effectRef idx="0">
+            <a:schemeClr val="accent6"/>
+          </a:effectRef>
+          <a:fontRef idx="minor">
+            <a:schemeClr val="lt1"/>
+          </a:fontRef>
+        </p:style>
+        <p:txBody>
+          <a:bodyPr rtlCol="0" anchor="ctr"/>
+          <a:lstStyle/>
+          <a:p>
+            <a:pPr algn="ctr"/>
+            <a:endParaRPr lang="en-AU"/>
+          </a:p>
+        </p:txBody>
+      </p:sp>
+    </p:spTree>
+    <p:extLst>
+      <p:ext uri="{BB962C8B-B14F-4D97-AF65-F5344CB8AC3E}">
+        <p14:creationId xmlns:p14="http://schemas.microsoft.com/office/powerpoint/2010/main" val="1370601845"/>
+      </p:ext>
+    </p:extLst>
+  </p:cSld>
+  <p:clrMapOvr>
+    <a:masterClrMapping/>
+  </p:clrMapOvr>
+  <p:timing>
+    <p:tnLst>
+      <p:par>
+        <p:cTn id="1" dur="indefinite" restart="never" nodeType="tmRoot">
+          <p:childTnLst>
+            <p:seq concurrent="1" nextAc="seek">
+              <p:cTn id="2" dur="indefinite" nodeType="mainSeq">
+                <p:childTnLst>
+                  <p:par>
+                    <p:cTn id="3" fill="hold">
+                      <p:stCondLst>
+                        <p:cond delay="indefinite"/>
+                      </p:stCondLst>
+                      <p:childTnLst>
+                        <p:par>
+                          <p:cTn id="4" fill="hold">
+                            <p:stCondLst>
+                              <p:cond delay="0"/>
+                            </p:stCondLst>
+                            <p:childTnLst>
+                              <p:par>
+                                <p:cTn id="5" presetID="53" presetClass="entr" presetSubtype="16" fill="hold" grpId="0" nodeType="clickEffect">
+                                  <p:stCondLst>
+                                    <p:cond delay="0"/>
+                                  </p:stCondLst>
+                                  <p:childTnLst>
+                                    <p:set>
+                                      <p:cBhvr>
+                                        <p:cTn id="6" dur="1" fill="hold">
+                                          <p:stCondLst>
+                                            <p:cond delay="0"/>
+                                          </p:stCondLst>
+                                        </p:cTn>
+                                        <p:tgtEl>
+                                          <p:spTgt spid="8"/>
+                                        </p:tgtEl>
+                                        <p:attrNameLst>
+                                          <p:attrName>style.visibility</p:attrName>
+                                        </p:attrNameLst>
+                                      </p:cBhvr>
+                                      <p:to>
+                                        <p:strVal val="visible"/>
+                                      </p:to>
+                                    </p:set>
+                                    <p:anim calcmode="lin" valueType="num">
+                                      <p:cBhvr>
+                                        <p:cTn id="7" dur="500" fill="hold"/>
+                                        <p:tgtEl>
+                                          <p:spTgt spid="8"/>
+                                        </p:tgtEl>
+                                        <p:attrNameLst>
+                                          <p:attrName>ppt_w</p:attrName>
+                                        </p:attrNameLst>
+                                      </p:cBhvr>
+                                      <p:tavLst>
+                                        <p:tav tm="0">
+                                          <p:val>
+                                            <p:fltVal val="0"/>
+                                          </p:val>
+                                        </p:tav>
+                                        <p:tav tm="100000">
+                                          <p:val>
+                                            <p:strVal val="#ppt_w"/>
+                                          </p:val>
+                                        </p:tav>
+                                      </p:tavLst>
+                                    </p:anim>
+                                    <p:anim calcmode="lin" valueType="num">
+                                      <p:cBhvr>
+                                        <p:cTn id="8" dur="500" fill="hold"/>
+                                        <p:tgtEl>
+                                          <p:spTgt spid="8"/>
+                                        </p:tgtEl>
+                                        <p:attrNameLst>
+                                          <p:attrName>ppt_h</p:attrName>
+                                        </p:attrNameLst>
+                                      </p:cBhvr>
+                                      <p:tavLst>
+                                        <p:tav tm="0">
+                                          <p:val>
+                                            <p:fltVal val="0"/>
+                                          </p:val>
+                                        </p:tav>
+                                        <p:tav tm="100000">
+                                          <p:val>
+                                            <p:strVal val="#ppt_h"/>
+                                          </p:val>
+                                        </p:tav>
+                                      </p:tavLst>
+                                    </p:anim>
+                                    <p:animEffect transition="in" filter="fade">
+                                      <p:cBhvr>
+                                        <p:cTn id="9" dur="500"/>
+                                        <p:tgtEl>
+                                          <p:spTgt spid="8"/>
+                                        </p:tgtEl>
+                                      </p:cBhvr>
+                                    </p:animEffect>
+                                  </p:childTnLst>
+                                </p:cTn>
+                              </p:par>
+                              <p:par>
+                                <p:cTn id="10" presetID="53" presetClass="entr" presetSubtype="16" fill="hold" grpId="0" nodeType="withEffect">
+                                  <p:stCondLst>
+                                    <p:cond delay="0"/>
+                                  </p:stCondLst>
+                                  <p:childTnLst>
+                                    <p:set>
+                                      <p:cBhvr>
+                                        <p:cTn id="11" dur="1" fill="hold">
+                                          <p:stCondLst>
+                                            <p:cond delay="0"/>
+                                          </p:stCondLst>
+                                        </p:cTn>
+                                        <p:tgtEl>
+                                          <p:spTgt spid="15"/>
+                                        </p:tgtEl>
+                                        <p:attrNameLst>
+                                          <p:attrName>style.visibility</p:attrName>
+                                        </p:attrNameLst>
+                                      </p:cBhvr>
+                                      <p:to>
+                                        <p:strVal val="visible"/>
+                                      </p:to>
+                                    </p:set>
+                                    <p:anim calcmode="lin" valueType="num">
+                                      <p:cBhvr>
+                                        <p:cTn id="12" dur="500" fill="hold"/>
+                                        <p:tgtEl>
+                                          <p:spTgt spid="15"/>
+                                        </p:tgtEl>
+                                        <p:attrNameLst>
+                                          <p:attrName>ppt_w</p:attrName>
+                                        </p:attrNameLst>
+                                      </p:cBhvr>
+                                      <p:tavLst>
+                                        <p:tav tm="0">
+                                          <p:val>
+                                            <p:fltVal val="0"/>
+                                          </p:val>
+                                        </p:tav>
+                                        <p:tav tm="100000">
+                                          <p:val>
+                                            <p:strVal val="#ppt_w"/>
+                                          </p:val>
+                                        </p:tav>
+                                      </p:tavLst>
+                                    </p:anim>
+                                    <p:anim calcmode="lin" valueType="num">
+                                      <p:cBhvr>
+                                        <p:cTn id="13" dur="500" fill="hold"/>
+                                        <p:tgtEl>
+                                          <p:spTgt spid="15"/>
+                                        </p:tgtEl>
+                                        <p:attrNameLst>
+                                          <p:attrName>ppt_h</p:attrName>
+                                        </p:attrNameLst>
+                                      </p:cBhvr>
+                                      <p:tavLst>
+                                        <p:tav tm="0">
+                                          <p:val>
+                                            <p:fltVal val="0"/>
+                                          </p:val>
+                                        </p:tav>
+                                        <p:tav tm="100000">
+                                          <p:val>
+                                            <p:strVal val="#ppt_h"/>
+                                          </p:val>
+                                        </p:tav>
+                                      </p:tavLst>
+                                    </p:anim>
+                                    <p:animEffect transition="in" filter="fade">
+                                      <p:cBhvr>
+                                        <p:cTn id="14" dur="500"/>
+                                        <p:tgtEl>
+                                          <p:spTgt spid="15"/>
+                                        </p:tgtEl>
+                                      </p:cBhvr>
+                                    </p:animEffect>
+                                  </p:childTnLst>
+                                </p:cTn>
+                              </p:par>
+                              <p:par>
+                                <p:cTn id="15" presetID="53" presetClass="entr" presetSubtype="16" fill="hold" grpId="0" nodeType="withEffect">
+                                  <p:stCondLst>
+                                    <p:cond delay="0"/>
+                                  </p:stCondLst>
+                                  <p:childTnLst>
+                                    <p:set>
+                                      <p:cBhvr>
+                                        <p:cTn id="16" dur="1" fill="hold">
+                                          <p:stCondLst>
+                                            <p:cond delay="0"/>
+                                          </p:stCondLst>
+                                        </p:cTn>
+                                        <p:tgtEl>
+                                          <p:spTgt spid="12"/>
+                                        </p:tgtEl>
+                                        <p:attrNameLst>
+                                          <p:attrName>style.visibility</p:attrName>
+                                        </p:attrNameLst>
+                                      </p:cBhvr>
+                                      <p:to>
+                                        <p:strVal val="visible"/>
+                                      </p:to>
+                                    </p:set>
+                                    <p:anim calcmode="lin" valueType="num">
+                                      <p:cBhvr>
+                                        <p:cTn id="17" dur="500" fill="hold"/>
+                                        <p:tgtEl>
+                                          <p:spTgt spid="12"/>
+                                        </p:tgtEl>
+                                        <p:attrNameLst>
+                                          <p:attrName>ppt_w</p:attrName>
+                                        </p:attrNameLst>
+                                      </p:cBhvr>
+                                      <p:tavLst>
+                                        <p:tav tm="0">
+                                          <p:val>
+                                            <p:fltVal val="0"/>
+                                          </p:val>
+                                        </p:tav>
+                                        <p:tav tm="100000">
+                                          <p:val>
+                                            <p:strVal val="#ppt_w"/>
+                                          </p:val>
+                                        </p:tav>
+                                      </p:tavLst>
+                                    </p:anim>
+                                    <p:anim calcmode="lin" valueType="num">
+                                      <p:cBhvr>
+                                        <p:cTn id="18" dur="500" fill="hold"/>
+                                        <p:tgtEl>
+                                          <p:spTgt spid="12"/>
+                                        </p:tgtEl>
+                                        <p:attrNameLst>
+                                          <p:attrName>ppt_h</p:attrName>
+                                        </p:attrNameLst>
+                                      </p:cBhvr>
+                                      <p:tavLst>
+                                        <p:tav tm="0">
+                                          <p:val>
+                                            <p:fltVal val="0"/>
+                                          </p:val>
+                                        </p:tav>
+                                        <p:tav tm="100000">
+                                          <p:val>
+                                            <p:strVal val="#ppt_h"/>
+                                          </p:val>
+                                        </p:tav>
+                                      </p:tavLst>
+                                    </p:anim>
+                                    <p:animEffect transition="in" filter="fade">
+                                      <p:cBhvr>
+                                        <p:cTn id="19" dur="500"/>
+                                        <p:tgtEl>
+                                          <p:spTgt spid="12"/>
+                                        </p:tgtEl>
+                                      </p:cBhvr>
+                                    </p:animEffect>
+                                  </p:childTnLst>
+                                </p:cTn>
+                              </p:par>
+                            </p:childTnLst>
+                          </p:cTn>
+                        </p:par>
+                        <p:par>
+                          <p:cTn id="20" fill="hold">
+                            <p:stCondLst>
+                              <p:cond delay="500"/>
+                            </p:stCondLst>
+                            <p:childTnLst>
+                              <p:par>
+                                <p:cTn id="21" presetID="1" presetClass="entr" presetSubtype="0" fill="hold" grpId="0" nodeType="afterEffect">
+                                  <p:stCondLst>
+                                    <p:cond delay="500"/>
+                                  </p:stCondLst>
+                                  <p:childTnLst>
+                                    <p:set>
+                                      <p:cBhvr>
+                                        <p:cTn id="22" dur="1" fill="hold">
+                                          <p:stCondLst>
+                                            <p:cond delay="0"/>
+                                          </p:stCondLst>
+                                        </p:cTn>
+                                        <p:tgtEl>
+                                          <p:spTgt spid="18"/>
+                                        </p:tgtEl>
+                                        <p:attrNameLst>
+                                          <p:attrName>style.visibility</p:attrName>
+                                        </p:attrNameLst>
+                                      </p:cBhvr>
+                                      <p:to>
+                                        <p:strVal val="visible"/>
+                                      </p:to>
+                                    </p:set>
+                                  </p:childTnLst>
+                                </p:cTn>
+                              </p:par>
+                            </p:childTnLst>
+                          </p:cTn>
+                        </p:par>
+                      </p:childTnLst>
+                    </p:cTn>
+                  </p:par>
+                </p:childTnLst>
+              </p:cTn>
+              <p:prevCondLst>
+                <p:cond evt="onPrev" delay="0">
+                  <p:tgtEl>
+                    <p:sldTgt/>
+                  </p:tgtEl>
+                </p:cond>
+              </p:prevCondLst>
+              <p:nextCondLst>
+                <p:cond evt="onNext" delay="0">
+                  <p:tgtEl>
+                    <p:sldTgt/>
+                  </p:tgtEl>
+                </p:cond>
+              </p:nextCondLst>
+            </p:seq>
+          </p:childTnLst>
+        </p:cTn>
+      </p:par>
+    </p:tnLst>
+    <p:bldLst>
+      <p:bldP spid="8" grpId="0" animBg="1"/>
+      <p:bldP spid="12" grpId="0" animBg="1"/>
+      <p:bldP spid="15" grpId="0" animBg="1"/>
+      <p:bldP spid="18" grpId="0" animBg="1"/>
+    </p:bldLst>
+  </p:timing>
+</p:sld>
+</file>
+
+<file path=ppt/slides/slide5.xml><?xml version="1.0" encoding="utf-8"?>
+<p:sld xmlns:a="http://schemas.openxmlformats.org/drawingml/2006/main" xmlns:r="http://schemas.openxmlformats.org/officeDocument/2006/relationships" xmlns:p="http://schemas.openxmlformats.org/presentationml/2006/main" showMasterSp="0">
+  <p:cSld>
+    <p:spTree>
+      <p:nvGrpSpPr>
+        <p:cNvPr id="1" name=""/>
+        <p:cNvGrpSpPr/>
+        <p:nvPr/>
+      </p:nvGrpSpPr>
+      <p:grpSpPr>
+        <a:xfrm>
+          <a:off x="0" y="0"/>
+          <a:ext cx="0" cy="0"/>
+          <a:chOff x="0" y="0"/>
+          <a:chExt cx="0" cy="0"/>
+        </a:xfrm>
+      </p:grpSpPr>
+      <p:sp>
+        <p:nvSpPr>
           <p:cNvPr id="5" name="Oval 4"/>
           <p:cNvSpPr/>
           <p:nvPr/>
         </p:nvSpPr>
         <p:spPr>
           <a:xfrm>
-            <a:off x="10142806" y="3151163"/>
+            <a:off x="9725711" y="5846236"/>
             <a:ext cx="323557" cy="323557"/>
           </a:xfrm>
           <a:prstGeom prst="ellipse">
@@ -8409,8 +11381,8 @@
           <p:nvPr/>
         </p:nvSpPr>
         <p:spPr>
-          <a:xfrm>
-            <a:off x="1240302" y="2637692"/>
+          <a:xfrm rot="5400000">
+            <a:off x="9243213" y="393133"/>
             <a:ext cx="1331741" cy="1350498"/>
           </a:xfrm>
           <a:prstGeom prst="arc">
@@ -8450,8 +11422,8 @@
           <p:nvPr/>
         </p:nvSpPr>
         <p:spPr>
-          <a:xfrm>
-            <a:off x="2067952" y="2222695"/>
+          <a:xfrm rot="5400000">
+            <a:off x="9198172" y="578359"/>
             <a:ext cx="1378634" cy="2180492"/>
           </a:xfrm>
           <a:prstGeom prst="arc">
@@ -8491,8 +11463,8 @@
           <p:nvPr/>
         </p:nvSpPr>
         <p:spPr>
-          <a:xfrm>
-            <a:off x="2954217" y="1624818"/>
+          <a:xfrm rot="5400000">
+            <a:off x="9125397" y="669799"/>
             <a:ext cx="1631851" cy="3376246"/>
           </a:xfrm>
           <a:prstGeom prst="arc">
@@ -8525,6 +11497,176 @@
           </a:p>
         </p:txBody>
       </p:sp>
+      <p:sp>
+        <p:nvSpPr>
+          <p:cNvPr id="10" name="Title 1"/>
+          <p:cNvSpPr>
+            <a:spLocks noGrp="1"/>
+          </p:cNvSpPr>
+          <p:nvPr>
+            <p:ph type="title"/>
+          </p:nvPr>
+        </p:nvSpPr>
+        <p:spPr>
+          <a:xfrm>
+            <a:off x="677334" y="609600"/>
+            <a:ext cx="8596668" cy="1320800"/>
+          </a:xfrm>
+        </p:spPr>
+        <p:txBody>
+          <a:bodyPr/>
+          <a:lstStyle/>
+          <a:p>
+            <a:r>
+              <a:rPr lang="en-AU" dirty="0" smtClean="0"/>
+              <a:t>How GPS Measures Distance</a:t>
+            </a:r>
+            <a:endParaRPr lang="en-AU" dirty="0"/>
+          </a:p>
+        </p:txBody>
+      </p:sp>
+      <p:pic>
+        <p:nvPicPr>
+          <p:cNvPr id="11" name="Picture 10"/>
+          <p:cNvPicPr>
+            <a:picLocks noChangeAspect="1"/>
+          </p:cNvPicPr>
+          <p:nvPr/>
+        </p:nvPicPr>
+        <p:blipFill>
+          <a:blip r:embed="rId3">
+            <a:extLst>
+              <a:ext uri="{28A0092B-C50C-407E-A947-70E740481C1C}">
+                <a14:useLocalDpi xmlns:a14="http://schemas.microsoft.com/office/drawing/2010/main" val="0"/>
+              </a:ext>
+            </a:extLst>
+          </a:blip>
+          <a:stretch>
+            <a:fillRect/>
+          </a:stretch>
+        </p:blipFill>
+        <p:spPr>
+          <a:xfrm rot="18875388">
+            <a:off x="9523010" y="-54826"/>
+            <a:ext cx="804232" cy="804232"/>
+          </a:xfrm>
+          <a:prstGeom prst="rect">
+            <a:avLst/>
+          </a:prstGeom>
+        </p:spPr>
+      </p:pic>
+      <p:sp>
+        <p:nvSpPr>
+          <p:cNvPr id="2" name="TextBox 1"/>
+          <p:cNvSpPr txBox="1"/>
+          <p:nvPr/>
+        </p:nvSpPr>
+        <p:spPr>
+          <a:xfrm>
+            <a:off x="677334" y="1930400"/>
+            <a:ext cx="5948055" cy="3667671"/>
+          </a:xfrm>
+          <a:prstGeom prst="rect">
+            <a:avLst/>
+          </a:prstGeom>
+          <a:noFill/>
+        </p:spPr>
+        <p:txBody>
+          <a:bodyPr wrap="square" rtlCol="0">
+            <a:spAutoFit/>
+          </a:bodyPr>
+          <a:lstStyle/>
+          <a:p>
+            <a:pPr marL="342900" indent="-342900">
+              <a:spcBef>
+                <a:spcPts val="1000"/>
+              </a:spcBef>
+              <a:buClr>
+                <a:schemeClr val="accent1"/>
+              </a:buClr>
+              <a:buSzPct val="80000"/>
+              <a:buFont typeface="Wingdings 3" charset="2"/>
+              <a:buChar char=""/>
+            </a:pPr>
+            <a:r>
+              <a:rPr lang="en-AU" sz="2800" dirty="0">
+                <a:solidFill>
+                  <a:schemeClr val="tx1">
+                    <a:lumMod val="75000"/>
+                    <a:lumOff val="25000"/>
+                  </a:schemeClr>
+                </a:solidFill>
+              </a:rPr>
+              <a:t>In order to measure distance, an encoded radio signal is repeatedly sent from the satellite at fixed points in </a:t>
+            </a:r>
+            <a:r>
+              <a:rPr lang="en-AU" sz="2800" dirty="0" smtClean="0">
+                <a:solidFill>
+                  <a:schemeClr val="tx1">
+                    <a:lumMod val="75000"/>
+                    <a:lumOff val="25000"/>
+                  </a:schemeClr>
+                </a:solidFill>
+              </a:rPr>
+              <a:t>time</a:t>
+            </a:r>
+          </a:p>
+          <a:p>
+            <a:pPr marL="342900" indent="-342900">
+              <a:spcBef>
+                <a:spcPts val="1000"/>
+              </a:spcBef>
+              <a:buClr>
+                <a:schemeClr val="accent1"/>
+              </a:buClr>
+              <a:buSzPct val="80000"/>
+              <a:buFont typeface="Wingdings 3" charset="2"/>
+              <a:buChar char=""/>
+            </a:pPr>
+            <a:r>
+              <a:rPr lang="en-AU" sz="2800" dirty="0" smtClean="0">
+                <a:solidFill>
+                  <a:schemeClr val="tx1">
+                    <a:lumMod val="75000"/>
+                    <a:lumOff val="25000"/>
+                  </a:schemeClr>
+                </a:solidFill>
+              </a:rPr>
+              <a:t>The </a:t>
+            </a:r>
+            <a:r>
+              <a:rPr lang="en-AU" sz="2800" dirty="0">
+                <a:solidFill>
+                  <a:schemeClr val="tx1">
+                    <a:lumMod val="75000"/>
+                    <a:lumOff val="25000"/>
+                  </a:schemeClr>
+                </a:solidFill>
+              </a:rPr>
+              <a:t>receiver measures the transmission time and as we know the speed of light, the distance is </a:t>
+            </a:r>
+            <a:r>
+              <a:rPr lang="en-AU" sz="2800" dirty="0" smtClean="0">
+                <a:solidFill>
+                  <a:schemeClr val="tx1">
+                    <a:lumMod val="75000"/>
+                    <a:lumOff val="25000"/>
+                  </a:schemeClr>
+                </a:solidFill>
+              </a:rPr>
+              <a:t>calculated</a:t>
+            </a:r>
+            <a:endParaRPr lang="en-AU" sz="2800" dirty="0">
+              <a:solidFill>
+                <a:schemeClr val="tx1">
+                  <a:lumMod val="75000"/>
+                  <a:lumOff val="25000"/>
+                </a:schemeClr>
+              </a:solidFill>
+            </a:endParaRPr>
+          </a:p>
+        </p:txBody>
+      </p:sp>
     </p:spTree>
     <p:extLst>
       <p:ext uri="{BB962C8B-B14F-4D97-AF65-F5344CB8AC3E}">
@@ -8535,6 +11677,14 @@
   <p:clrMapOvr>
     <a:masterClrMapping/>
   </p:clrMapOvr>
+  <mc:AlternateContent xmlns:mc="http://schemas.openxmlformats.org/markup-compatibility/2006">
+    <mc:Choice xmlns:p14="http://schemas.microsoft.com/office/powerpoint/2010/main" Requires="p14">
+      <p:transition spd="slow" p14:dur="2000" advClick="0" advTm="0"/>
+    </mc:Choice>
+    <mc:Fallback>
+      <p:transition spd="slow" advClick="0" advTm="0"/>
+    </mc:Fallback>
+  </mc:AlternateContent>
   <p:timing>
     <p:tnLst>
       <p:par>
@@ -8657,6 +11807,402 @@
                             </p:childTnLst>
                           </p:cTn>
                         </p:par>
+                        <p:par>
+                          <p:cTn id="13" fill="hold">
+                            <p:stCondLst>
+                              <p:cond delay="1000"/>
+                            </p:stCondLst>
+                            <p:childTnLst>
+                              <p:par>
+                                <p:cTn id="14" presetID="1" presetClass="exit" presetSubtype="0" fill="hold" grpId="1" nodeType="afterEffect">
+                                  <p:stCondLst>
+                                    <p:cond delay="500"/>
+                                  </p:stCondLst>
+                                  <p:childTnLst>
+                                    <p:set>
+                                      <p:cBhvr>
+                                        <p:cTn id="15" dur="1" fill="hold">
+                                          <p:stCondLst>
+                                            <p:cond delay="0"/>
+                                          </p:stCondLst>
+                                        </p:cTn>
+                                        <p:tgtEl>
+                                          <p:spTgt spid="7"/>
+                                        </p:tgtEl>
+                                        <p:attrNameLst>
+                                          <p:attrName>style.visibility</p:attrName>
+                                        </p:attrNameLst>
+                                      </p:cBhvr>
+                                      <p:to>
+                                        <p:strVal val="hidden"/>
+                                      </p:to>
+                                    </p:set>
+                                  </p:childTnLst>
+                                </p:cTn>
+                              </p:par>
+                              <p:par>
+                                <p:cTn id="16" presetID="1" presetClass="exit" presetSubtype="0" fill="hold" grpId="1" nodeType="withEffect">
+                                  <p:stCondLst>
+                                    <p:cond delay="500"/>
+                                  </p:stCondLst>
+                                  <p:childTnLst>
+                                    <p:set>
+                                      <p:cBhvr>
+                                        <p:cTn id="17" dur="1" fill="hold">
+                                          <p:stCondLst>
+                                            <p:cond delay="0"/>
+                                          </p:stCondLst>
+                                        </p:cTn>
+                                        <p:tgtEl>
+                                          <p:spTgt spid="8"/>
+                                        </p:tgtEl>
+                                        <p:attrNameLst>
+                                          <p:attrName>style.visibility</p:attrName>
+                                        </p:attrNameLst>
+                                      </p:cBhvr>
+                                      <p:to>
+                                        <p:strVal val="hidden"/>
+                                      </p:to>
+                                    </p:set>
+                                  </p:childTnLst>
+                                </p:cTn>
+                              </p:par>
+                              <p:par>
+                                <p:cTn id="18" presetID="1" presetClass="exit" presetSubtype="0" fill="hold" grpId="1" nodeType="withEffect">
+                                  <p:stCondLst>
+                                    <p:cond delay="500"/>
+                                  </p:stCondLst>
+                                  <p:childTnLst>
+                                    <p:set>
+                                      <p:cBhvr>
+                                        <p:cTn id="19" dur="1" fill="hold">
+                                          <p:stCondLst>
+                                            <p:cond delay="0"/>
+                                          </p:stCondLst>
+                                        </p:cTn>
+                                        <p:tgtEl>
+                                          <p:spTgt spid="9"/>
+                                        </p:tgtEl>
+                                        <p:attrNameLst>
+                                          <p:attrName>style.visibility</p:attrName>
+                                        </p:attrNameLst>
+                                      </p:cBhvr>
+                                      <p:to>
+                                        <p:strVal val="hidden"/>
+                                      </p:to>
+                                    </p:set>
+                                  </p:childTnLst>
+                                </p:cTn>
+                              </p:par>
+                            </p:childTnLst>
+                          </p:cTn>
+                        </p:par>
+                        <p:par>
+                          <p:cTn id="20" fill="hold">
+                            <p:stCondLst>
+                              <p:cond delay="1500"/>
+                            </p:stCondLst>
+                            <p:childTnLst>
+                              <p:par>
+                                <p:cTn id="21" presetID="1" presetClass="entr" presetSubtype="0" fill="hold" grpId="2" nodeType="afterEffect">
+                                  <p:stCondLst>
+                                    <p:cond delay="500"/>
+                                  </p:stCondLst>
+                                  <p:childTnLst>
+                                    <p:set>
+                                      <p:cBhvr>
+                                        <p:cTn id="22" dur="1" fill="hold">
+                                          <p:stCondLst>
+                                            <p:cond delay="0"/>
+                                          </p:stCondLst>
+                                        </p:cTn>
+                                        <p:tgtEl>
+                                          <p:spTgt spid="7"/>
+                                        </p:tgtEl>
+                                        <p:attrNameLst>
+                                          <p:attrName>style.visibility</p:attrName>
+                                        </p:attrNameLst>
+                                      </p:cBhvr>
+                                      <p:to>
+                                        <p:strVal val="visible"/>
+                                      </p:to>
+                                    </p:set>
+                                  </p:childTnLst>
+                                </p:cTn>
+                              </p:par>
+                            </p:childTnLst>
+                          </p:cTn>
+                        </p:par>
+                        <p:par>
+                          <p:cTn id="23" fill="hold">
+                            <p:stCondLst>
+                              <p:cond delay="2000"/>
+                            </p:stCondLst>
+                            <p:childTnLst>
+                              <p:par>
+                                <p:cTn id="24" presetID="1" presetClass="entr" presetSubtype="0" fill="hold" grpId="2" nodeType="afterEffect">
+                                  <p:stCondLst>
+                                    <p:cond delay="500"/>
+                                  </p:stCondLst>
+                                  <p:childTnLst>
+                                    <p:set>
+                                      <p:cBhvr>
+                                        <p:cTn id="25" dur="1" fill="hold">
+                                          <p:stCondLst>
+                                            <p:cond delay="0"/>
+                                          </p:stCondLst>
+                                        </p:cTn>
+                                        <p:tgtEl>
+                                          <p:spTgt spid="8"/>
+                                        </p:tgtEl>
+                                        <p:attrNameLst>
+                                          <p:attrName>style.visibility</p:attrName>
+                                        </p:attrNameLst>
+                                      </p:cBhvr>
+                                      <p:to>
+                                        <p:strVal val="visible"/>
+                                      </p:to>
+                                    </p:set>
+                                  </p:childTnLst>
+                                </p:cTn>
+                              </p:par>
+                            </p:childTnLst>
+                          </p:cTn>
+                        </p:par>
+                        <p:par>
+                          <p:cTn id="26" fill="hold">
+                            <p:stCondLst>
+                              <p:cond delay="2500"/>
+                            </p:stCondLst>
+                            <p:childTnLst>
+                              <p:par>
+                                <p:cTn id="27" presetID="1" presetClass="entr" presetSubtype="0" fill="hold" grpId="2" nodeType="afterEffect">
+                                  <p:stCondLst>
+                                    <p:cond delay="500"/>
+                                  </p:stCondLst>
+                                  <p:childTnLst>
+                                    <p:set>
+                                      <p:cBhvr>
+                                        <p:cTn id="28" dur="1" fill="hold">
+                                          <p:stCondLst>
+                                            <p:cond delay="0"/>
+                                          </p:stCondLst>
+                                        </p:cTn>
+                                        <p:tgtEl>
+                                          <p:spTgt spid="9"/>
+                                        </p:tgtEl>
+                                        <p:attrNameLst>
+                                          <p:attrName>style.visibility</p:attrName>
+                                        </p:attrNameLst>
+                                      </p:cBhvr>
+                                      <p:to>
+                                        <p:strVal val="visible"/>
+                                      </p:to>
+                                    </p:set>
+                                  </p:childTnLst>
+                                </p:cTn>
+                              </p:par>
+                            </p:childTnLst>
+                          </p:cTn>
+                        </p:par>
+                        <p:par>
+                          <p:cTn id="29" fill="hold">
+                            <p:stCondLst>
+                              <p:cond delay="3000"/>
+                            </p:stCondLst>
+                            <p:childTnLst>
+                              <p:par>
+                                <p:cTn id="30" presetID="1" presetClass="exit" presetSubtype="0" fill="hold" grpId="3" nodeType="afterEffect">
+                                  <p:stCondLst>
+                                    <p:cond delay="500"/>
+                                  </p:stCondLst>
+                                  <p:childTnLst>
+                                    <p:set>
+                                      <p:cBhvr>
+                                        <p:cTn id="31" dur="1" fill="hold">
+                                          <p:stCondLst>
+                                            <p:cond delay="0"/>
+                                          </p:stCondLst>
+                                        </p:cTn>
+                                        <p:tgtEl>
+                                          <p:spTgt spid="7"/>
+                                        </p:tgtEl>
+                                        <p:attrNameLst>
+                                          <p:attrName>style.visibility</p:attrName>
+                                        </p:attrNameLst>
+                                      </p:cBhvr>
+                                      <p:to>
+                                        <p:strVal val="hidden"/>
+                                      </p:to>
+                                    </p:set>
+                                  </p:childTnLst>
+                                </p:cTn>
+                              </p:par>
+                              <p:par>
+                                <p:cTn id="32" presetID="1" presetClass="exit" presetSubtype="0" fill="hold" grpId="3" nodeType="withEffect">
+                                  <p:stCondLst>
+                                    <p:cond delay="500"/>
+                                  </p:stCondLst>
+                                  <p:childTnLst>
+                                    <p:set>
+                                      <p:cBhvr>
+                                        <p:cTn id="33" dur="1" fill="hold">
+                                          <p:stCondLst>
+                                            <p:cond delay="0"/>
+                                          </p:stCondLst>
+                                        </p:cTn>
+                                        <p:tgtEl>
+                                          <p:spTgt spid="8"/>
+                                        </p:tgtEl>
+                                        <p:attrNameLst>
+                                          <p:attrName>style.visibility</p:attrName>
+                                        </p:attrNameLst>
+                                      </p:cBhvr>
+                                      <p:to>
+                                        <p:strVal val="hidden"/>
+                                      </p:to>
+                                    </p:set>
+                                  </p:childTnLst>
+                                </p:cTn>
+                              </p:par>
+                              <p:par>
+                                <p:cTn id="34" presetID="1" presetClass="exit" presetSubtype="0" fill="hold" grpId="3" nodeType="withEffect">
+                                  <p:stCondLst>
+                                    <p:cond delay="500"/>
+                                  </p:stCondLst>
+                                  <p:childTnLst>
+                                    <p:set>
+                                      <p:cBhvr>
+                                        <p:cTn id="35" dur="1" fill="hold">
+                                          <p:stCondLst>
+                                            <p:cond delay="0"/>
+                                          </p:stCondLst>
+                                        </p:cTn>
+                                        <p:tgtEl>
+                                          <p:spTgt spid="9"/>
+                                        </p:tgtEl>
+                                        <p:attrNameLst>
+                                          <p:attrName>style.visibility</p:attrName>
+                                        </p:attrNameLst>
+                                      </p:cBhvr>
+                                      <p:to>
+                                        <p:strVal val="hidden"/>
+                                      </p:to>
+                                    </p:set>
+                                  </p:childTnLst>
+                                </p:cTn>
+                              </p:par>
+                            </p:childTnLst>
+                          </p:cTn>
+                        </p:par>
+                        <p:par>
+                          <p:cTn id="36" fill="hold">
+                            <p:stCondLst>
+                              <p:cond delay="3500"/>
+                            </p:stCondLst>
+                            <p:childTnLst>
+                              <p:par>
+                                <p:cTn id="37" presetID="1" presetClass="entr" presetSubtype="0" fill="hold" grpId="4" nodeType="afterEffect">
+                                  <p:stCondLst>
+                                    <p:cond delay="500"/>
+                                  </p:stCondLst>
+                                  <p:childTnLst>
+                                    <p:set>
+                                      <p:cBhvr>
+                                        <p:cTn id="38" dur="1" fill="hold">
+                                          <p:stCondLst>
+                                            <p:cond delay="0"/>
+                                          </p:stCondLst>
+                                        </p:cTn>
+                                        <p:tgtEl>
+                                          <p:spTgt spid="7"/>
+                                        </p:tgtEl>
+                                        <p:attrNameLst>
+                                          <p:attrName>style.visibility</p:attrName>
+                                        </p:attrNameLst>
+                                      </p:cBhvr>
+                                      <p:to>
+                                        <p:strVal val="visible"/>
+                                      </p:to>
+                                    </p:set>
+                                  </p:childTnLst>
+                                </p:cTn>
+                              </p:par>
+                            </p:childTnLst>
+                          </p:cTn>
+                        </p:par>
+                        <p:par>
+                          <p:cTn id="39" fill="hold">
+                            <p:stCondLst>
+                              <p:cond delay="4000"/>
+                            </p:stCondLst>
+                            <p:childTnLst>
+                              <p:par>
+                                <p:cTn id="40" presetID="1" presetClass="entr" presetSubtype="0" fill="hold" grpId="4" nodeType="afterEffect">
+                                  <p:stCondLst>
+                                    <p:cond delay="500"/>
+                                  </p:stCondLst>
+                                  <p:childTnLst>
+                                    <p:set>
+                                      <p:cBhvr>
+                                        <p:cTn id="41" dur="1" fill="hold">
+                                          <p:stCondLst>
+                                            <p:cond delay="0"/>
+                                          </p:stCondLst>
+                                        </p:cTn>
+                                        <p:tgtEl>
+                                          <p:spTgt spid="8"/>
+                                        </p:tgtEl>
+                                        <p:attrNameLst>
+                                          <p:attrName>style.visibility</p:attrName>
+                                        </p:attrNameLst>
+                                      </p:cBhvr>
+                                      <p:to>
+                                        <p:strVal val="visible"/>
+                                      </p:to>
+                                    </p:set>
+                                  </p:childTnLst>
+                                </p:cTn>
+                              </p:par>
+                            </p:childTnLst>
+                          </p:cTn>
+                        </p:par>
+                        <p:par>
+                          <p:cTn id="42" fill="hold">
+                            <p:stCondLst>
+                              <p:cond delay="4500"/>
+                            </p:stCondLst>
+                            <p:childTnLst>
+                              <p:par>
+                                <p:cTn id="43" presetID="1" presetClass="entr" presetSubtype="0" fill="hold" grpId="4" nodeType="afterEffect">
+                                  <p:stCondLst>
+                                    <p:cond delay="500"/>
+                                  </p:stCondLst>
+                                  <p:childTnLst>
+                                    <p:set>
+                                      <p:cBhvr>
+                                        <p:cTn id="44" dur="1" fill="hold">
+                                          <p:stCondLst>
+                                            <p:cond delay="0"/>
+                                          </p:stCondLst>
+                                        </p:cTn>
+                                        <p:tgtEl>
+                                          <p:spTgt spid="9"/>
+                                        </p:tgtEl>
+                                        <p:attrNameLst>
+                                          <p:attrName>style.visibility</p:attrName>
+                                        </p:attrNameLst>
+                                      </p:cBhvr>
+                                      <p:to>
+                                        <p:strVal val="visible"/>
+                                      </p:to>
+                                    </p:set>
+                                  </p:childTnLst>
+                                </p:cTn>
+                              </p:par>
+                            </p:childTnLst>
+                          </p:cTn>
+                        </p:par>
                       </p:childTnLst>
                     </p:cTn>
                   </p:par>
@@ -8683,9 +12229,185 @@
     </p:tnLst>
     <p:bldLst>
       <p:bldP spid="7" grpId="0" animBg="1"/>
+      <p:bldP spid="7" grpId="1" animBg="1"/>
+      <p:bldP spid="7" grpId="2" animBg="1"/>
+      <p:bldP spid="7" grpId="3" animBg="1"/>
+      <p:bldP spid="7" grpId="4" animBg="1"/>
       <p:bldP spid="8" grpId="0" animBg="1"/>
+      <p:bldP spid="8" grpId="1" animBg="1"/>
+      <p:bldP spid="8" grpId="2" animBg="1"/>
+      <p:bldP spid="8" grpId="3" animBg="1"/>
+      <p:bldP spid="8" grpId="4" animBg="1"/>
       <p:bldP spid="9" grpId="0" animBg="1"/>
+      <p:bldP spid="9" grpId="1" animBg="1"/>
+      <p:bldP spid="9" grpId="2" animBg="1"/>
+      <p:bldP spid="9" grpId="3" animBg="1"/>
+      <p:bldP spid="9" grpId="4" animBg="1"/>
     </p:bldLst>
+  </p:timing>
+</p:sld>
+</file>
+
+<file path=ppt/slides/slide6.xml><?xml version="1.0" encoding="utf-8"?>
+<p:sld xmlns:a="http://schemas.openxmlformats.org/drawingml/2006/main" xmlns:r="http://schemas.openxmlformats.org/officeDocument/2006/relationships" xmlns:p="http://schemas.openxmlformats.org/presentationml/2006/main">
+  <p:cSld>
+    <p:spTree>
+      <p:nvGrpSpPr>
+        <p:cNvPr id="1" name=""/>
+        <p:cNvGrpSpPr/>
+        <p:nvPr/>
+      </p:nvGrpSpPr>
+      <p:grpSpPr>
+        <a:xfrm>
+          <a:off x="0" y="0"/>
+          <a:ext cx="0" cy="0"/>
+          <a:chOff x="0" y="0"/>
+          <a:chExt cx="0" cy="0"/>
+        </a:xfrm>
+      </p:grpSpPr>
+      <p:sp>
+        <p:nvSpPr>
+          <p:cNvPr id="2" name="Title 1"/>
+          <p:cNvSpPr>
+            <a:spLocks noGrp="1"/>
+          </p:cNvSpPr>
+          <p:nvPr>
+            <p:ph type="title"/>
+          </p:nvPr>
+        </p:nvSpPr>
+        <p:spPr/>
+        <p:txBody>
+          <a:bodyPr/>
+          <a:lstStyle/>
+          <a:p>
+            <a:r>
+              <a:rPr lang="en-AU" dirty="0" smtClean="0"/>
+              <a:t>Errors in </a:t>
+            </a:r>
+            <a:r>
+              <a:rPr lang="en-AU" dirty="0" smtClean="0"/>
+              <a:t>time</a:t>
+            </a:r>
+            <a:endParaRPr lang="en-AU" dirty="0"/>
+          </a:p>
+        </p:txBody>
+      </p:sp>
+      <p:sp>
+        <p:nvSpPr>
+          <p:cNvPr id="3" name="Content Placeholder 2"/>
+          <p:cNvSpPr>
+            <a:spLocks noGrp="1"/>
+          </p:cNvSpPr>
+          <p:nvPr>
+            <p:ph idx="1"/>
+          </p:nvPr>
+        </p:nvSpPr>
+        <p:spPr>
+          <a:xfrm>
+            <a:off x="677334" y="1636154"/>
+            <a:ext cx="8596668" cy="4700478"/>
+          </a:xfrm>
+        </p:spPr>
+        <p:txBody>
+          <a:bodyPr>
+            <a:normAutofit/>
+          </a:bodyPr>
+          <a:lstStyle/>
+          <a:p>
+            <a:r>
+              <a:rPr lang="en-AU" sz="2400" dirty="0" smtClean="0"/>
+              <a:t>There is error in the transmission time of </a:t>
+            </a:r>
+            <a:r>
+              <a:rPr lang="en-AU" sz="2400" dirty="0" smtClean="0"/>
+              <a:t>the </a:t>
+            </a:r>
+            <a:r>
+              <a:rPr lang="en-AU" sz="2400" dirty="0" smtClean="0"/>
+              <a:t>signal</a:t>
+            </a:r>
+            <a:endParaRPr lang="en-AU" sz="2400" dirty="0" smtClean="0"/>
+          </a:p>
+          <a:p>
+            <a:r>
+              <a:rPr lang="en-AU" sz="2400" dirty="0" smtClean="0"/>
+              <a:t>Error of 1 microsecond is </a:t>
+            </a:r>
+            <a:r>
+              <a:rPr lang="en-AU" sz="2400" dirty="0" smtClean="0"/>
+              <a:t>300m </a:t>
+            </a:r>
+            <a:r>
+              <a:rPr lang="en-AU" sz="2400" dirty="0" smtClean="0"/>
+              <a:t>at the speed of </a:t>
+            </a:r>
+            <a:r>
+              <a:rPr lang="en-AU" sz="2400" dirty="0" smtClean="0"/>
+              <a:t>light</a:t>
+            </a:r>
+          </a:p>
+          <a:p>
+            <a:r>
+              <a:rPr lang="en-AU" sz="2400" dirty="0"/>
+              <a:t>Satellite correlated errors: Ionosphere, Troposphere, Clock bias, ephemeris error</a:t>
+            </a:r>
+          </a:p>
+          <a:p>
+            <a:r>
+              <a:rPr lang="en-AU" sz="2400" dirty="0"/>
+              <a:t>Receiver correlated errors: clock bias, phase wind up</a:t>
+            </a:r>
+          </a:p>
+          <a:p>
+            <a:r>
+              <a:rPr lang="en-AU" sz="2400" dirty="0"/>
+              <a:t>Uncorrelated errors: </a:t>
+            </a:r>
+            <a:r>
+              <a:rPr lang="en-AU" sz="2400" dirty="0" smtClean="0"/>
+              <a:t>multipath</a:t>
+            </a:r>
+            <a:endParaRPr lang="en-AU" sz="2400" dirty="0" smtClean="0"/>
+          </a:p>
+          <a:p>
+            <a:r>
+              <a:rPr lang="en-AU" sz="2400" dirty="0" smtClean="0"/>
+              <a:t>Satellites have atomic clocks – nanosecond accuracy</a:t>
+            </a:r>
+          </a:p>
+          <a:p>
+            <a:r>
+              <a:rPr lang="en-AU" sz="2400" dirty="0" smtClean="0"/>
+              <a:t>Low cost GPS receivers – microsecond accuracy</a:t>
+            </a:r>
+          </a:p>
+          <a:p>
+            <a:r>
+              <a:rPr lang="en-AU" sz="2400" dirty="0"/>
+              <a:t>The range calculated with imprecise time is called the pseudorange</a:t>
+            </a:r>
+          </a:p>
+          <a:p>
+            <a:endParaRPr lang="en-AU" sz="2400" dirty="0" smtClean="0"/>
+          </a:p>
+        </p:txBody>
+      </p:sp>
+    </p:spTree>
+    <p:extLst>
+      <p:ext uri="{BB962C8B-B14F-4D97-AF65-F5344CB8AC3E}">
+        <p14:creationId xmlns:p14="http://schemas.microsoft.com/office/powerpoint/2010/main" val="2133135467"/>
+      </p:ext>
+    </p:extLst>
+  </p:cSld>
+  <p:clrMapOvr>
+    <a:masterClrMapping/>
+  </p:clrMapOvr>
+  <p:timing>
+    <p:tnLst>
+      <p:par>
+        <p:cTn id="1" dur="indefinite" restart="never" nodeType="tmRoot"/>
+      </p:par>
+    </p:tnLst>
   </p:timing>
 </p:sld>
 </file>
@@ -8722,33 +12444,344 @@
           <a:bodyPr/>
           <a:lstStyle/>
           <a:p>
+            <a:r>
+              <a:rPr lang="en-AU" dirty="0" smtClean="0"/>
+              <a:t>Solving for Receiver Clock bias</a:t>
+            </a:r>
             <a:endParaRPr lang="en-AU" dirty="0"/>
           </a:p>
         </p:txBody>
       </p:sp>
-      <p:sp>
-        <p:nvSpPr>
-          <p:cNvPr id="3" name="Content Placeholder 2"/>
-          <p:cNvSpPr>
-            <a:spLocks noGrp="1"/>
-          </p:cNvSpPr>
+      <p:pic>
+        <p:nvPicPr>
+          <p:cNvPr id="4" name="Content Placeholder 3"/>
+          <p:cNvPicPr>
+            <a:picLocks noGrp="1" noChangeAspect="1"/>
+          </p:cNvPicPr>
           <p:nvPr>
             <p:ph idx="1"/>
           </p:nvPr>
-        </p:nvSpPr>
-        <p:spPr/>
-        <p:txBody>
-          <a:bodyPr/>
+        </p:nvPicPr>
+        <p:blipFill>
+          <a:blip r:embed="rId3">
+            <a:extLst>
+              <a:ext uri="{28A0092B-C50C-407E-A947-70E740481C1C}">
+                <a14:useLocalDpi xmlns:a14="http://schemas.microsoft.com/office/drawing/2010/main" val="0"/>
+              </a:ext>
+            </a:extLst>
+          </a:blip>
+          <a:stretch>
+            <a:fillRect/>
+          </a:stretch>
+        </p:blipFill>
+        <p:spPr>
+          <a:xfrm>
+            <a:off x="5515961" y="1411594"/>
+            <a:ext cx="4028089" cy="4512285"/>
+          </a:xfrm>
+        </p:spPr>
+      </p:pic>
+      <p:sp>
+        <p:nvSpPr>
+          <p:cNvPr id="5" name="TextBox 4"/>
+          <p:cNvSpPr txBox="1"/>
+          <p:nvPr/>
+        </p:nvSpPr>
+        <p:spPr>
+          <a:xfrm>
+            <a:off x="824201" y="6359723"/>
+            <a:ext cx="6896100" cy="307777"/>
+          </a:xfrm>
+          <a:prstGeom prst="rect">
+            <a:avLst/>
+          </a:prstGeom>
+          <a:noFill/>
+        </p:spPr>
+        <p:txBody>
+          <a:bodyPr wrap="square" rtlCol="0">
+            <a:spAutoFit/>
+          </a:bodyPr>
           <a:lstStyle/>
           <a:p>
-            <a:endParaRPr lang="en-AU"/>
+            <a:r>
+              <a:rPr lang="en-AU" sz="1400" dirty="0"/>
+              <a:t>Image source: http://www.kowoma.de/en/gps/positioning.htm</a:t>
+            </a:r>
+          </a:p>
+        </p:txBody>
+      </p:sp>
+      <p:sp>
+        <p:nvSpPr>
+          <p:cNvPr id="7" name="Content Placeholder 2"/>
+          <p:cNvSpPr txBox="1">
+            <a:spLocks/>
+          </p:cNvSpPr>
+          <p:nvPr/>
+        </p:nvSpPr>
+        <p:spPr>
+          <a:xfrm>
+            <a:off x="677334" y="1659245"/>
+            <a:ext cx="4142586" cy="4700478"/>
+          </a:xfrm>
+          <a:prstGeom prst="rect">
+            <a:avLst/>
+          </a:prstGeom>
+        </p:spPr>
+        <p:txBody>
+          <a:bodyPr vert="horz" lIns="91440" tIns="45720" rIns="91440" bIns="45720" rtlCol="0">
+            <a:normAutofit/>
+          </a:bodyPr>
+          <a:lstStyle>
+            <a:lvl1pPr marL="342900" indent="-342900" algn="l" defTabSz="457200" rtl="0" eaLnBrk="1" latinLnBrk="0" hangingPunct="1">
+              <a:spcBef>
+                <a:spcPts val="1000"/>
+              </a:spcBef>
+              <a:spcAft>
+                <a:spcPts val="0"/>
+              </a:spcAft>
+              <a:buClr>
+                <a:schemeClr val="accent1"/>
+              </a:buClr>
+              <a:buSzPct val="80000"/>
+              <a:buFont typeface="Wingdings 3" charset="2"/>
+              <a:buChar char=""/>
+              <a:defRPr sz="1800" kern="1200">
+                <a:solidFill>
+                  <a:schemeClr val="tx1">
+                    <a:lumMod val="75000"/>
+                    <a:lumOff val="25000"/>
+                  </a:schemeClr>
+                </a:solidFill>
+                <a:latin typeface="+mn-lt"/>
+                <a:ea typeface="+mn-ea"/>
+                <a:cs typeface="+mn-cs"/>
+              </a:defRPr>
+            </a:lvl1pPr>
+            <a:lvl2pPr marL="742950" indent="-285750" algn="l" defTabSz="457200" rtl="0" eaLnBrk="1" latinLnBrk="0" hangingPunct="1">
+              <a:spcBef>
+                <a:spcPts val="1000"/>
+              </a:spcBef>
+              <a:spcAft>
+                <a:spcPts val="0"/>
+              </a:spcAft>
+              <a:buClr>
+                <a:schemeClr val="accent1"/>
+              </a:buClr>
+              <a:buSzPct val="80000"/>
+              <a:buFont typeface="Wingdings 3" charset="2"/>
+              <a:buChar char=""/>
+              <a:defRPr sz="1600" kern="1200">
+                <a:solidFill>
+                  <a:schemeClr val="tx1">
+                    <a:lumMod val="75000"/>
+                    <a:lumOff val="25000"/>
+                  </a:schemeClr>
+                </a:solidFill>
+                <a:latin typeface="+mn-lt"/>
+                <a:ea typeface="+mn-ea"/>
+                <a:cs typeface="+mn-cs"/>
+              </a:defRPr>
+            </a:lvl2pPr>
+            <a:lvl3pPr marL="1143000" indent="-228600" algn="l" defTabSz="457200" rtl="0" eaLnBrk="1" latinLnBrk="0" hangingPunct="1">
+              <a:spcBef>
+                <a:spcPts val="1000"/>
+              </a:spcBef>
+              <a:spcAft>
+                <a:spcPts val="0"/>
+              </a:spcAft>
+              <a:buClr>
+                <a:schemeClr val="accent1"/>
+              </a:buClr>
+              <a:buSzPct val="80000"/>
+              <a:buFont typeface="Wingdings 3" charset="2"/>
+              <a:buChar char=""/>
+              <a:defRPr sz="1400" kern="1200">
+                <a:solidFill>
+                  <a:schemeClr val="tx1">
+                    <a:lumMod val="75000"/>
+                    <a:lumOff val="25000"/>
+                  </a:schemeClr>
+                </a:solidFill>
+                <a:latin typeface="+mn-lt"/>
+                <a:ea typeface="+mn-ea"/>
+                <a:cs typeface="+mn-cs"/>
+              </a:defRPr>
+            </a:lvl3pPr>
+            <a:lvl4pPr marL="1600200" indent="-228600" algn="l" defTabSz="457200" rtl="0" eaLnBrk="1" latinLnBrk="0" hangingPunct="1">
+              <a:spcBef>
+                <a:spcPts val="1000"/>
+              </a:spcBef>
+              <a:spcAft>
+                <a:spcPts val="0"/>
+              </a:spcAft>
+              <a:buClr>
+                <a:schemeClr val="accent1"/>
+              </a:buClr>
+              <a:buSzPct val="80000"/>
+              <a:buFont typeface="Wingdings 3" charset="2"/>
+              <a:buChar char=""/>
+              <a:defRPr sz="1200" kern="1200">
+                <a:solidFill>
+                  <a:schemeClr val="tx1">
+                    <a:lumMod val="75000"/>
+                    <a:lumOff val="25000"/>
+                  </a:schemeClr>
+                </a:solidFill>
+                <a:latin typeface="+mn-lt"/>
+                <a:ea typeface="+mn-ea"/>
+                <a:cs typeface="+mn-cs"/>
+              </a:defRPr>
+            </a:lvl4pPr>
+            <a:lvl5pPr marL="2057400" indent="-228600" algn="l" defTabSz="457200" rtl="0" eaLnBrk="1" latinLnBrk="0" hangingPunct="1">
+              <a:spcBef>
+                <a:spcPts val="1000"/>
+              </a:spcBef>
+              <a:spcAft>
+                <a:spcPts val="0"/>
+              </a:spcAft>
+              <a:buClr>
+                <a:schemeClr val="accent1"/>
+              </a:buClr>
+              <a:buSzPct val="80000"/>
+              <a:buFont typeface="Wingdings 3" charset="2"/>
+              <a:buChar char=""/>
+              <a:defRPr sz="1200" kern="1200">
+                <a:solidFill>
+                  <a:schemeClr val="tx1">
+                    <a:lumMod val="75000"/>
+                    <a:lumOff val="25000"/>
+                  </a:schemeClr>
+                </a:solidFill>
+                <a:latin typeface="+mn-lt"/>
+                <a:ea typeface="+mn-ea"/>
+                <a:cs typeface="+mn-cs"/>
+              </a:defRPr>
+            </a:lvl5pPr>
+            <a:lvl6pPr marL="2514600" indent="-228600" algn="l" defTabSz="457200" rtl="0" eaLnBrk="1" latinLnBrk="0" hangingPunct="1">
+              <a:spcBef>
+                <a:spcPts val="1000"/>
+              </a:spcBef>
+              <a:spcAft>
+                <a:spcPts val="0"/>
+              </a:spcAft>
+              <a:buClr>
+                <a:schemeClr val="accent1"/>
+              </a:buClr>
+              <a:buSzPct val="80000"/>
+              <a:buFont typeface="Wingdings 3" charset="2"/>
+              <a:buChar char=""/>
+              <a:defRPr sz="1200" kern="1200">
+                <a:solidFill>
+                  <a:schemeClr val="tx1">
+                    <a:lumMod val="75000"/>
+                    <a:lumOff val="25000"/>
+                  </a:schemeClr>
+                </a:solidFill>
+                <a:latin typeface="+mn-lt"/>
+                <a:ea typeface="+mn-ea"/>
+                <a:cs typeface="+mn-cs"/>
+              </a:defRPr>
+            </a:lvl6pPr>
+            <a:lvl7pPr marL="2971800" indent="-228600" algn="l" defTabSz="457200" rtl="0" eaLnBrk="1" latinLnBrk="0" hangingPunct="1">
+              <a:spcBef>
+                <a:spcPts val="1000"/>
+              </a:spcBef>
+              <a:spcAft>
+                <a:spcPts val="0"/>
+              </a:spcAft>
+              <a:buClr>
+                <a:schemeClr val="accent1"/>
+              </a:buClr>
+              <a:buSzPct val="80000"/>
+              <a:buFont typeface="Wingdings 3" charset="2"/>
+              <a:buChar char=""/>
+              <a:defRPr sz="1200" kern="1200">
+                <a:solidFill>
+                  <a:schemeClr val="tx1">
+                    <a:lumMod val="75000"/>
+                    <a:lumOff val="25000"/>
+                  </a:schemeClr>
+                </a:solidFill>
+                <a:latin typeface="+mn-lt"/>
+                <a:ea typeface="+mn-ea"/>
+                <a:cs typeface="+mn-cs"/>
+              </a:defRPr>
+            </a:lvl7pPr>
+            <a:lvl8pPr marL="3429000" indent="-228600" algn="l" defTabSz="457200" rtl="0" eaLnBrk="1" latinLnBrk="0" hangingPunct="1">
+              <a:spcBef>
+                <a:spcPts val="1000"/>
+              </a:spcBef>
+              <a:spcAft>
+                <a:spcPts val="0"/>
+              </a:spcAft>
+              <a:buClr>
+                <a:schemeClr val="accent1"/>
+              </a:buClr>
+              <a:buSzPct val="80000"/>
+              <a:buFont typeface="Wingdings 3" charset="2"/>
+              <a:buChar char=""/>
+              <a:defRPr sz="1200" kern="1200">
+                <a:solidFill>
+                  <a:schemeClr val="tx1">
+                    <a:lumMod val="75000"/>
+                    <a:lumOff val="25000"/>
+                  </a:schemeClr>
+                </a:solidFill>
+                <a:latin typeface="+mn-lt"/>
+                <a:ea typeface="+mn-ea"/>
+                <a:cs typeface="+mn-cs"/>
+              </a:defRPr>
+            </a:lvl8pPr>
+            <a:lvl9pPr marL="3886200" indent="-228600" algn="l" defTabSz="457200" rtl="0" eaLnBrk="1" latinLnBrk="0" hangingPunct="1">
+              <a:spcBef>
+                <a:spcPts val="1000"/>
+              </a:spcBef>
+              <a:spcAft>
+                <a:spcPts val="0"/>
+              </a:spcAft>
+              <a:buClr>
+                <a:schemeClr val="accent1"/>
+              </a:buClr>
+              <a:buSzPct val="80000"/>
+              <a:buFont typeface="Wingdings 3" charset="2"/>
+              <a:buChar char=""/>
+              <a:defRPr sz="1200" kern="1200">
+                <a:solidFill>
+                  <a:schemeClr val="tx1">
+                    <a:lumMod val="75000"/>
+                    <a:lumOff val="25000"/>
+                  </a:schemeClr>
+                </a:solidFill>
+                <a:latin typeface="+mn-lt"/>
+                <a:ea typeface="+mn-ea"/>
+                <a:cs typeface="+mn-cs"/>
+              </a:defRPr>
+            </a:lvl9pPr>
+          </a:lstStyle>
+          <a:p>
+            <a:r>
+              <a:rPr lang="en-AU" sz="2400" dirty="0" smtClean="0"/>
+              <a:t>The pseudorange is adjusted proportionally for all satellites to solve for the clock bias</a:t>
+            </a:r>
+          </a:p>
+          <a:p>
+            <a:r>
+              <a:rPr lang="en-AU" sz="2400" dirty="0" smtClean="0"/>
+              <a:t>Clock bias is a fourth variable to solve for</a:t>
+            </a:r>
+          </a:p>
+          <a:p>
+            <a:r>
+              <a:rPr lang="en-AU" sz="2400" dirty="0" smtClean="0"/>
+              <a:t>Minimum of four satellites needed</a:t>
+            </a:r>
           </a:p>
         </p:txBody>
       </p:sp>
     </p:spTree>
     <p:extLst>
       <p:ext uri="{BB962C8B-B14F-4D97-AF65-F5344CB8AC3E}">
-        <p14:creationId xmlns:p14="http://schemas.microsoft.com/office/powerpoint/2010/main" val="1588498383"/>
+        <p14:creationId xmlns:p14="http://schemas.microsoft.com/office/powerpoint/2010/main" val="1056797454"/>
       </p:ext>
     </p:extLst>
   </p:cSld>
@@ -8797,7 +12830,11 @@
           <a:bodyPr/>
           <a:lstStyle/>
           <a:p>
-            <a:endParaRPr lang="en-AU"/>
+            <a:r>
+              <a:rPr lang="en-AU" dirty="0" smtClean="0"/>
+              <a:t>Aims</a:t>
+            </a:r>
+            <a:endParaRPr lang="en-AU" dirty="0"/>
           </a:p>
         </p:txBody>
       </p:sp>
@@ -8811,19 +12848,53 @@
             <p:ph idx="1"/>
           </p:nvPr>
         </p:nvSpPr>
-        <p:spPr/>
-        <p:txBody>
-          <a:bodyPr/>
+        <p:spPr>
+          <a:xfrm>
+            <a:off x="677334" y="1398495"/>
+            <a:ext cx="8596668" cy="3563470"/>
+          </a:xfrm>
+        </p:spPr>
+        <p:txBody>
+          <a:bodyPr>
+            <a:normAutofit/>
+          </a:bodyPr>
           <a:lstStyle/>
           <a:p>
-            <a:endParaRPr lang="en-AU"/>
+            <a:r>
+              <a:rPr lang="en-AU" sz="2400" dirty="0" smtClean="0"/>
+              <a:t>Sub-meter accuracy for the relative position</a:t>
+            </a:r>
+          </a:p>
+          <a:p>
+            <a:r>
+              <a:rPr lang="en-AU" sz="2400" dirty="0" smtClean="0"/>
+              <a:t>Minimal calibration</a:t>
+            </a:r>
+          </a:p>
+          <a:p>
+            <a:r>
+              <a:rPr lang="en-AU" sz="2400" dirty="0" smtClean="0"/>
+              <a:t>No external hardware</a:t>
+            </a:r>
+          </a:p>
+          <a:p>
+            <a:r>
+              <a:rPr lang="en-AU" sz="2400" dirty="0" smtClean="0"/>
+              <a:t>Low cost receivers</a:t>
+            </a:r>
+          </a:p>
+          <a:p>
+            <a:r>
+              <a:rPr lang="en-AU" sz="2400" dirty="0" smtClean="0"/>
+              <a:t>Computationally simpler</a:t>
+            </a:r>
           </a:p>
         </p:txBody>
       </p:sp>
     </p:spTree>
     <p:extLst>
       <p:ext uri="{BB962C8B-B14F-4D97-AF65-F5344CB8AC3E}">
-        <p14:creationId xmlns:p14="http://schemas.microsoft.com/office/powerpoint/2010/main" val="2133135467"/>
+        <p14:creationId xmlns:p14="http://schemas.microsoft.com/office/powerpoint/2010/main" val="4064847271"/>
       </p:ext>
     </p:extLst>
   </p:cSld>
@@ -8859,46 +12930,6 @@
       </p:grpSpPr>
       <p:sp>
         <p:nvSpPr>
-          <p:cNvPr id="4" name="Oval 3"/>
-          <p:cNvSpPr/>
-          <p:nvPr/>
-        </p:nvSpPr>
-        <p:spPr>
-          <a:xfrm>
-            <a:off x="5760584" y="210739"/>
-            <a:ext cx="323557" cy="323557"/>
-          </a:xfrm>
-          <a:prstGeom prst="ellipse">
-            <a:avLst/>
-          </a:prstGeom>
-        </p:spPr>
-        <p:style>
-          <a:lnRef idx="2">
-            <a:schemeClr val="accent1">
-              <a:shade val="50000"/>
-            </a:schemeClr>
-          </a:lnRef>
-          <a:fillRef idx="1">
-            <a:schemeClr val="accent1"/>
-          </a:fillRef>
-          <a:effectRef idx="0">
-            <a:schemeClr val="accent1"/>
-          </a:effectRef>
-          <a:fontRef idx="minor">
-            <a:schemeClr val="lt1"/>
-          </a:fontRef>
-        </p:style>
-        <p:txBody>
-          <a:bodyPr rtlCol="0" anchor="ctr"/>
-          <a:lstStyle/>
-          <a:p>
-            <a:pPr algn="ctr"/>
-            <a:endParaRPr lang="en-AU"/>
-          </a:p>
-        </p:txBody>
-      </p:sp>
-      <p:sp>
-        <p:nvSpPr>
           <p:cNvPr id="5" name="Oval 4"/>
           <p:cNvSpPr/>
           <p:nvPr/>
@@ -8945,7 +12976,7 @@
         </p:nvSpPr>
         <p:spPr>
           <a:xfrm>
-            <a:off x="5760582" y="5732999"/>
+            <a:off x="6345008" y="5482028"/>
             <a:ext cx="323557" cy="323557"/>
           </a:xfrm>
           <a:prstGeom prst="ellipse">
@@ -8979,81 +13010,22 @@
       </p:sp>
       <p:cxnSp>
         <p:nvCxnSpPr>
-          <p:cNvPr id="8" name="Straight Connector 7"/>
-          <p:cNvCxnSpPr/>
-          <p:nvPr/>
-        </p:nvCxnSpPr>
-        <p:spPr>
-          <a:xfrm>
-            <a:off x="1398494" y="4406635"/>
-            <a:ext cx="9072282" cy="0"/>
-          </a:xfrm>
-          <a:prstGeom prst="line">
-            <a:avLst/>
-          </a:prstGeom>
-          <a:ln w="28575"/>
-        </p:spPr>
-        <p:style>
-          <a:lnRef idx="1">
-            <a:schemeClr val="accent6"/>
-          </a:lnRef>
-          <a:fillRef idx="0">
-            <a:schemeClr val="accent6"/>
-          </a:fillRef>
-          <a:effectRef idx="0">
-            <a:schemeClr val="accent6"/>
-          </a:effectRef>
-          <a:fontRef idx="minor">
-            <a:schemeClr val="tx1"/>
-          </a:fontRef>
-        </p:style>
-      </p:cxnSp>
-      <p:cxnSp>
-        <p:nvCxnSpPr>
-          <p:cNvPr id="9" name="Straight Connector 8"/>
-          <p:cNvCxnSpPr/>
-          <p:nvPr/>
-        </p:nvCxnSpPr>
-        <p:spPr>
-          <a:xfrm>
-            <a:off x="1386219" y="5894777"/>
-            <a:ext cx="9072282" cy="0"/>
-          </a:xfrm>
-          <a:prstGeom prst="line">
-            <a:avLst/>
-          </a:prstGeom>
-          <a:ln w="28575"/>
-        </p:spPr>
-        <p:style>
-          <a:lnRef idx="1">
-            <a:schemeClr val="accent6"/>
-          </a:lnRef>
-          <a:fillRef idx="0">
-            <a:schemeClr val="accent6"/>
-          </a:fillRef>
-          <a:effectRef idx="0">
-            <a:schemeClr val="accent6"/>
-          </a:effectRef>
-          <a:fontRef idx="minor">
-            <a:schemeClr val="tx1"/>
-          </a:fontRef>
-        </p:style>
-      </p:cxnSp>
-      <p:cxnSp>
-        <p:nvCxnSpPr>
           <p:cNvPr id="11" name="Straight Arrow Connector 10"/>
           <p:cNvCxnSpPr/>
           <p:nvPr/>
         </p:nvCxnSpPr>
         <p:spPr>
           <a:xfrm flipH="1">
-            <a:off x="5263799" y="372517"/>
+            <a:off x="5922359" y="405070"/>
             <a:ext cx="1" cy="4034118"/>
           </a:xfrm>
           <a:prstGeom prst="straightConnector1">
             <a:avLst/>
           </a:prstGeom>
           <a:ln w="38100">
+            <a:solidFill>
+              <a:schemeClr val="tx1"/>
+            </a:solidFill>
             <a:tailEnd type="triangle"/>
           </a:ln>
         </p:spPr>
@@ -9080,13 +13052,16 @@
         </p:nvCxnSpPr>
         <p:spPr>
           <a:xfrm>
-            <a:off x="4767015" y="372517"/>
-            <a:ext cx="0" cy="5522260"/>
+            <a:off x="5993508" y="405070"/>
+            <a:ext cx="479443" cy="5229065"/>
           </a:xfrm>
           <a:prstGeom prst="straightConnector1">
             <a:avLst/>
           </a:prstGeom>
           <a:ln w="38100">
+            <a:solidFill>
+              <a:schemeClr val="tx1"/>
+            </a:solidFill>
             <a:tailEnd type="triangle"/>
           </a:ln>
         </p:spPr>
@@ -9112,9 +13087,9 @@
           <p:nvPr/>
         </p:nvCxnSpPr>
         <p:spPr>
-          <a:xfrm flipV="1">
-            <a:off x="7888941" y="4406635"/>
-            <a:ext cx="0" cy="1488142"/>
+          <a:xfrm flipH="1" flipV="1">
+            <a:off x="6149394" y="4415495"/>
+            <a:ext cx="4961" cy="1245752"/>
           </a:xfrm>
           <a:prstGeom prst="straightConnector1">
             <a:avLst/>
@@ -9139,6 +13114,419 @@
           </a:fontRef>
         </p:style>
       </p:cxnSp>
+      <p:pic>
+        <p:nvPicPr>
+          <p:cNvPr id="14" name="Picture 13"/>
+          <p:cNvPicPr>
+            <a:picLocks noChangeAspect="1"/>
+          </p:cNvPicPr>
+          <p:nvPr/>
+        </p:nvPicPr>
+        <p:blipFill>
+          <a:blip r:embed="rId3">
+            <a:extLst>
+              <a:ext uri="{28A0092B-C50C-407E-A947-70E740481C1C}">
+                <a14:useLocalDpi xmlns:a14="http://schemas.microsoft.com/office/drawing/2010/main" val="0"/>
+              </a:ext>
+            </a:extLst>
+          </a:blip>
+          <a:stretch>
+            <a:fillRect/>
+          </a:stretch>
+        </p:blipFill>
+        <p:spPr>
+          <a:xfrm rot="18030673">
+            <a:off x="5520242" y="-182518"/>
+            <a:ext cx="804232" cy="804232"/>
+          </a:xfrm>
+          <a:prstGeom prst="rect">
+            <a:avLst/>
+          </a:prstGeom>
+        </p:spPr>
+      </p:pic>
+      <p:sp>
+        <p:nvSpPr>
+          <p:cNvPr id="3" name="Oval 2"/>
+          <p:cNvSpPr/>
+          <p:nvPr/>
+        </p:nvSpPr>
+        <p:spPr>
+          <a:xfrm>
+            <a:off x="1783478" y="-3976299"/>
+            <a:ext cx="8420060" cy="8391794"/>
+          </a:xfrm>
+          <a:prstGeom prst="ellipse">
+            <a:avLst/>
+          </a:prstGeom>
+          <a:noFill/>
+          <a:ln w="28575">
+            <a:solidFill>
+              <a:schemeClr val="bg2">
+                <a:lumMod val="50000"/>
+              </a:schemeClr>
+            </a:solidFill>
+          </a:ln>
+        </p:spPr>
+        <p:style>
+          <a:lnRef idx="2">
+            <a:schemeClr val="dk1"/>
+          </a:lnRef>
+          <a:fillRef idx="1">
+            <a:schemeClr val="lt1"/>
+          </a:fillRef>
+          <a:effectRef idx="0">
+            <a:schemeClr val="dk1"/>
+          </a:effectRef>
+          <a:fontRef idx="minor">
+            <a:schemeClr val="dk1"/>
+          </a:fontRef>
+        </p:style>
+        <p:txBody>
+          <a:bodyPr rtlCol="0" anchor="ctr"/>
+          <a:lstStyle/>
+          <a:p>
+            <a:pPr algn="ctr"/>
+            <a:endParaRPr lang="en-AU"/>
+          </a:p>
+        </p:txBody>
+      </p:sp>
+      <p:sp>
+        <p:nvSpPr>
+          <p:cNvPr id="15" name="Oval 14"/>
+          <p:cNvSpPr/>
+          <p:nvPr/>
+        </p:nvSpPr>
+        <p:spPr>
+          <a:xfrm>
+            <a:off x="677334" y="-5392062"/>
+            <a:ext cx="11063336" cy="11026197"/>
+          </a:xfrm>
+          <a:prstGeom prst="ellipse">
+            <a:avLst/>
+          </a:prstGeom>
+          <a:noFill/>
+          <a:ln w="28575">
+            <a:solidFill>
+              <a:schemeClr val="bg2">
+                <a:lumMod val="50000"/>
+              </a:schemeClr>
+            </a:solidFill>
+          </a:ln>
+        </p:spPr>
+        <p:style>
+          <a:lnRef idx="2">
+            <a:schemeClr val="dk1"/>
+          </a:lnRef>
+          <a:fillRef idx="1">
+            <a:schemeClr val="lt1"/>
+          </a:fillRef>
+          <a:effectRef idx="0">
+            <a:schemeClr val="dk1"/>
+          </a:effectRef>
+          <a:fontRef idx="minor">
+            <a:schemeClr val="dk1"/>
+          </a:fontRef>
+        </p:style>
+        <p:txBody>
+          <a:bodyPr rtlCol="0" anchor="ctr"/>
+          <a:lstStyle/>
+          <a:p>
+            <a:pPr algn="ctr"/>
+            <a:endParaRPr lang="en-AU"/>
+          </a:p>
+        </p:txBody>
+      </p:sp>
+      <p:sp>
+        <p:nvSpPr>
+          <p:cNvPr id="2" name="TextBox 1"/>
+          <p:cNvSpPr txBox="1"/>
+          <p:nvPr/>
+        </p:nvSpPr>
+        <p:spPr>
+          <a:xfrm>
+            <a:off x="326039" y="1411125"/>
+            <a:ext cx="4937760" cy="1200329"/>
+          </a:xfrm>
+          <a:prstGeom prst="rect">
+            <a:avLst/>
+          </a:prstGeom>
+          <a:solidFill>
+            <a:schemeClr val="bg1"/>
+          </a:solidFill>
+        </p:spPr>
+        <p:txBody>
+          <a:bodyPr wrap="square" rtlCol="0">
+            <a:spAutoFit/>
+          </a:bodyPr>
+          <a:lstStyle/>
+          <a:p>
+            <a:pPr marL="342900" indent="-342900">
+              <a:spcBef>
+                <a:spcPts val="1000"/>
+              </a:spcBef>
+              <a:buClr>
+                <a:schemeClr val="accent1"/>
+              </a:buClr>
+              <a:buSzPct val="80000"/>
+              <a:buFont typeface="Wingdings 3" charset="2"/>
+              <a:buChar char=""/>
+            </a:pPr>
+            <a:r>
+              <a:rPr lang="en-AU" dirty="0">
+                <a:solidFill>
+                  <a:schemeClr val="tx1">
+                    <a:lumMod val="75000"/>
+                    <a:lumOff val="25000"/>
+                  </a:schemeClr>
+                </a:solidFill>
+              </a:rPr>
+              <a:t>The satellite correlated errors are cancelled out by taking the difference in </a:t>
+            </a:r>
+            <a:r>
+              <a:rPr lang="en-AU" dirty="0">
+                <a:solidFill>
+                  <a:schemeClr val="tx1">
+                    <a:lumMod val="75000"/>
+                    <a:lumOff val="25000"/>
+                  </a:schemeClr>
+                </a:solidFill>
+              </a:rPr>
+              <a:t>pseudorange</a:t>
+            </a:r>
+            <a:r>
+              <a:rPr lang="en-AU" dirty="0">
+                <a:solidFill>
+                  <a:schemeClr val="tx1">
+                    <a:lumMod val="75000"/>
+                    <a:lumOff val="25000"/>
+                  </a:schemeClr>
+                </a:solidFill>
+              </a:rPr>
+              <a:t> between two receivers from a single satellite</a:t>
+            </a:r>
+            <a:endParaRPr lang="en-AU" dirty="0">
+              <a:solidFill>
+                <a:schemeClr val="tx1">
+                  <a:lumMod val="75000"/>
+                  <a:lumOff val="25000"/>
+                </a:schemeClr>
+              </a:solidFill>
+            </a:endParaRPr>
+          </a:p>
+        </p:txBody>
+      </p:sp>
+      <p:sp>
+        <p:nvSpPr>
+          <p:cNvPr id="12" name="Title 1"/>
+          <p:cNvSpPr>
+            <a:spLocks noGrp="1"/>
+          </p:cNvSpPr>
+          <p:nvPr>
+            <p:ph type="title"/>
+          </p:nvPr>
+        </p:nvSpPr>
+        <p:spPr>
+          <a:xfrm>
+            <a:off x="677334" y="609600"/>
+            <a:ext cx="4313766" cy="801525"/>
+          </a:xfrm>
+          <a:solidFill>
+            <a:schemeClr val="bg1"/>
+          </a:solidFill>
+        </p:spPr>
+        <p:txBody>
+          <a:bodyPr/>
+          <a:lstStyle/>
+          <a:p>
+            <a:r>
+              <a:rPr lang="en-AU" dirty="0" smtClean="0"/>
+              <a:t>Removing Error</a:t>
+            </a:r>
+            <a:endParaRPr lang="en-AU" dirty="0"/>
+          </a:p>
+        </p:txBody>
+      </p:sp>
+      <p:sp>
+        <p:nvSpPr>
+          <p:cNvPr id="21" name="TextBox 20"/>
+          <p:cNvSpPr txBox="1"/>
+          <p:nvPr/>
+        </p:nvSpPr>
+        <p:spPr>
+          <a:xfrm>
+            <a:off x="326039" y="2542519"/>
+            <a:ext cx="4937760" cy="1200329"/>
+          </a:xfrm>
+          <a:prstGeom prst="rect">
+            <a:avLst/>
+          </a:prstGeom>
+          <a:solidFill>
+            <a:schemeClr val="bg1"/>
+          </a:solidFill>
+        </p:spPr>
+        <p:txBody>
+          <a:bodyPr wrap="square" rtlCol="0">
+            <a:spAutoFit/>
+          </a:bodyPr>
+          <a:lstStyle/>
+          <a:p>
+            <a:pPr marL="342900" indent="-342900">
+              <a:spcBef>
+                <a:spcPts val="1000"/>
+              </a:spcBef>
+              <a:buClr>
+                <a:schemeClr val="accent1"/>
+              </a:buClr>
+              <a:buSzPct val="80000"/>
+              <a:buFont typeface="Wingdings 3" charset="2"/>
+              <a:buChar char=""/>
+            </a:pPr>
+            <a:r>
+              <a:rPr lang="en-AU" dirty="0">
+                <a:solidFill>
+                  <a:schemeClr val="tx1">
+                    <a:lumMod val="75000"/>
+                    <a:lumOff val="25000"/>
+                  </a:schemeClr>
+                </a:solidFill>
+              </a:rPr>
+              <a:t>The </a:t>
+            </a:r>
+            <a:r>
+              <a:rPr lang="en-AU" dirty="0" smtClean="0">
+                <a:solidFill>
+                  <a:schemeClr val="tx1">
+                    <a:lumMod val="75000"/>
+                    <a:lumOff val="25000"/>
+                  </a:schemeClr>
+                </a:solidFill>
+              </a:rPr>
+              <a:t>satellite is so far away that for receivers in the same geographical region, the direction vectors to the satellite are parallel [1]</a:t>
+            </a:r>
+            <a:endParaRPr lang="en-AU" dirty="0">
+              <a:solidFill>
+                <a:schemeClr val="tx1">
+                  <a:lumMod val="75000"/>
+                  <a:lumOff val="25000"/>
+                </a:schemeClr>
+              </a:solidFill>
+            </a:endParaRPr>
+          </a:p>
+        </p:txBody>
+      </p:sp>
+      <p:cxnSp>
+        <p:nvCxnSpPr>
+          <p:cNvPr id="28" name="Straight Arrow Connector 27"/>
+          <p:cNvCxnSpPr/>
+          <p:nvPr/>
+        </p:nvCxnSpPr>
+        <p:spPr>
+          <a:xfrm>
+            <a:off x="6472951" y="377959"/>
+            <a:ext cx="24549" cy="5229065"/>
+          </a:xfrm>
+          <a:prstGeom prst="straightConnector1">
+            <a:avLst/>
+          </a:prstGeom>
+          <a:ln w="38100">
+            <a:solidFill>
+              <a:schemeClr val="tx1"/>
+            </a:solidFill>
+            <a:tailEnd type="triangle"/>
+          </a:ln>
+        </p:spPr>
+        <p:style>
+          <a:lnRef idx="1">
+            <a:schemeClr val="accent1"/>
+          </a:lnRef>
+          <a:fillRef idx="0">
+            <a:schemeClr val="accent1"/>
+          </a:fillRef>
+          <a:effectRef idx="0">
+            <a:schemeClr val="accent1"/>
+          </a:effectRef>
+          <a:fontRef idx="minor">
+            <a:schemeClr val="tx1"/>
+          </a:fontRef>
+        </p:style>
+      </p:cxnSp>
+      <p:sp>
+        <p:nvSpPr>
+          <p:cNvPr id="36" name="Rectangle 35"/>
+          <p:cNvSpPr/>
+          <p:nvPr/>
+        </p:nvSpPr>
+        <p:spPr>
+          <a:xfrm>
+            <a:off x="113002" y="6177716"/>
+            <a:ext cx="12078998" cy="461665"/>
+          </a:xfrm>
+          <a:prstGeom prst="rect">
+            <a:avLst/>
+          </a:prstGeom>
+        </p:spPr>
+        <p:txBody>
+          <a:bodyPr wrap="square">
+            <a:spAutoFit/>
+          </a:bodyPr>
+          <a:lstStyle/>
+          <a:p>
+            <a:r>
+              <a:rPr lang="en-AU" sz="1200" dirty="0"/>
+              <a:t>[1] </a:t>
+            </a:r>
+            <a:r>
+              <a:rPr lang="en-AU" sz="1200" dirty="0" err="1"/>
+              <a:t>Hedgecock</a:t>
+            </a:r>
+            <a:r>
+              <a:rPr lang="en-AU" sz="1200" dirty="0"/>
+              <a:t>, W., </a:t>
+            </a:r>
+            <a:r>
+              <a:rPr lang="en-AU" sz="1200" dirty="0" err="1"/>
+              <a:t>Maroti</a:t>
+            </a:r>
+            <a:r>
+              <a:rPr lang="en-AU" sz="1200" dirty="0"/>
+              <a:t>, M., </a:t>
+            </a:r>
+            <a:r>
+              <a:rPr lang="en-AU" sz="1200" dirty="0" err="1"/>
+              <a:t>Sallai</a:t>
+            </a:r>
+            <a:r>
+              <a:rPr lang="en-AU" sz="1200" dirty="0"/>
+              <a:t>, J., </a:t>
+            </a:r>
+            <a:r>
+              <a:rPr lang="en-AU" sz="1200" dirty="0" err="1"/>
+              <a:t>Volgyesi</a:t>
+            </a:r>
+            <a:r>
+              <a:rPr lang="en-AU" sz="1200" dirty="0"/>
+              <a:t>, P., &amp; </a:t>
+            </a:r>
+            <a:r>
+              <a:rPr lang="en-AU" sz="1200" dirty="0" err="1"/>
+              <a:t>Ledeczi</a:t>
+            </a:r>
+            <a:r>
+              <a:rPr lang="en-AU" sz="1200" dirty="0"/>
+              <a:t>, A. (2013, June). High-accuracy differential tracking of low-cost GPS receivers. In </a:t>
+            </a:r>
+            <a:r>
+              <a:rPr lang="en-AU" sz="1200" i="1" dirty="0"/>
+              <a:t>Proceeding of the 11th annual international conference on Mobile systems, applications, and services</a:t>
+            </a:r>
+            <a:r>
+              <a:rPr lang="en-AU" sz="1200" dirty="0"/>
+              <a:t> (pp. 221-234). ACM.</a:t>
+            </a:r>
+            <a:endParaRPr lang="en-AU" sz="1200" dirty="0"/>
+          </a:p>
+        </p:txBody>
+      </p:sp>
     </p:spTree>
     <p:extLst>
       <p:ext uri="{BB962C8B-B14F-4D97-AF65-F5344CB8AC3E}">
@@ -9152,9 +13540,254 @@
   <p:timing>
     <p:tnLst>
       <p:par>
-        <p:cTn id="1" dur="indefinite" restart="never" nodeType="tmRoot"/>
+        <p:cTn id="1" dur="indefinite" restart="never" nodeType="tmRoot">
+          <p:childTnLst>
+            <p:seq concurrent="1" nextAc="seek">
+              <p:cTn id="2" dur="indefinite" nodeType="mainSeq">
+                <p:childTnLst>
+                  <p:par>
+                    <p:cTn id="3" fill="hold">
+                      <p:stCondLst>
+                        <p:cond delay="indefinite"/>
+                      </p:stCondLst>
+                      <p:childTnLst>
+                        <p:par>
+                          <p:cTn id="4" fill="hold">
+                            <p:stCondLst>
+                              <p:cond delay="0"/>
+                            </p:stCondLst>
+                            <p:childTnLst>
+                              <p:par>
+                                <p:cTn id="5" presetID="1" presetClass="entr" presetSubtype="0" fill="hold" grpId="0" nodeType="clickEffect">
+                                  <p:stCondLst>
+                                    <p:cond delay="0"/>
+                                  </p:stCondLst>
+                                  <p:childTnLst>
+                                    <p:set>
+                                      <p:cBhvr>
+                                        <p:cTn id="6" dur="1" fill="hold">
+                                          <p:stCondLst>
+                                            <p:cond delay="0"/>
+                                          </p:stCondLst>
+                                        </p:cTn>
+                                        <p:tgtEl>
+                                          <p:spTgt spid="21"/>
+                                        </p:tgtEl>
+                                        <p:attrNameLst>
+                                          <p:attrName>style.visibility</p:attrName>
+                                        </p:attrNameLst>
+                                      </p:cBhvr>
+                                      <p:to>
+                                        <p:strVal val="visible"/>
+                                      </p:to>
+                                    </p:set>
+                                  </p:childTnLst>
+                                </p:cTn>
+                              </p:par>
+                              <p:par>
+                                <p:cTn id="7" presetID="6" presetClass="emph" presetSubtype="0" fill="hold" grpId="0" nodeType="withEffect">
+                                  <p:stCondLst>
+                                    <p:cond delay="0"/>
+                                  </p:stCondLst>
+                                  <p:childTnLst>
+                                    <p:animScale>
+                                      <p:cBhvr>
+                                        <p:cTn id="8" dur="2000" fill="hold"/>
+                                        <p:tgtEl>
+                                          <p:spTgt spid="3"/>
+                                        </p:tgtEl>
+                                      </p:cBhvr>
+                                      <p:by x="500000" y="100000"/>
+                                    </p:animScale>
+                                  </p:childTnLst>
+                                </p:cTn>
+                              </p:par>
+                              <p:par>
+                                <p:cTn id="9" presetID="6" presetClass="emph" presetSubtype="0" fill="hold" grpId="0" nodeType="withEffect">
+                                  <p:stCondLst>
+                                    <p:cond delay="0"/>
+                                  </p:stCondLst>
+                                  <p:childTnLst>
+                                    <p:animScale>
+                                      <p:cBhvr>
+                                        <p:cTn id="10" dur="2000" fill="hold"/>
+                                        <p:tgtEl>
+                                          <p:spTgt spid="15"/>
+                                        </p:tgtEl>
+                                      </p:cBhvr>
+                                      <p:by x="500000" y="100000"/>
+                                    </p:animScale>
+                                  </p:childTnLst>
+                                </p:cTn>
+                              </p:par>
+                              <p:par>
+                                <p:cTn id="11" presetID="2" presetClass="exit" presetSubtype="1" fill="hold" nodeType="withEffect">
+                                  <p:stCondLst>
+                                    <p:cond delay="0"/>
+                                  </p:stCondLst>
+                                  <p:childTnLst>
+                                    <p:anim calcmode="lin" valueType="num">
+                                      <p:cBhvr additive="base">
+                                        <p:cTn id="12" dur="500"/>
+                                        <p:tgtEl>
+                                          <p:spTgt spid="14"/>
+                                        </p:tgtEl>
+                                        <p:attrNameLst>
+                                          <p:attrName>ppt_x</p:attrName>
+                                        </p:attrNameLst>
+                                      </p:cBhvr>
+                                      <p:tavLst>
+                                        <p:tav tm="0">
+                                          <p:val>
+                                            <p:strVal val="ppt_x"/>
+                                          </p:val>
+                                        </p:tav>
+                                        <p:tav tm="100000">
+                                          <p:val>
+                                            <p:strVal val="ppt_x"/>
+                                          </p:val>
+                                        </p:tav>
+                                      </p:tavLst>
+                                    </p:anim>
+                                    <p:anim calcmode="lin" valueType="num">
+                                      <p:cBhvr additive="base">
+                                        <p:cTn id="13" dur="500"/>
+                                        <p:tgtEl>
+                                          <p:spTgt spid="14"/>
+                                        </p:tgtEl>
+                                        <p:attrNameLst>
+                                          <p:attrName>ppt_y</p:attrName>
+                                        </p:attrNameLst>
+                                      </p:cBhvr>
+                                      <p:tavLst>
+                                        <p:tav tm="0">
+                                          <p:val>
+                                            <p:strVal val="ppt_y"/>
+                                          </p:val>
+                                        </p:tav>
+                                        <p:tav tm="100000">
+                                          <p:val>
+                                            <p:strVal val="0-ppt_h/2"/>
+                                          </p:val>
+                                        </p:tav>
+                                      </p:tavLst>
+                                    </p:anim>
+                                    <p:set>
+                                      <p:cBhvr>
+                                        <p:cTn id="14" dur="1" fill="hold">
+                                          <p:stCondLst>
+                                            <p:cond delay="499"/>
+                                          </p:stCondLst>
+                                        </p:cTn>
+                                        <p:tgtEl>
+                                          <p:spTgt spid="14"/>
+                                        </p:tgtEl>
+                                        <p:attrNameLst>
+                                          <p:attrName>style.visibility</p:attrName>
+                                        </p:attrNameLst>
+                                      </p:cBhvr>
+                                      <p:to>
+                                        <p:strVal val="hidden"/>
+                                      </p:to>
+                                    </p:set>
+                                  </p:childTnLst>
+                                </p:cTn>
+                              </p:par>
+                            </p:childTnLst>
+                          </p:cTn>
+                        </p:par>
+                        <p:par>
+                          <p:cTn id="15" fill="hold">
+                            <p:stCondLst>
+                              <p:cond delay="2000"/>
+                            </p:stCondLst>
+                            <p:childTnLst>
+                              <p:par>
+                                <p:cTn id="16" presetID="1" presetClass="exit" presetSubtype="0" fill="hold" nodeType="afterEffect">
+                                  <p:stCondLst>
+                                    <p:cond delay="0"/>
+                                  </p:stCondLst>
+                                  <p:childTnLst>
+                                    <p:set>
+                                      <p:cBhvr>
+                                        <p:cTn id="17" dur="1" fill="hold">
+                                          <p:stCondLst>
+                                            <p:cond delay="0"/>
+                                          </p:stCondLst>
+                                        </p:cTn>
+                                        <p:tgtEl>
+                                          <p:spTgt spid="13"/>
+                                        </p:tgtEl>
+                                        <p:attrNameLst>
+                                          <p:attrName>style.visibility</p:attrName>
+                                        </p:attrNameLst>
+                                      </p:cBhvr>
+                                      <p:to>
+                                        <p:strVal val="hidden"/>
+                                      </p:to>
+                                    </p:set>
+                                  </p:childTnLst>
+                                </p:cTn>
+                              </p:par>
+                              <p:par>
+                                <p:cTn id="18" presetID="1" presetClass="entr" presetSubtype="0" fill="hold" nodeType="withEffect">
+                                  <p:stCondLst>
+                                    <p:cond delay="0"/>
+                                  </p:stCondLst>
+                                  <p:childTnLst>
+                                    <p:set>
+                                      <p:cBhvr>
+                                        <p:cTn id="19" dur="1" fill="hold">
+                                          <p:stCondLst>
+                                            <p:cond delay="0"/>
+                                          </p:stCondLst>
+                                        </p:cTn>
+                                        <p:tgtEl>
+                                          <p:spTgt spid="28"/>
+                                        </p:tgtEl>
+                                        <p:attrNameLst>
+                                          <p:attrName>style.visibility</p:attrName>
+                                        </p:attrNameLst>
+                                      </p:cBhvr>
+                                      <p:to>
+                                        <p:strVal val="visible"/>
+                                      </p:to>
+                                    </p:set>
+                                  </p:childTnLst>
+                                </p:cTn>
+                              </p:par>
+                            </p:childTnLst>
+                          </p:cTn>
+                        </p:par>
+                      </p:childTnLst>
+                    </p:cTn>
+                  </p:par>
+                </p:childTnLst>
+              </p:cTn>
+              <p:prevCondLst>
+                <p:cond evt="onPrev" delay="0">
+                  <p:tgtEl>
+                    <p:sldTgt/>
+                  </p:tgtEl>
+                </p:cond>
+              </p:prevCondLst>
+              <p:nextCondLst>
+                <p:cond evt="onNext" delay="0">
+                  <p:tgtEl>
+                    <p:sldTgt/>
+                  </p:tgtEl>
+                </p:cond>
+              </p:nextCondLst>
+            </p:seq>
+          </p:childTnLst>
+        </p:cTn>
       </p:par>
     </p:tnLst>
+    <p:bldLst>
+      <p:bldP spid="3" grpId="0" animBg="1"/>
+      <p:bldP spid="15" grpId="0" animBg="1"/>
+      <p:bldP spid="21" grpId="0" animBg="1"/>
+    </p:bldLst>
   </p:timing>
 </p:sld>
 </file>
